--- a/TicTacToe.pptx
+++ b/TicTacToe.pptx
@@ -43,6 +43,7 @@
     <p:sldId id="288" r:id="rId40"/>
     <p:sldId id="289" r:id="rId41"/>
     <p:sldId id="290" r:id="rId42"/>
+    <p:sldId id="291" r:id="rId43"/>
   </p:sldIdLst>
   <p:sldSz cx="24384000" cy="13716000"/>
   <p:notesSz cx="6858000" cy="9144000"/>
@@ -11147,8 +11148,8 @@
         </p:nvSpPr>
         <p:spPr>
           <a:xfrm>
-            <a:off x="3043668" y="8569417"/>
-            <a:ext cx="2572650" cy="2534799"/>
+            <a:off x="3195384" y="8696417"/>
+            <a:ext cx="2420930" cy="2401810"/>
           </a:xfrm>
           <a:custGeom>
             <a:avLst/>
@@ -11175,14 +11176,14 @@
                   <a:pt x="21600" y="21600"/>
                 </a:moveTo>
                 <a:cubicBezTo>
-                  <a:pt x="7508" y="19407"/>
-                  <a:pt x="308" y="12207"/>
+                  <a:pt x="7337" y="19254"/>
+                  <a:pt x="137" y="12054"/>
                   <a:pt x="0" y="0"/>
                 </a:cubicBezTo>
               </a:path>
             </a:pathLst>
           </a:custGeom>
-          <a:ln w="63500">
+          <a:ln w="101600">
             <a:solidFill>
               <a:srgbClr val="FFFFFF"/>
             </a:solidFill>
@@ -11207,7 +11208,7 @@
         <p:spPr>
           <a:xfrm>
             <a:off x="5616322" y="10528797"/>
-            <a:ext cx="3965358" cy="1270001"/>
+            <a:ext cx="4268789" cy="1270001"/>
           </a:xfrm>
           <a:prstGeom prst="roundRect">
             <a:avLst>
@@ -11230,7 +11231,7 @@
           <a:bodyPr lIns="71437" tIns="71437" rIns="71437" bIns="71437" anchor="ctr"/>
           <a:lstStyle>
             <a:lvl1pPr>
-              <a:defRPr sz="5400"/>
+              <a:defRPr sz="6400"/>
             </a:lvl1pPr>
           </a:lstStyle>
           <a:p>
@@ -11250,7 +11251,7 @@
         <p:spPr>
           <a:xfrm>
             <a:off x="5616322" y="2984500"/>
-            <a:ext cx="3965358" cy="1270000"/>
+            <a:ext cx="4268789" cy="1270000"/>
           </a:xfrm>
           <a:prstGeom prst="roundRect">
             <a:avLst>
@@ -11273,7 +11274,7 @@
           <a:bodyPr lIns="71437" tIns="71437" rIns="71437" bIns="71437" anchor="ctr"/>
           <a:lstStyle>
             <a:lvl1pPr>
-              <a:defRPr sz="5400"/>
+              <a:defRPr sz="6400"/>
             </a:lvl1pPr>
           </a:lstStyle>
           <a:p>
@@ -11292,8 +11293,8 @@
         </p:nvSpPr>
         <p:spPr>
           <a:xfrm>
-            <a:off x="3039293" y="3542837"/>
-            <a:ext cx="2577024" cy="2496429"/>
+            <a:off x="3191009" y="3556532"/>
+            <a:ext cx="2425304" cy="2482734"/>
           </a:xfrm>
           <a:custGeom>
             <a:avLst/>
@@ -11315,19 +11316,19 @@
             </a:cxnLst>
             <a:rect l="0" t="0" r="r" b="b"/>
             <a:pathLst>
-              <a:path w="21034" h="21600" fill="norm" stroke="1" extrusionOk="0">
+              <a:path w="21017" h="21600" fill="norm" stroke="1" extrusionOk="0">
                 <a:moveTo>
-                  <a:pt x="36" y="21600"/>
+                  <a:pt x="37" y="21600"/>
                 </a:moveTo>
                 <a:cubicBezTo>
-                  <a:pt x="-566" y="8404"/>
-                  <a:pt x="6433" y="1204"/>
-                  <a:pt x="21034" y="0"/>
+                  <a:pt x="-583" y="8712"/>
+                  <a:pt x="6410" y="1512"/>
+                  <a:pt x="21017" y="0"/>
                 </a:cubicBezTo>
               </a:path>
             </a:pathLst>
           </a:custGeom>
-          <a:ln w="63500">
+          <a:ln w="101600">
             <a:solidFill>
               <a:srgbClr val="FFFFFF"/>
             </a:solidFill>
@@ -11350,8 +11351,8 @@
         </p:nvSpPr>
         <p:spPr>
           <a:xfrm>
-            <a:off x="3043668" y="6039265"/>
-            <a:ext cx="2" cy="2530153"/>
+            <a:off x="3195384" y="6039265"/>
+            <a:ext cx="1" cy="2657153"/>
           </a:xfrm>
           <a:custGeom>
             <a:avLst/>
@@ -11373,19 +11374,19 @@
             </a:cxnLst>
             <a:rect l="0" t="0" r="r" b="b"/>
             <a:pathLst>
-              <a:path w="21600" h="21600" fill="norm" stroke="1" extrusionOk="0">
+              <a:path w="17280" h="21600" fill="norm" stroke="1" extrusionOk="0">
                 <a:moveTo>
-                  <a:pt x="21600" y="21600"/>
+                  <a:pt x="4320" y="21600"/>
                 </a:moveTo>
                 <a:cubicBezTo>
-                  <a:pt x="14400" y="14400"/>
-                  <a:pt x="7200" y="7200"/>
-                  <a:pt x="0" y="0"/>
+                  <a:pt x="-4320" y="14400"/>
+                  <a:pt x="0" y="7200"/>
+                  <a:pt x="17280" y="0"/>
                 </a:cubicBezTo>
               </a:path>
             </a:pathLst>
           </a:custGeom>
-          <a:ln w="63500">
+          <a:ln w="101600">
             <a:solidFill>
               <a:srgbClr val="FFFFFF"/>
             </a:solidFill>
@@ -11491,258 +11492,301 @@
           </a:p>
         </p:txBody>
       </p:sp>
-      <p:cxnSp>
-        <p:nvCxnSpPr>
-          <p:cNvPr id="460" name="Connector 460"/>
-          <p:cNvCxnSpPr>
-            <a:stCxn id="461" idx="0"/>
-            <a:endCxn id="463" idx="0"/>
-          </p:cNvCxnSpPr>
+      <p:grpSp>
+        <p:nvGrpSpPr>
+          <p:cNvPr id="467" name="Group 467"/>
+          <p:cNvGrpSpPr/>
           <p:nvPr/>
-        </p:nvCxnSpPr>
-        <p:spPr>
-          <a:xfrm flipH="1" flipV="1">
-            <a:off x="3043669" y="8569417"/>
-            <a:ext cx="4555332" cy="2594381"/>
+        </p:nvGrpSpPr>
+        <p:grpSpPr>
+          <a:xfrm>
+            <a:off x="1060990" y="2984500"/>
+            <a:ext cx="8824121" cy="8814298"/>
+            <a:chOff x="0" y="0"/>
+            <a:chExt cx="8824120" cy="8814297"/>
           </a:xfrm>
-          <a:prstGeom prst="straightConnector1">
-            <a:avLst/>
-          </a:prstGeom>
-          <a:ln w="63500">
-            <a:solidFill>
-              <a:srgbClr val="FFFFFF"/>
-            </a:solidFill>
-            <a:prstDash val="sysDot"/>
-            <a:miter lim="400000"/>
-            <a:headEnd type="triangle"/>
-          </a:ln>
-        </p:spPr>
-      </p:cxnSp>
-      <p:sp>
-        <p:nvSpPr>
-          <p:cNvPr id="461" name="Shape 461"/>
-          <p:cNvSpPr/>
-          <p:nvPr/>
-        </p:nvSpPr>
-        <p:spPr>
-          <a:xfrm>
-            <a:off x="5616322" y="10528797"/>
-            <a:ext cx="3965358" cy="1270001"/>
-          </a:xfrm>
-          <a:prstGeom prst="roundRect">
-            <a:avLst>
-              <a:gd name="adj" fmla="val 15000"/>
-            </a:avLst>
-          </a:prstGeom>
-          <a:blipFill>
-            <a:blip r:embed="rId2"/>
-          </a:blipFill>
-          <a:ln w="12700">
-            <a:miter lim="400000"/>
-          </a:ln>
-          <a:extLst>
-            <a:ext uri="{C572A759-6A51-4108-AA02-DFA0A04FC94B}">
-              <ma14:wrappingTextBoxFlag xmlns:ma14="http://schemas.microsoft.com/office/mac/drawingml/2011/main" val="1"/>
-            </a:ext>
-          </a:extLst>
-        </p:spPr>
-        <p:txBody>
-          <a:bodyPr lIns="71437" tIns="71437" rIns="71437" bIns="71437" anchor="ctr"/>
-          <a:lstStyle>
-            <a:lvl1pPr>
-              <a:defRPr sz="5400"/>
-            </a:lvl1pPr>
-          </a:lstStyle>
-          <a:p>
-            <a:pPr/>
-            <a:r>
-              <a:t>View</a:t>
-            </a:r>
-          </a:p>
-        </p:txBody>
-      </p:sp>
-      <p:sp>
-        <p:nvSpPr>
-          <p:cNvPr id="462" name="Shape 462"/>
-          <p:cNvSpPr/>
-          <p:nvPr/>
-        </p:nvSpPr>
-        <p:spPr>
-          <a:xfrm>
-            <a:off x="5616322" y="2984500"/>
-            <a:ext cx="3965358" cy="1270000"/>
-          </a:xfrm>
-          <a:prstGeom prst="roundRect">
-            <a:avLst>
-              <a:gd name="adj" fmla="val 15000"/>
-            </a:avLst>
-          </a:prstGeom>
-          <a:blipFill>
-            <a:blip r:embed="rId2"/>
-          </a:blipFill>
-          <a:ln w="12700">
-            <a:miter lim="400000"/>
-          </a:ln>
-          <a:extLst>
-            <a:ext uri="{C572A759-6A51-4108-AA02-DFA0A04FC94B}">
-              <ma14:wrappingTextBoxFlag xmlns:ma14="http://schemas.microsoft.com/office/mac/drawingml/2011/main" val="1"/>
-            </a:ext>
-          </a:extLst>
-        </p:spPr>
-        <p:txBody>
-          <a:bodyPr lIns="71437" tIns="71437" rIns="71437" bIns="71437" anchor="ctr"/>
-          <a:lstStyle>
-            <a:lvl1pPr>
-              <a:defRPr sz="5400"/>
-            </a:lvl1pPr>
-          </a:lstStyle>
-          <a:p>
-            <a:pPr/>
-            <a:r>
-              <a:t>Model</a:t>
-            </a:r>
-          </a:p>
-        </p:txBody>
-      </p:sp>
-      <p:sp>
-        <p:nvSpPr>
-          <p:cNvPr id="463" name="Shape 463"/>
-          <p:cNvSpPr/>
-          <p:nvPr/>
-        </p:nvSpPr>
-        <p:spPr>
-          <a:xfrm>
-            <a:off x="1060990" y="7934417"/>
-            <a:ext cx="3965358" cy="1270001"/>
-          </a:xfrm>
-          <a:prstGeom prst="roundRect">
-            <a:avLst>
-              <a:gd name="adj" fmla="val 15000"/>
-            </a:avLst>
-          </a:prstGeom>
-          <a:blipFill>
-            <a:blip r:embed="rId2"/>
-          </a:blipFill>
-          <a:ln w="12700">
-            <a:miter lim="400000"/>
-          </a:ln>
-          <a:extLst>
-            <a:ext uri="{C572A759-6A51-4108-AA02-DFA0A04FC94B}">
-              <ma14:wrappingTextBoxFlag xmlns:ma14="http://schemas.microsoft.com/office/mac/drawingml/2011/main" val="1"/>
-            </a:ext>
-          </a:extLst>
-        </p:spPr>
-        <p:txBody>
-          <a:bodyPr lIns="71437" tIns="71437" rIns="71437" bIns="71437" anchor="ctr"/>
-          <a:lstStyle>
-            <a:lvl1pPr>
-              <a:defRPr sz="5400"/>
-            </a:lvl1pPr>
-          </a:lstStyle>
-          <a:p>
-            <a:pPr/>
-            <a:r>
-              <a:t>???</a:t>
-            </a:r>
-          </a:p>
-        </p:txBody>
-      </p:sp>
-      <p:sp>
-        <p:nvSpPr>
-          <p:cNvPr id="464" name="Shape 464"/>
-          <p:cNvSpPr/>
-          <p:nvPr/>
-        </p:nvSpPr>
-        <p:spPr>
-          <a:xfrm>
-            <a:off x="1060990" y="5404265"/>
-            <a:ext cx="3965358" cy="1270001"/>
-          </a:xfrm>
-          <a:prstGeom prst="roundRect">
-            <a:avLst>
-              <a:gd name="adj" fmla="val 15000"/>
-            </a:avLst>
-          </a:prstGeom>
-          <a:blipFill>
-            <a:blip r:embed="rId2"/>
-          </a:blipFill>
-          <a:ln w="12700">
-            <a:miter lim="400000"/>
-          </a:ln>
-          <a:extLst>
-            <a:ext uri="{C572A759-6A51-4108-AA02-DFA0A04FC94B}">
-              <ma14:wrappingTextBoxFlag xmlns:ma14="http://schemas.microsoft.com/office/mac/drawingml/2011/main" val="1"/>
-            </a:ext>
-          </a:extLst>
-        </p:spPr>
-        <p:txBody>
-          <a:bodyPr lIns="71437" tIns="71437" rIns="71437" bIns="71437" anchor="ctr"/>
-          <a:lstStyle>
-            <a:lvl1pPr>
-              <a:defRPr sz="5400"/>
-            </a:lvl1pPr>
-          </a:lstStyle>
-          <a:p>
-            <a:pPr/>
-            <a:r>
-              <a:t>Hiccup</a:t>
-            </a:r>
-          </a:p>
-        </p:txBody>
-      </p:sp>
-      <p:cxnSp>
-        <p:nvCxnSpPr>
-          <p:cNvPr id="465" name="Connector 465"/>
-          <p:cNvCxnSpPr>
-            <a:stCxn id="464" idx="0"/>
-            <a:endCxn id="462" idx="0"/>
-          </p:cNvCxnSpPr>
-          <p:nvPr/>
-        </p:nvCxnSpPr>
-        <p:spPr>
-          <a:xfrm flipV="1">
-            <a:off x="3043669" y="3619500"/>
-            <a:ext cx="4555332" cy="2419766"/>
-          </a:xfrm>
-          <a:prstGeom prst="straightConnector1">
-            <a:avLst/>
-          </a:prstGeom>
-          <a:ln w="63500">
-            <a:solidFill>
-              <a:srgbClr val="FFFFFF"/>
-            </a:solidFill>
-            <a:miter lim="400000"/>
-            <a:headEnd type="triangle"/>
-          </a:ln>
-        </p:spPr>
-      </p:cxnSp>
-      <p:cxnSp>
-        <p:nvCxnSpPr>
-          <p:cNvPr id="466" name="Connector 466"/>
-          <p:cNvCxnSpPr>
-            <a:stCxn id="463" idx="0"/>
-            <a:endCxn id="464" idx="0"/>
-          </p:cNvCxnSpPr>
-          <p:nvPr/>
-        </p:nvCxnSpPr>
-        <p:spPr>
-          <a:xfrm flipV="1">
-            <a:off x="3043669" y="6039265"/>
-            <a:ext cx="1" cy="2530153"/>
-          </a:xfrm>
-          <a:prstGeom prst="straightConnector1">
-            <a:avLst/>
-          </a:prstGeom>
-          <a:ln w="63500">
-            <a:solidFill>
-              <a:srgbClr val="FFFFFF"/>
-            </a:solidFill>
-            <a:prstDash val="sysDot"/>
-            <a:miter lim="400000"/>
-            <a:headEnd type="triangle"/>
-          </a:ln>
-        </p:spPr>
-      </p:cxnSp>
+        </p:grpSpPr>
+        <p:cxnSp>
+          <p:nvCxnSpPr>
+            <p:cNvPr id="460" name="Connector 460"/>
+            <p:cNvCxnSpPr>
+              <a:stCxn id="461" idx="0"/>
+              <a:endCxn id="463" idx="0"/>
+            </p:cNvCxnSpPr>
+            <p:nvPr/>
+          </p:nvCxnSpPr>
+          <p:spPr>
+            <a:xfrm flipH="1" flipV="1">
+              <a:off x="2134394" y="5711917"/>
+              <a:ext cx="4555333" cy="2467381"/>
+            </a:xfrm>
+            <a:prstGeom prst="straightConnector1">
+              <a:avLst/>
+            </a:prstGeom>
+            <a:ln w="101600" cap="flat">
+              <a:solidFill>
+                <a:srgbClr val="FFFFFF"/>
+              </a:solidFill>
+              <a:prstDash val="sysDot"/>
+              <a:miter lim="400000"/>
+              <a:headEnd type="triangle" w="med" len="med"/>
+            </a:ln>
+            <a:effectLst/>
+          </p:spPr>
+        </p:cxnSp>
+        <p:sp>
+          <p:nvSpPr>
+            <p:cNvPr id="461" name="Shape 461"/>
+            <p:cNvSpPr/>
+            <p:nvPr/>
+          </p:nvSpPr>
+          <p:spPr>
+            <a:xfrm>
+              <a:off x="4555332" y="7544297"/>
+              <a:ext cx="4268789" cy="1270001"/>
+            </a:xfrm>
+            <a:prstGeom prst="roundRect">
+              <a:avLst>
+                <a:gd name="adj" fmla="val 15000"/>
+              </a:avLst>
+            </a:prstGeom>
+            <a:blipFill rotWithShape="1">
+              <a:blip r:embed="rId2"/>
+              <a:srcRect l="0" t="0" r="0" b="0"/>
+              <a:tile tx="0" ty="0" sx="100000" sy="100000" flip="none" algn="tl"/>
+            </a:blipFill>
+            <a:ln w="12700" cap="flat">
+              <a:noFill/>
+              <a:miter lim="400000"/>
+            </a:ln>
+            <a:effectLst/>
+            <a:extLst>
+              <a:ext uri="{C572A759-6A51-4108-AA02-DFA0A04FC94B}">
+                <ma14:wrappingTextBoxFlag xmlns:ma14="http://schemas.microsoft.com/office/mac/drawingml/2011/main" val="1"/>
+              </a:ext>
+            </a:extLst>
+          </p:spPr>
+          <p:txBody>
+            <a:bodyPr wrap="square" lIns="71437" tIns="71437" rIns="71437" bIns="71437" numCol="1" anchor="ctr">
+              <a:noAutofit/>
+            </a:bodyPr>
+            <a:lstStyle>
+              <a:lvl1pPr>
+                <a:defRPr sz="6400"/>
+              </a:lvl1pPr>
+            </a:lstStyle>
+            <a:p>
+              <a:pPr/>
+              <a:r>
+                <a:t>View</a:t>
+              </a:r>
+            </a:p>
+          </p:txBody>
+        </p:sp>
+        <p:sp>
+          <p:nvSpPr>
+            <p:cNvPr id="462" name="Shape 462"/>
+            <p:cNvSpPr/>
+            <p:nvPr/>
+          </p:nvSpPr>
+          <p:spPr>
+            <a:xfrm>
+              <a:off x="4555332" y="0"/>
+              <a:ext cx="4268789" cy="1270000"/>
+            </a:xfrm>
+            <a:prstGeom prst="roundRect">
+              <a:avLst>
+                <a:gd name="adj" fmla="val 15000"/>
+              </a:avLst>
+            </a:prstGeom>
+            <a:blipFill rotWithShape="1">
+              <a:blip r:embed="rId2"/>
+              <a:srcRect l="0" t="0" r="0" b="0"/>
+              <a:tile tx="0" ty="0" sx="100000" sy="100000" flip="none" algn="tl"/>
+            </a:blipFill>
+            <a:ln w="12700" cap="flat">
+              <a:noFill/>
+              <a:miter lim="400000"/>
+            </a:ln>
+            <a:effectLst/>
+            <a:extLst>
+              <a:ext uri="{C572A759-6A51-4108-AA02-DFA0A04FC94B}">
+                <ma14:wrappingTextBoxFlag xmlns:ma14="http://schemas.microsoft.com/office/mac/drawingml/2011/main" val="1"/>
+              </a:ext>
+            </a:extLst>
+          </p:spPr>
+          <p:txBody>
+            <a:bodyPr wrap="square" lIns="71437" tIns="71437" rIns="71437" bIns="71437" numCol="1" anchor="ctr">
+              <a:noAutofit/>
+            </a:bodyPr>
+            <a:lstStyle>
+              <a:lvl1pPr>
+                <a:defRPr sz="6400"/>
+              </a:lvl1pPr>
+            </a:lstStyle>
+            <a:p>
+              <a:pPr/>
+              <a:r>
+                <a:t>Model</a:t>
+              </a:r>
+            </a:p>
+          </p:txBody>
+        </p:sp>
+        <p:sp>
+          <p:nvSpPr>
+            <p:cNvPr id="463" name="Shape 463"/>
+            <p:cNvSpPr/>
+            <p:nvPr/>
+          </p:nvSpPr>
+          <p:spPr>
+            <a:xfrm>
+              <a:off x="0" y="5076917"/>
+              <a:ext cx="4268789" cy="1270001"/>
+            </a:xfrm>
+            <a:prstGeom prst="roundRect">
+              <a:avLst>
+                <a:gd name="adj" fmla="val 15000"/>
+              </a:avLst>
+            </a:prstGeom>
+            <a:blipFill rotWithShape="1">
+              <a:blip r:embed="rId2"/>
+              <a:srcRect l="0" t="0" r="0" b="0"/>
+              <a:tile tx="0" ty="0" sx="100000" sy="100000" flip="none" algn="tl"/>
+            </a:blipFill>
+            <a:ln w="12700" cap="flat">
+              <a:noFill/>
+              <a:miter lim="400000"/>
+            </a:ln>
+            <a:effectLst/>
+            <a:extLst>
+              <a:ext uri="{C572A759-6A51-4108-AA02-DFA0A04FC94B}">
+                <ma14:wrappingTextBoxFlag xmlns:ma14="http://schemas.microsoft.com/office/mac/drawingml/2011/main" val="1"/>
+              </a:ext>
+            </a:extLst>
+          </p:spPr>
+          <p:txBody>
+            <a:bodyPr wrap="square" lIns="71437" tIns="71437" rIns="71437" bIns="71437" numCol="1" anchor="ctr">
+              <a:noAutofit/>
+            </a:bodyPr>
+            <a:lstStyle>
+              <a:lvl1pPr>
+                <a:defRPr sz="6400"/>
+              </a:lvl1pPr>
+            </a:lstStyle>
+            <a:p>
+              <a:pPr/>
+              <a:r>
+                <a:t>???</a:t>
+              </a:r>
+            </a:p>
+          </p:txBody>
+        </p:sp>
+        <p:sp>
+          <p:nvSpPr>
+            <p:cNvPr id="464" name="Shape 464"/>
+            <p:cNvSpPr/>
+            <p:nvPr/>
+          </p:nvSpPr>
+          <p:spPr>
+            <a:xfrm>
+              <a:off x="0" y="2419765"/>
+              <a:ext cx="4268789" cy="1270001"/>
+            </a:xfrm>
+            <a:prstGeom prst="roundRect">
+              <a:avLst>
+                <a:gd name="adj" fmla="val 15000"/>
+              </a:avLst>
+            </a:prstGeom>
+            <a:blipFill rotWithShape="1">
+              <a:blip r:embed="rId2"/>
+              <a:srcRect l="0" t="0" r="0" b="0"/>
+              <a:tile tx="0" ty="0" sx="100000" sy="100000" flip="none" algn="tl"/>
+            </a:blipFill>
+            <a:ln w="12700" cap="flat">
+              <a:noFill/>
+              <a:miter lim="400000"/>
+            </a:ln>
+            <a:effectLst/>
+            <a:extLst>
+              <a:ext uri="{C572A759-6A51-4108-AA02-DFA0A04FC94B}">
+                <ma14:wrappingTextBoxFlag xmlns:ma14="http://schemas.microsoft.com/office/mac/drawingml/2011/main" val="1"/>
+              </a:ext>
+            </a:extLst>
+          </p:spPr>
+          <p:txBody>
+            <a:bodyPr wrap="square" lIns="71437" tIns="71437" rIns="71437" bIns="71437" numCol="1" anchor="ctr">
+              <a:noAutofit/>
+            </a:bodyPr>
+            <a:lstStyle>
+              <a:lvl1pPr>
+                <a:defRPr sz="6400"/>
+              </a:lvl1pPr>
+            </a:lstStyle>
+            <a:p>
+              <a:pPr/>
+              <a:r>
+                <a:t>Hiccup</a:t>
+              </a:r>
+            </a:p>
+          </p:txBody>
+        </p:sp>
+        <p:cxnSp>
+          <p:nvCxnSpPr>
+            <p:cNvPr id="465" name="Connector 465"/>
+            <p:cNvCxnSpPr>
+              <a:stCxn id="464" idx="0"/>
+              <a:endCxn id="462" idx="0"/>
+            </p:cNvCxnSpPr>
+            <p:nvPr/>
+          </p:nvCxnSpPr>
+          <p:spPr>
+            <a:xfrm flipV="1">
+              <a:off x="2134394" y="635000"/>
+              <a:ext cx="4555333" cy="2419766"/>
+            </a:xfrm>
+            <a:prstGeom prst="straightConnector1">
+              <a:avLst/>
+            </a:prstGeom>
+            <a:ln w="101600" cap="flat">
+              <a:solidFill>
+                <a:srgbClr val="FFFFFF"/>
+              </a:solidFill>
+              <a:prstDash val="solid"/>
+              <a:miter lim="400000"/>
+              <a:headEnd type="triangle" w="med" len="med"/>
+            </a:ln>
+            <a:effectLst/>
+          </p:spPr>
+        </p:cxnSp>
+        <p:cxnSp>
+          <p:nvCxnSpPr>
+            <p:cNvPr id="466" name="Connector 466"/>
+            <p:cNvCxnSpPr>
+              <a:stCxn id="463" idx="0"/>
+              <a:endCxn id="464" idx="0"/>
+            </p:cNvCxnSpPr>
+            <p:nvPr/>
+          </p:nvCxnSpPr>
+          <p:spPr>
+            <a:xfrm flipV="1">
+              <a:off x="2134394" y="3054765"/>
+              <a:ext cx="1" cy="2657153"/>
+            </a:xfrm>
+            <a:prstGeom prst="straightConnector1">
+              <a:avLst/>
+            </a:prstGeom>
+            <a:ln w="101600" cap="flat">
+              <a:solidFill>
+                <a:srgbClr val="FFFFFF"/>
+              </a:solidFill>
+              <a:prstDash val="sysDot"/>
+              <a:miter lim="400000"/>
+              <a:headEnd type="triangle" w="med" len="med"/>
+            </a:ln>
+            <a:effectLst/>
+          </p:spPr>
+        </p:cxnSp>
+      </p:grpSp>
     </p:spTree>
   </p:cSld>
   <p:clrMapOvr>
@@ -11771,7 +11815,7 @@
       </p:grpSpPr>
       <p:sp>
         <p:nvSpPr>
-          <p:cNvPr id="468" name="Shape 468"/>
+          <p:cNvPr id="469" name="Shape 469"/>
           <p:cNvSpPr/>
           <p:nvPr>
             <p:ph type="title"/>
@@ -11799,7 +11843,7 @@
       </p:sp>
       <p:sp>
         <p:nvSpPr>
-          <p:cNvPr id="469" name="Shape 469"/>
+          <p:cNvPr id="470" name="Shape 470"/>
           <p:cNvSpPr/>
           <p:nvPr>
             <p:ph type="sldNum" sz="quarter" idx="2"/>
@@ -11852,7 +11896,7 @@
       </p:grpSpPr>
       <p:sp>
         <p:nvSpPr>
-          <p:cNvPr id="471" name="Shape 471"/>
+          <p:cNvPr id="472" name="Shape 472"/>
           <p:cNvSpPr/>
           <p:nvPr>
             <p:ph type="sldNum" sz="quarter" idx="2"/>
@@ -11879,7 +11923,7 @@
       </p:sp>
       <p:sp>
         <p:nvSpPr>
-          <p:cNvPr id="472" name="Shape 472"/>
+          <p:cNvPr id="473" name="Shape 473"/>
           <p:cNvSpPr/>
           <p:nvPr>
             <p:ph type="title"/>
@@ -11915,261 +11959,9 @@
           </a:p>
         </p:txBody>
       </p:sp>
-      <p:cxnSp>
-        <p:nvCxnSpPr>
-          <p:cNvPr id="473" name="Connector 473"/>
-          <p:cNvCxnSpPr>
-            <a:stCxn id="474" idx="0"/>
-            <a:endCxn id="476" idx="0"/>
-          </p:cNvCxnSpPr>
-          <p:nvPr/>
-        </p:nvCxnSpPr>
-        <p:spPr>
-          <a:xfrm flipH="1" flipV="1">
-            <a:off x="3043669" y="8569417"/>
-            <a:ext cx="4555332" cy="2594381"/>
-          </a:xfrm>
-          <a:prstGeom prst="straightConnector1">
-            <a:avLst/>
-          </a:prstGeom>
-          <a:ln w="63500">
-            <a:solidFill>
-              <a:srgbClr val="FFFFFF"/>
-            </a:solidFill>
-            <a:prstDash val="sysDot"/>
-            <a:miter lim="400000"/>
-            <a:headEnd type="triangle"/>
-          </a:ln>
-        </p:spPr>
-      </p:cxnSp>
       <p:sp>
         <p:nvSpPr>
           <p:cNvPr id="474" name="Shape 474"/>
-          <p:cNvSpPr/>
-          <p:nvPr/>
-        </p:nvSpPr>
-        <p:spPr>
-          <a:xfrm>
-            <a:off x="5616322" y="10528797"/>
-            <a:ext cx="3965358" cy="1270001"/>
-          </a:xfrm>
-          <a:prstGeom prst="roundRect">
-            <a:avLst>
-              <a:gd name="adj" fmla="val 15000"/>
-            </a:avLst>
-          </a:prstGeom>
-          <a:blipFill>
-            <a:blip r:embed="rId2"/>
-          </a:blipFill>
-          <a:ln w="12700">
-            <a:miter lim="400000"/>
-          </a:ln>
-          <a:extLst>
-            <a:ext uri="{C572A759-6A51-4108-AA02-DFA0A04FC94B}">
-              <ma14:wrappingTextBoxFlag xmlns:ma14="http://schemas.microsoft.com/office/mac/drawingml/2011/main" val="1"/>
-            </a:ext>
-          </a:extLst>
-        </p:spPr>
-        <p:txBody>
-          <a:bodyPr lIns="71437" tIns="71437" rIns="71437" bIns="71437" anchor="ctr"/>
-          <a:lstStyle>
-            <a:lvl1pPr>
-              <a:defRPr sz="5400"/>
-            </a:lvl1pPr>
-          </a:lstStyle>
-          <a:p>
-            <a:pPr/>
-            <a:r>
-              <a:t>View</a:t>
-            </a:r>
-          </a:p>
-        </p:txBody>
-      </p:sp>
-      <p:sp>
-        <p:nvSpPr>
-          <p:cNvPr id="475" name="Shape 475"/>
-          <p:cNvSpPr/>
-          <p:nvPr/>
-        </p:nvSpPr>
-        <p:spPr>
-          <a:xfrm>
-            <a:off x="5616322" y="2984500"/>
-            <a:ext cx="3965358" cy="1270000"/>
-          </a:xfrm>
-          <a:prstGeom prst="roundRect">
-            <a:avLst>
-              <a:gd name="adj" fmla="val 15000"/>
-            </a:avLst>
-          </a:prstGeom>
-          <a:blipFill>
-            <a:blip r:embed="rId2"/>
-          </a:blipFill>
-          <a:ln w="12700">
-            <a:miter lim="400000"/>
-          </a:ln>
-          <a:extLst>
-            <a:ext uri="{C572A759-6A51-4108-AA02-DFA0A04FC94B}">
-              <ma14:wrappingTextBoxFlag xmlns:ma14="http://schemas.microsoft.com/office/mac/drawingml/2011/main" val="1"/>
-            </a:ext>
-          </a:extLst>
-        </p:spPr>
-        <p:txBody>
-          <a:bodyPr lIns="71437" tIns="71437" rIns="71437" bIns="71437" anchor="ctr"/>
-          <a:lstStyle>
-            <a:lvl1pPr>
-              <a:defRPr sz="5400"/>
-            </a:lvl1pPr>
-          </a:lstStyle>
-          <a:p>
-            <a:pPr/>
-            <a:r>
-              <a:t>Model</a:t>
-            </a:r>
-          </a:p>
-        </p:txBody>
-      </p:sp>
-      <p:sp>
-        <p:nvSpPr>
-          <p:cNvPr id="476" name="Shape 476"/>
-          <p:cNvSpPr/>
-          <p:nvPr/>
-        </p:nvSpPr>
-        <p:spPr>
-          <a:xfrm>
-            <a:off x="1060990" y="7934417"/>
-            <a:ext cx="3965358" cy="1270001"/>
-          </a:xfrm>
-          <a:prstGeom prst="roundRect">
-            <a:avLst>
-              <a:gd name="adj" fmla="val 15000"/>
-            </a:avLst>
-          </a:prstGeom>
-          <a:blipFill>
-            <a:blip r:embed="rId2"/>
-          </a:blipFill>
-          <a:ln w="12700">
-            <a:miter lim="400000"/>
-          </a:ln>
-          <a:extLst>
-            <a:ext uri="{C572A759-6A51-4108-AA02-DFA0A04FC94B}">
-              <ma14:wrappingTextBoxFlag xmlns:ma14="http://schemas.microsoft.com/office/mac/drawingml/2011/main" val="1"/>
-            </a:ext>
-          </a:extLst>
-        </p:spPr>
-        <p:txBody>
-          <a:bodyPr lIns="71437" tIns="71437" rIns="71437" bIns="71437" anchor="ctr"/>
-          <a:lstStyle>
-            <a:lvl1pPr>
-              <a:defRPr sz="5400"/>
-            </a:lvl1pPr>
-          </a:lstStyle>
-          <a:p>
-            <a:pPr/>
-            <a:r>
-              <a:t>Reagent</a:t>
-            </a:r>
-          </a:p>
-        </p:txBody>
-      </p:sp>
-      <p:sp>
-        <p:nvSpPr>
-          <p:cNvPr id="477" name="Shape 477"/>
-          <p:cNvSpPr/>
-          <p:nvPr/>
-        </p:nvSpPr>
-        <p:spPr>
-          <a:xfrm>
-            <a:off x="1060990" y="5404265"/>
-            <a:ext cx="3965358" cy="1270001"/>
-          </a:xfrm>
-          <a:prstGeom prst="roundRect">
-            <a:avLst>
-              <a:gd name="adj" fmla="val 15000"/>
-            </a:avLst>
-          </a:prstGeom>
-          <a:blipFill>
-            <a:blip r:embed="rId2"/>
-          </a:blipFill>
-          <a:ln w="12700">
-            <a:miter lim="400000"/>
-          </a:ln>
-          <a:extLst>
-            <a:ext uri="{C572A759-6A51-4108-AA02-DFA0A04FC94B}">
-              <ma14:wrappingTextBoxFlag xmlns:ma14="http://schemas.microsoft.com/office/mac/drawingml/2011/main" val="1"/>
-            </a:ext>
-          </a:extLst>
-        </p:spPr>
-        <p:txBody>
-          <a:bodyPr lIns="71437" tIns="71437" rIns="71437" bIns="71437" anchor="ctr"/>
-          <a:lstStyle>
-            <a:lvl1pPr>
-              <a:defRPr sz="5400"/>
-            </a:lvl1pPr>
-          </a:lstStyle>
-          <a:p>
-            <a:pPr/>
-            <a:r>
-              <a:t>Hiccup</a:t>
-            </a:r>
-          </a:p>
-        </p:txBody>
-      </p:sp>
-      <p:cxnSp>
-        <p:nvCxnSpPr>
-          <p:cNvPr id="478" name="Connector 478"/>
-          <p:cNvCxnSpPr>
-            <a:stCxn id="477" idx="0"/>
-            <a:endCxn id="475" idx="0"/>
-          </p:cNvCxnSpPr>
-          <p:nvPr/>
-        </p:nvCxnSpPr>
-        <p:spPr>
-          <a:xfrm flipV="1">
-            <a:off x="3043669" y="3619500"/>
-            <a:ext cx="4555332" cy="2419766"/>
-          </a:xfrm>
-          <a:prstGeom prst="straightConnector1">
-            <a:avLst/>
-          </a:prstGeom>
-          <a:ln w="63500">
-            <a:solidFill>
-              <a:srgbClr val="FFFFFF"/>
-            </a:solidFill>
-            <a:miter lim="400000"/>
-            <a:headEnd type="triangle"/>
-          </a:ln>
-        </p:spPr>
-      </p:cxnSp>
-      <p:cxnSp>
-        <p:nvCxnSpPr>
-          <p:cNvPr id="479" name="Connector 479"/>
-          <p:cNvCxnSpPr>
-            <a:stCxn id="476" idx="0"/>
-            <a:endCxn id="477" idx="0"/>
-          </p:cNvCxnSpPr>
-          <p:nvPr/>
-        </p:nvCxnSpPr>
-        <p:spPr>
-          <a:xfrm flipV="1">
-            <a:off x="3043669" y="6039265"/>
-            <a:ext cx="1" cy="2530153"/>
-          </a:xfrm>
-          <a:prstGeom prst="straightConnector1">
-            <a:avLst/>
-          </a:prstGeom>
-          <a:ln w="63500">
-            <a:solidFill>
-              <a:srgbClr val="FFFFFF"/>
-            </a:solidFill>
-            <a:prstDash val="sysDot"/>
-            <a:miter lim="400000"/>
-            <a:headEnd type="triangle"/>
-          </a:ln>
-        </p:spPr>
-      </p:cxnSp>
-      <p:sp>
-        <p:nvSpPr>
-          <p:cNvPr id="480" name="Shape 480"/>
           <p:cNvSpPr/>
           <p:nvPr/>
         </p:nvSpPr>
@@ -12251,6 +12043,301 @@
           </a:p>
         </p:txBody>
       </p:sp>
+      <p:grpSp>
+        <p:nvGrpSpPr>
+          <p:cNvPr id="482" name="Group 482"/>
+          <p:cNvGrpSpPr/>
+          <p:nvPr/>
+        </p:nvGrpSpPr>
+        <p:grpSpPr>
+          <a:xfrm>
+            <a:off x="1060990" y="2984500"/>
+            <a:ext cx="8824121" cy="8814298"/>
+            <a:chOff x="0" y="0"/>
+            <a:chExt cx="8824120" cy="8814297"/>
+          </a:xfrm>
+        </p:grpSpPr>
+        <p:cxnSp>
+          <p:nvCxnSpPr>
+            <p:cNvPr id="475" name="Connector 475"/>
+            <p:cNvCxnSpPr>
+              <a:stCxn id="476" idx="0"/>
+              <a:endCxn id="478" idx="0"/>
+            </p:cNvCxnSpPr>
+            <p:nvPr/>
+          </p:nvCxnSpPr>
+          <p:spPr>
+            <a:xfrm flipH="1" flipV="1">
+              <a:off x="2134394" y="5711917"/>
+              <a:ext cx="4555332" cy="2467381"/>
+            </a:xfrm>
+            <a:prstGeom prst="straightConnector1">
+              <a:avLst/>
+            </a:prstGeom>
+            <a:ln w="101600" cap="flat">
+              <a:solidFill>
+                <a:srgbClr val="FFFFFF"/>
+              </a:solidFill>
+              <a:prstDash val="sysDot"/>
+              <a:miter lim="400000"/>
+              <a:headEnd type="triangle" w="med" len="med"/>
+            </a:ln>
+            <a:effectLst/>
+          </p:spPr>
+        </p:cxnSp>
+        <p:sp>
+          <p:nvSpPr>
+            <p:cNvPr id="476" name="Shape 476"/>
+            <p:cNvSpPr/>
+            <p:nvPr/>
+          </p:nvSpPr>
+          <p:spPr>
+            <a:xfrm>
+              <a:off x="4555331" y="7544297"/>
+              <a:ext cx="4268790" cy="1270001"/>
+            </a:xfrm>
+            <a:prstGeom prst="roundRect">
+              <a:avLst>
+                <a:gd name="adj" fmla="val 15000"/>
+              </a:avLst>
+            </a:prstGeom>
+            <a:blipFill rotWithShape="1">
+              <a:blip r:embed="rId2"/>
+              <a:srcRect l="0" t="0" r="0" b="0"/>
+              <a:tile tx="0" ty="0" sx="100000" sy="100000" flip="none" algn="tl"/>
+            </a:blipFill>
+            <a:ln w="12700" cap="flat">
+              <a:noFill/>
+              <a:miter lim="400000"/>
+            </a:ln>
+            <a:effectLst/>
+            <a:extLst>
+              <a:ext uri="{C572A759-6A51-4108-AA02-DFA0A04FC94B}">
+                <ma14:wrappingTextBoxFlag xmlns:ma14="http://schemas.microsoft.com/office/mac/drawingml/2011/main" val="1"/>
+              </a:ext>
+            </a:extLst>
+          </p:spPr>
+          <p:txBody>
+            <a:bodyPr wrap="square" lIns="71437" tIns="71437" rIns="71437" bIns="71437" numCol="1" anchor="ctr">
+              <a:noAutofit/>
+            </a:bodyPr>
+            <a:lstStyle>
+              <a:lvl1pPr>
+                <a:defRPr sz="6400"/>
+              </a:lvl1pPr>
+            </a:lstStyle>
+            <a:p>
+              <a:pPr/>
+              <a:r>
+                <a:t>View</a:t>
+              </a:r>
+            </a:p>
+          </p:txBody>
+        </p:sp>
+        <p:sp>
+          <p:nvSpPr>
+            <p:cNvPr id="477" name="Shape 477"/>
+            <p:cNvSpPr/>
+            <p:nvPr/>
+          </p:nvSpPr>
+          <p:spPr>
+            <a:xfrm>
+              <a:off x="4555331" y="0"/>
+              <a:ext cx="4268790" cy="1270000"/>
+            </a:xfrm>
+            <a:prstGeom prst="roundRect">
+              <a:avLst>
+                <a:gd name="adj" fmla="val 15000"/>
+              </a:avLst>
+            </a:prstGeom>
+            <a:blipFill rotWithShape="1">
+              <a:blip r:embed="rId2"/>
+              <a:srcRect l="0" t="0" r="0" b="0"/>
+              <a:tile tx="0" ty="0" sx="100000" sy="100000" flip="none" algn="tl"/>
+            </a:blipFill>
+            <a:ln w="12700" cap="flat">
+              <a:noFill/>
+              <a:miter lim="400000"/>
+            </a:ln>
+            <a:effectLst/>
+            <a:extLst>
+              <a:ext uri="{C572A759-6A51-4108-AA02-DFA0A04FC94B}">
+                <ma14:wrappingTextBoxFlag xmlns:ma14="http://schemas.microsoft.com/office/mac/drawingml/2011/main" val="1"/>
+              </a:ext>
+            </a:extLst>
+          </p:spPr>
+          <p:txBody>
+            <a:bodyPr wrap="square" lIns="71437" tIns="71437" rIns="71437" bIns="71437" numCol="1" anchor="ctr">
+              <a:noAutofit/>
+            </a:bodyPr>
+            <a:lstStyle>
+              <a:lvl1pPr>
+                <a:defRPr sz="6400"/>
+              </a:lvl1pPr>
+            </a:lstStyle>
+            <a:p>
+              <a:pPr/>
+              <a:r>
+                <a:t>Model</a:t>
+              </a:r>
+            </a:p>
+          </p:txBody>
+        </p:sp>
+        <p:sp>
+          <p:nvSpPr>
+            <p:cNvPr id="478" name="Shape 478"/>
+            <p:cNvSpPr/>
+            <p:nvPr/>
+          </p:nvSpPr>
+          <p:spPr>
+            <a:xfrm>
+              <a:off x="0" y="5076917"/>
+              <a:ext cx="4268789" cy="1270001"/>
+            </a:xfrm>
+            <a:prstGeom prst="roundRect">
+              <a:avLst>
+                <a:gd name="adj" fmla="val 15000"/>
+              </a:avLst>
+            </a:prstGeom>
+            <a:blipFill rotWithShape="1">
+              <a:blip r:embed="rId2"/>
+              <a:srcRect l="0" t="0" r="0" b="0"/>
+              <a:tile tx="0" ty="0" sx="100000" sy="100000" flip="none" algn="tl"/>
+            </a:blipFill>
+            <a:ln w="12700" cap="flat">
+              <a:noFill/>
+              <a:miter lim="400000"/>
+            </a:ln>
+            <a:effectLst/>
+            <a:extLst>
+              <a:ext uri="{C572A759-6A51-4108-AA02-DFA0A04FC94B}">
+                <ma14:wrappingTextBoxFlag xmlns:ma14="http://schemas.microsoft.com/office/mac/drawingml/2011/main" val="1"/>
+              </a:ext>
+            </a:extLst>
+          </p:spPr>
+          <p:txBody>
+            <a:bodyPr wrap="square" lIns="71437" tIns="71437" rIns="71437" bIns="71437" numCol="1" anchor="ctr">
+              <a:noAutofit/>
+            </a:bodyPr>
+            <a:lstStyle>
+              <a:lvl1pPr>
+                <a:defRPr sz="6400"/>
+              </a:lvl1pPr>
+            </a:lstStyle>
+            <a:p>
+              <a:pPr/>
+              <a:r>
+                <a:t>Reagent</a:t>
+              </a:r>
+            </a:p>
+          </p:txBody>
+        </p:sp>
+        <p:sp>
+          <p:nvSpPr>
+            <p:cNvPr id="479" name="Shape 479"/>
+            <p:cNvSpPr/>
+            <p:nvPr/>
+          </p:nvSpPr>
+          <p:spPr>
+            <a:xfrm>
+              <a:off x="0" y="2419765"/>
+              <a:ext cx="4268789" cy="1270001"/>
+            </a:xfrm>
+            <a:prstGeom prst="roundRect">
+              <a:avLst>
+                <a:gd name="adj" fmla="val 15000"/>
+              </a:avLst>
+            </a:prstGeom>
+            <a:blipFill rotWithShape="1">
+              <a:blip r:embed="rId2"/>
+              <a:srcRect l="0" t="0" r="0" b="0"/>
+              <a:tile tx="0" ty="0" sx="100000" sy="100000" flip="none" algn="tl"/>
+            </a:blipFill>
+            <a:ln w="12700" cap="flat">
+              <a:noFill/>
+              <a:miter lim="400000"/>
+            </a:ln>
+            <a:effectLst/>
+            <a:extLst>
+              <a:ext uri="{C572A759-6A51-4108-AA02-DFA0A04FC94B}">
+                <ma14:wrappingTextBoxFlag xmlns:ma14="http://schemas.microsoft.com/office/mac/drawingml/2011/main" val="1"/>
+              </a:ext>
+            </a:extLst>
+          </p:spPr>
+          <p:txBody>
+            <a:bodyPr wrap="square" lIns="71437" tIns="71437" rIns="71437" bIns="71437" numCol="1" anchor="ctr">
+              <a:noAutofit/>
+            </a:bodyPr>
+            <a:lstStyle>
+              <a:lvl1pPr>
+                <a:defRPr sz="6400"/>
+              </a:lvl1pPr>
+            </a:lstStyle>
+            <a:p>
+              <a:pPr/>
+              <a:r>
+                <a:t>Hiccup</a:t>
+              </a:r>
+            </a:p>
+          </p:txBody>
+        </p:sp>
+        <p:cxnSp>
+          <p:nvCxnSpPr>
+            <p:cNvPr id="480" name="Connector 480"/>
+            <p:cNvCxnSpPr>
+              <a:stCxn id="479" idx="0"/>
+              <a:endCxn id="477" idx="0"/>
+            </p:cNvCxnSpPr>
+            <p:nvPr/>
+          </p:nvCxnSpPr>
+          <p:spPr>
+            <a:xfrm flipV="1">
+              <a:off x="2134394" y="635000"/>
+              <a:ext cx="4555332" cy="2419766"/>
+            </a:xfrm>
+            <a:prstGeom prst="straightConnector1">
+              <a:avLst/>
+            </a:prstGeom>
+            <a:ln w="101600" cap="flat">
+              <a:solidFill>
+                <a:srgbClr val="FFFFFF"/>
+              </a:solidFill>
+              <a:prstDash val="solid"/>
+              <a:miter lim="400000"/>
+              <a:headEnd type="triangle" w="med" len="med"/>
+            </a:ln>
+            <a:effectLst/>
+          </p:spPr>
+        </p:cxnSp>
+        <p:cxnSp>
+          <p:nvCxnSpPr>
+            <p:cNvPr id="481" name="Connector 481"/>
+            <p:cNvCxnSpPr>
+              <a:stCxn id="478" idx="0"/>
+              <a:endCxn id="479" idx="0"/>
+            </p:cNvCxnSpPr>
+            <p:nvPr/>
+          </p:nvCxnSpPr>
+          <p:spPr>
+            <a:xfrm flipV="1">
+              <a:off x="2134394" y="3054765"/>
+              <a:ext cx="1" cy="2657153"/>
+            </a:xfrm>
+            <a:prstGeom prst="straightConnector1">
+              <a:avLst/>
+            </a:prstGeom>
+            <a:ln w="101600" cap="flat">
+              <a:solidFill>
+                <a:srgbClr val="FFFFFF"/>
+              </a:solidFill>
+              <a:prstDash val="sysDot"/>
+              <a:miter lim="400000"/>
+              <a:headEnd type="triangle" w="med" len="med"/>
+            </a:ln>
+            <a:effectLst/>
+          </p:spPr>
+        </p:cxnSp>
+      </p:grpSp>
     </p:spTree>
   </p:cSld>
   <p:clrMapOvr>
@@ -12279,7 +12366,7 @@
       </p:grpSpPr>
       <p:sp>
         <p:nvSpPr>
-          <p:cNvPr id="482" name="Shape 482"/>
+          <p:cNvPr id="484" name="Shape 484"/>
           <p:cNvSpPr/>
           <p:nvPr>
             <p:ph type="title"/>
@@ -12307,7 +12394,7 @@
       </p:sp>
       <p:sp>
         <p:nvSpPr>
-          <p:cNvPr id="483" name="Shape 483"/>
+          <p:cNvPr id="485" name="Shape 485"/>
           <p:cNvSpPr/>
           <p:nvPr>
             <p:ph type="sldNum" sz="quarter" idx="2"/>
@@ -12870,7 +12957,7 @@
       </p:grpSpPr>
       <p:sp>
         <p:nvSpPr>
-          <p:cNvPr id="485" name="Shape 485"/>
+          <p:cNvPr id="487" name="Shape 487"/>
           <p:cNvSpPr/>
           <p:nvPr>
             <p:ph type="sldNum" sz="quarter" idx="2"/>
@@ -12897,7 +12984,7 @@
       </p:sp>
       <p:sp>
         <p:nvSpPr>
-          <p:cNvPr id="486" name="Shape 486"/>
+          <p:cNvPr id="488" name="Shape 488"/>
           <p:cNvSpPr/>
           <p:nvPr>
             <p:ph type="title"/>
@@ -12933,353 +13020,406 @@
           </a:p>
         </p:txBody>
       </p:sp>
-      <p:cxnSp>
-        <p:nvCxnSpPr>
-          <p:cNvPr id="487" name="Connector 487"/>
-          <p:cNvCxnSpPr>
-            <a:stCxn id="488" idx="0"/>
-            <a:endCxn id="490" idx="0"/>
-          </p:cNvCxnSpPr>
+      <p:grpSp>
+        <p:nvGrpSpPr>
+          <p:cNvPr id="499" name="Group 499"/>
+          <p:cNvGrpSpPr/>
           <p:nvPr/>
-        </p:nvCxnSpPr>
-        <p:spPr>
-          <a:xfrm flipH="1" flipV="1">
-            <a:off x="3043669" y="8569417"/>
-            <a:ext cx="4555332" cy="2594381"/>
+        </p:nvGrpSpPr>
+        <p:grpSpPr>
+          <a:xfrm>
+            <a:off x="1060990" y="2984500"/>
+            <a:ext cx="13304204" cy="8814298"/>
+            <a:chOff x="0" y="0"/>
+            <a:chExt cx="13304203" cy="8814297"/>
           </a:xfrm>
-          <a:prstGeom prst="straightConnector1">
-            <a:avLst/>
-          </a:prstGeom>
-          <a:ln w="63500">
-            <a:solidFill>
-              <a:srgbClr val="FFFFFF"/>
-            </a:solidFill>
-            <a:prstDash val="sysDot"/>
-            <a:miter lim="400000"/>
-            <a:headEnd type="triangle"/>
-          </a:ln>
-        </p:spPr>
-      </p:cxnSp>
-      <p:sp>
-        <p:nvSpPr>
-          <p:cNvPr id="488" name="Shape 488"/>
-          <p:cNvSpPr/>
-          <p:nvPr/>
-        </p:nvSpPr>
-        <p:spPr>
-          <a:xfrm>
-            <a:off x="5616322" y="10528797"/>
-            <a:ext cx="3965358" cy="1270001"/>
-          </a:xfrm>
-          <a:prstGeom prst="roundRect">
-            <a:avLst>
-              <a:gd name="adj" fmla="val 15000"/>
-            </a:avLst>
-          </a:prstGeom>
-          <a:blipFill>
-            <a:blip r:embed="rId2"/>
-          </a:blipFill>
-          <a:ln w="12700">
-            <a:miter lim="400000"/>
-          </a:ln>
-          <a:extLst>
-            <a:ext uri="{C572A759-6A51-4108-AA02-DFA0A04FC94B}">
-              <ma14:wrappingTextBoxFlag xmlns:ma14="http://schemas.microsoft.com/office/mac/drawingml/2011/main" val="1"/>
-            </a:ext>
-          </a:extLst>
-        </p:spPr>
-        <p:txBody>
-          <a:bodyPr lIns="71437" tIns="71437" rIns="71437" bIns="71437" anchor="ctr"/>
-          <a:lstStyle>
-            <a:lvl1pPr>
-              <a:defRPr sz="5400"/>
-            </a:lvl1pPr>
-          </a:lstStyle>
-          <a:p>
-            <a:pPr/>
-            <a:r>
-              <a:t>View</a:t>
-            </a:r>
-          </a:p>
-        </p:txBody>
-      </p:sp>
-      <p:sp>
-        <p:nvSpPr>
-          <p:cNvPr id="489" name="Shape 489"/>
-          <p:cNvSpPr/>
-          <p:nvPr/>
-        </p:nvSpPr>
-        <p:spPr>
-          <a:xfrm>
-            <a:off x="5616322" y="2984500"/>
-            <a:ext cx="3965358" cy="1270000"/>
-          </a:xfrm>
-          <a:prstGeom prst="roundRect">
-            <a:avLst>
-              <a:gd name="adj" fmla="val 15000"/>
-            </a:avLst>
-          </a:prstGeom>
-          <a:blipFill>
-            <a:blip r:embed="rId2"/>
-          </a:blipFill>
-          <a:ln w="12700">
-            <a:miter lim="400000"/>
-          </a:ln>
-          <a:extLst>
-            <a:ext uri="{C572A759-6A51-4108-AA02-DFA0A04FC94B}">
-              <ma14:wrappingTextBoxFlag xmlns:ma14="http://schemas.microsoft.com/office/mac/drawingml/2011/main" val="1"/>
-            </a:ext>
-          </a:extLst>
-        </p:spPr>
-        <p:txBody>
-          <a:bodyPr lIns="71437" tIns="71437" rIns="71437" bIns="71437" anchor="ctr"/>
-          <a:lstStyle>
-            <a:lvl1pPr>
-              <a:defRPr sz="5400"/>
-            </a:lvl1pPr>
-          </a:lstStyle>
-          <a:p>
-            <a:pPr/>
-            <a:r>
-              <a:t>Model</a:t>
-            </a:r>
-          </a:p>
-        </p:txBody>
-      </p:sp>
-      <p:sp>
-        <p:nvSpPr>
-          <p:cNvPr id="490" name="Shape 490"/>
-          <p:cNvSpPr/>
-          <p:nvPr/>
-        </p:nvSpPr>
-        <p:spPr>
-          <a:xfrm>
-            <a:off x="1060990" y="7934417"/>
-            <a:ext cx="3965358" cy="1270001"/>
-          </a:xfrm>
-          <a:prstGeom prst="roundRect">
-            <a:avLst>
-              <a:gd name="adj" fmla="val 15000"/>
-            </a:avLst>
-          </a:prstGeom>
-          <a:blipFill>
-            <a:blip r:embed="rId2"/>
-          </a:blipFill>
-          <a:ln w="12700">
-            <a:miter lim="400000"/>
-          </a:ln>
-          <a:extLst>
-            <a:ext uri="{C572A759-6A51-4108-AA02-DFA0A04FC94B}">
-              <ma14:wrappingTextBoxFlag xmlns:ma14="http://schemas.microsoft.com/office/mac/drawingml/2011/main" val="1"/>
-            </a:ext>
-          </a:extLst>
-        </p:spPr>
-        <p:txBody>
-          <a:bodyPr lIns="71437" tIns="71437" rIns="71437" bIns="71437" anchor="ctr"/>
-          <a:lstStyle>
-            <a:lvl1pPr>
-              <a:defRPr sz="5400"/>
-            </a:lvl1pPr>
-          </a:lstStyle>
-          <a:p>
-            <a:pPr/>
-            <a:r>
-              <a:t>Reagent</a:t>
-            </a:r>
-          </a:p>
-        </p:txBody>
-      </p:sp>
-      <p:sp>
-        <p:nvSpPr>
-          <p:cNvPr id="491" name="Shape 491"/>
-          <p:cNvSpPr/>
-          <p:nvPr/>
-        </p:nvSpPr>
-        <p:spPr>
-          <a:xfrm>
-            <a:off x="1060990" y="5404265"/>
-            <a:ext cx="3965358" cy="1270001"/>
-          </a:xfrm>
-          <a:prstGeom prst="roundRect">
-            <a:avLst>
-              <a:gd name="adj" fmla="val 15000"/>
-            </a:avLst>
-          </a:prstGeom>
-          <a:blipFill>
-            <a:blip r:embed="rId2"/>
-          </a:blipFill>
-          <a:ln w="12700">
-            <a:miter lim="400000"/>
-          </a:ln>
-          <a:extLst>
-            <a:ext uri="{C572A759-6A51-4108-AA02-DFA0A04FC94B}">
-              <ma14:wrappingTextBoxFlag xmlns:ma14="http://schemas.microsoft.com/office/mac/drawingml/2011/main" val="1"/>
-            </a:ext>
-          </a:extLst>
-        </p:spPr>
-        <p:txBody>
-          <a:bodyPr lIns="71437" tIns="71437" rIns="71437" bIns="71437" anchor="ctr"/>
-          <a:lstStyle>
-            <a:lvl1pPr>
-              <a:defRPr sz="5400"/>
-            </a:lvl1pPr>
-          </a:lstStyle>
-          <a:p>
-            <a:pPr/>
-            <a:r>
-              <a:t>Hiccup</a:t>
-            </a:r>
-          </a:p>
-        </p:txBody>
-      </p:sp>
-      <p:sp>
-        <p:nvSpPr>
-          <p:cNvPr id="492" name="Shape 492"/>
-          <p:cNvSpPr/>
-          <p:nvPr/>
-        </p:nvSpPr>
-        <p:spPr>
-          <a:xfrm>
-            <a:off x="10096405" y="6794500"/>
-            <a:ext cx="3965358" cy="1270000"/>
-          </a:xfrm>
-          <a:prstGeom prst="roundRect">
-            <a:avLst>
-              <a:gd name="adj" fmla="val 15000"/>
-            </a:avLst>
-          </a:prstGeom>
-          <a:blipFill>
-            <a:blip r:embed="rId2"/>
-          </a:blipFill>
-          <a:ln w="12700">
-            <a:miter lim="400000"/>
-          </a:ln>
-          <a:extLst>
-            <a:ext uri="{C572A759-6A51-4108-AA02-DFA0A04FC94B}">
-              <ma14:wrappingTextBoxFlag xmlns:ma14="http://schemas.microsoft.com/office/mac/drawingml/2011/main" val="1"/>
-            </a:ext>
-          </a:extLst>
-        </p:spPr>
-        <p:txBody>
-          <a:bodyPr lIns="71437" tIns="71437" rIns="71437" bIns="71437" anchor="ctr"/>
-          <a:lstStyle>
-            <a:lvl1pPr>
-              <a:defRPr sz="5400"/>
-            </a:lvl1pPr>
-          </a:lstStyle>
-          <a:p>
-            <a:pPr/>
-            <a:r>
-              <a:t>Logic</a:t>
-            </a:r>
-          </a:p>
-        </p:txBody>
-      </p:sp>
-      <p:cxnSp>
-        <p:nvCxnSpPr>
-          <p:cNvPr id="493" name="Connector 493"/>
-          <p:cNvCxnSpPr>
-            <a:stCxn id="491" idx="0"/>
-            <a:endCxn id="489" idx="0"/>
-          </p:cNvCxnSpPr>
-          <p:nvPr/>
-        </p:nvCxnSpPr>
-        <p:spPr>
-          <a:xfrm flipV="1">
-            <a:off x="3043669" y="3619500"/>
-            <a:ext cx="4555332" cy="2419766"/>
-          </a:xfrm>
-          <a:prstGeom prst="straightConnector1">
-            <a:avLst/>
-          </a:prstGeom>
-          <a:ln w="63500">
-            <a:solidFill>
-              <a:srgbClr val="FFFFFF"/>
-            </a:solidFill>
-            <a:miter lim="400000"/>
-            <a:headEnd type="triangle"/>
-          </a:ln>
-        </p:spPr>
-      </p:cxnSp>
-      <p:cxnSp>
-        <p:nvCxnSpPr>
-          <p:cNvPr id="494" name="Connector 494"/>
-          <p:cNvCxnSpPr>
-            <a:stCxn id="488" idx="0"/>
-            <a:endCxn id="492" idx="0"/>
-          </p:cNvCxnSpPr>
-          <p:nvPr/>
-        </p:nvCxnSpPr>
-        <p:spPr>
-          <a:xfrm flipV="1">
-            <a:off x="7599000" y="7429500"/>
-            <a:ext cx="4480085" cy="3734298"/>
-          </a:xfrm>
-          <a:prstGeom prst="straightConnector1">
-            <a:avLst/>
-          </a:prstGeom>
-          <a:ln w="63500">
-            <a:solidFill>
-              <a:srgbClr val="FFFFFF"/>
-            </a:solidFill>
-            <a:miter lim="400000"/>
-            <a:tailEnd type="triangle"/>
-          </a:ln>
-        </p:spPr>
-      </p:cxnSp>
-      <p:cxnSp>
-        <p:nvCxnSpPr>
-          <p:cNvPr id="495" name="Connector 495"/>
-          <p:cNvCxnSpPr>
-            <a:stCxn id="489" idx="0"/>
-            <a:endCxn id="492" idx="0"/>
-          </p:cNvCxnSpPr>
-          <p:nvPr/>
-        </p:nvCxnSpPr>
-        <p:spPr>
-          <a:xfrm>
-            <a:off x="7599000" y="3619500"/>
-            <a:ext cx="4480085" cy="3810000"/>
-          </a:xfrm>
-          <a:prstGeom prst="straightConnector1">
-            <a:avLst/>
-          </a:prstGeom>
-          <a:ln w="63500">
-            <a:solidFill>
-              <a:srgbClr val="FFFFFF"/>
-            </a:solidFill>
-            <a:miter lim="400000"/>
-            <a:headEnd type="triangle"/>
-          </a:ln>
-        </p:spPr>
-      </p:cxnSp>
-      <p:cxnSp>
-        <p:nvCxnSpPr>
-          <p:cNvPr id="496" name="Connector 496"/>
-          <p:cNvCxnSpPr>
-            <a:stCxn id="490" idx="0"/>
-            <a:endCxn id="491" idx="0"/>
-          </p:cNvCxnSpPr>
-          <p:nvPr/>
-        </p:nvCxnSpPr>
-        <p:spPr>
-          <a:xfrm flipV="1">
-            <a:off x="3043669" y="6039265"/>
-            <a:ext cx="1" cy="2530153"/>
-          </a:xfrm>
-          <a:prstGeom prst="straightConnector1">
-            <a:avLst/>
-          </a:prstGeom>
-          <a:ln w="63500">
-            <a:solidFill>
-              <a:srgbClr val="FFFFFF"/>
-            </a:solidFill>
-            <a:prstDash val="sysDot"/>
-            <a:miter lim="400000"/>
-            <a:headEnd type="triangle"/>
-          </a:ln>
-        </p:spPr>
-      </p:cxnSp>
+        </p:grpSpPr>
+        <p:cxnSp>
+          <p:nvCxnSpPr>
+            <p:cNvPr id="489" name="Connector 489"/>
+            <p:cNvCxnSpPr>
+              <a:stCxn id="490" idx="0"/>
+              <a:endCxn id="492" idx="0"/>
+            </p:cNvCxnSpPr>
+            <p:nvPr/>
+          </p:nvCxnSpPr>
+          <p:spPr>
+            <a:xfrm flipH="1" flipV="1">
+              <a:off x="2134394" y="5711917"/>
+              <a:ext cx="4555333" cy="2467381"/>
+            </a:xfrm>
+            <a:prstGeom prst="straightConnector1">
+              <a:avLst/>
+            </a:prstGeom>
+            <a:ln w="101600" cap="flat">
+              <a:solidFill>
+                <a:srgbClr val="FFFFFF"/>
+              </a:solidFill>
+              <a:prstDash val="sysDot"/>
+              <a:miter lim="400000"/>
+              <a:headEnd type="triangle" w="med" len="med"/>
+            </a:ln>
+            <a:effectLst/>
+          </p:spPr>
+        </p:cxnSp>
+        <p:sp>
+          <p:nvSpPr>
+            <p:cNvPr id="490" name="Shape 490"/>
+            <p:cNvSpPr/>
+            <p:nvPr/>
+          </p:nvSpPr>
+          <p:spPr>
+            <a:xfrm>
+              <a:off x="4555332" y="7544297"/>
+              <a:ext cx="4268789" cy="1270001"/>
+            </a:xfrm>
+            <a:prstGeom prst="roundRect">
+              <a:avLst>
+                <a:gd name="adj" fmla="val 15000"/>
+              </a:avLst>
+            </a:prstGeom>
+            <a:blipFill rotWithShape="1">
+              <a:blip r:embed="rId2"/>
+              <a:srcRect l="0" t="0" r="0" b="0"/>
+              <a:tile tx="0" ty="0" sx="100000" sy="100000" flip="none" algn="tl"/>
+            </a:blipFill>
+            <a:ln w="12700" cap="flat">
+              <a:noFill/>
+              <a:miter lim="400000"/>
+            </a:ln>
+            <a:effectLst/>
+            <a:extLst>
+              <a:ext uri="{C572A759-6A51-4108-AA02-DFA0A04FC94B}">
+                <ma14:wrappingTextBoxFlag xmlns:ma14="http://schemas.microsoft.com/office/mac/drawingml/2011/main" val="1"/>
+              </a:ext>
+            </a:extLst>
+          </p:spPr>
+          <p:txBody>
+            <a:bodyPr wrap="square" lIns="71437" tIns="71437" rIns="71437" bIns="71437" numCol="1" anchor="ctr">
+              <a:noAutofit/>
+            </a:bodyPr>
+            <a:lstStyle>
+              <a:lvl1pPr>
+                <a:defRPr sz="6400"/>
+              </a:lvl1pPr>
+            </a:lstStyle>
+            <a:p>
+              <a:pPr/>
+              <a:r>
+                <a:t>View</a:t>
+              </a:r>
+            </a:p>
+          </p:txBody>
+        </p:sp>
+        <p:sp>
+          <p:nvSpPr>
+            <p:cNvPr id="491" name="Shape 491"/>
+            <p:cNvSpPr/>
+            <p:nvPr/>
+          </p:nvSpPr>
+          <p:spPr>
+            <a:xfrm>
+              <a:off x="4555332" y="0"/>
+              <a:ext cx="4268789" cy="1270000"/>
+            </a:xfrm>
+            <a:prstGeom prst="roundRect">
+              <a:avLst>
+                <a:gd name="adj" fmla="val 15000"/>
+              </a:avLst>
+            </a:prstGeom>
+            <a:blipFill rotWithShape="1">
+              <a:blip r:embed="rId2"/>
+              <a:srcRect l="0" t="0" r="0" b="0"/>
+              <a:tile tx="0" ty="0" sx="100000" sy="100000" flip="none" algn="tl"/>
+            </a:blipFill>
+            <a:ln w="12700" cap="flat">
+              <a:noFill/>
+              <a:miter lim="400000"/>
+            </a:ln>
+            <a:effectLst/>
+            <a:extLst>
+              <a:ext uri="{C572A759-6A51-4108-AA02-DFA0A04FC94B}">
+                <ma14:wrappingTextBoxFlag xmlns:ma14="http://schemas.microsoft.com/office/mac/drawingml/2011/main" val="1"/>
+              </a:ext>
+            </a:extLst>
+          </p:spPr>
+          <p:txBody>
+            <a:bodyPr wrap="square" lIns="71437" tIns="71437" rIns="71437" bIns="71437" numCol="1" anchor="ctr">
+              <a:noAutofit/>
+            </a:bodyPr>
+            <a:lstStyle>
+              <a:lvl1pPr>
+                <a:defRPr sz="6400"/>
+              </a:lvl1pPr>
+            </a:lstStyle>
+            <a:p>
+              <a:pPr/>
+              <a:r>
+                <a:t>Model</a:t>
+              </a:r>
+            </a:p>
+          </p:txBody>
+        </p:sp>
+        <p:sp>
+          <p:nvSpPr>
+            <p:cNvPr id="492" name="Shape 492"/>
+            <p:cNvSpPr/>
+            <p:nvPr/>
+          </p:nvSpPr>
+          <p:spPr>
+            <a:xfrm>
+              <a:off x="0" y="5076917"/>
+              <a:ext cx="4268789" cy="1270001"/>
+            </a:xfrm>
+            <a:prstGeom prst="roundRect">
+              <a:avLst>
+                <a:gd name="adj" fmla="val 15000"/>
+              </a:avLst>
+            </a:prstGeom>
+            <a:blipFill rotWithShape="1">
+              <a:blip r:embed="rId2"/>
+              <a:srcRect l="0" t="0" r="0" b="0"/>
+              <a:tile tx="0" ty="0" sx="100000" sy="100000" flip="none" algn="tl"/>
+            </a:blipFill>
+            <a:ln w="12700" cap="flat">
+              <a:noFill/>
+              <a:miter lim="400000"/>
+            </a:ln>
+            <a:effectLst/>
+            <a:extLst>
+              <a:ext uri="{C572A759-6A51-4108-AA02-DFA0A04FC94B}">
+                <ma14:wrappingTextBoxFlag xmlns:ma14="http://schemas.microsoft.com/office/mac/drawingml/2011/main" val="1"/>
+              </a:ext>
+            </a:extLst>
+          </p:spPr>
+          <p:txBody>
+            <a:bodyPr wrap="square" lIns="71437" tIns="71437" rIns="71437" bIns="71437" numCol="1" anchor="ctr">
+              <a:noAutofit/>
+            </a:bodyPr>
+            <a:lstStyle>
+              <a:lvl1pPr>
+                <a:defRPr sz="6400"/>
+              </a:lvl1pPr>
+            </a:lstStyle>
+            <a:p>
+              <a:pPr/>
+              <a:r>
+                <a:t>Reagent</a:t>
+              </a:r>
+            </a:p>
+          </p:txBody>
+        </p:sp>
+        <p:sp>
+          <p:nvSpPr>
+            <p:cNvPr id="493" name="Shape 493"/>
+            <p:cNvSpPr/>
+            <p:nvPr/>
+          </p:nvSpPr>
+          <p:spPr>
+            <a:xfrm>
+              <a:off x="0" y="2419765"/>
+              <a:ext cx="4268789" cy="1270001"/>
+            </a:xfrm>
+            <a:prstGeom prst="roundRect">
+              <a:avLst>
+                <a:gd name="adj" fmla="val 15000"/>
+              </a:avLst>
+            </a:prstGeom>
+            <a:blipFill rotWithShape="1">
+              <a:blip r:embed="rId2"/>
+              <a:srcRect l="0" t="0" r="0" b="0"/>
+              <a:tile tx="0" ty="0" sx="100000" sy="100000" flip="none" algn="tl"/>
+            </a:blipFill>
+            <a:ln w="12700" cap="flat">
+              <a:noFill/>
+              <a:miter lim="400000"/>
+            </a:ln>
+            <a:effectLst/>
+            <a:extLst>
+              <a:ext uri="{C572A759-6A51-4108-AA02-DFA0A04FC94B}">
+                <ma14:wrappingTextBoxFlag xmlns:ma14="http://schemas.microsoft.com/office/mac/drawingml/2011/main" val="1"/>
+              </a:ext>
+            </a:extLst>
+          </p:spPr>
+          <p:txBody>
+            <a:bodyPr wrap="square" lIns="71437" tIns="71437" rIns="71437" bIns="71437" numCol="1" anchor="ctr">
+              <a:noAutofit/>
+            </a:bodyPr>
+            <a:lstStyle>
+              <a:lvl1pPr>
+                <a:defRPr sz="6400"/>
+              </a:lvl1pPr>
+            </a:lstStyle>
+            <a:p>
+              <a:pPr/>
+              <a:r>
+                <a:t>Hiccup</a:t>
+              </a:r>
+            </a:p>
+          </p:txBody>
+        </p:sp>
+        <p:sp>
+          <p:nvSpPr>
+            <p:cNvPr id="494" name="Shape 494"/>
+            <p:cNvSpPr/>
+            <p:nvPr/>
+          </p:nvSpPr>
+          <p:spPr>
+            <a:xfrm>
+              <a:off x="9035415" y="3810000"/>
+              <a:ext cx="4268789" cy="1270000"/>
+            </a:xfrm>
+            <a:prstGeom prst="roundRect">
+              <a:avLst>
+                <a:gd name="adj" fmla="val 15000"/>
+              </a:avLst>
+            </a:prstGeom>
+            <a:blipFill rotWithShape="1">
+              <a:blip r:embed="rId2"/>
+              <a:srcRect l="0" t="0" r="0" b="0"/>
+              <a:tile tx="0" ty="0" sx="100000" sy="100000" flip="none" algn="tl"/>
+            </a:blipFill>
+            <a:ln w="12700" cap="flat">
+              <a:noFill/>
+              <a:miter lim="400000"/>
+            </a:ln>
+            <a:effectLst/>
+            <a:extLst>
+              <a:ext uri="{C572A759-6A51-4108-AA02-DFA0A04FC94B}">
+                <ma14:wrappingTextBoxFlag xmlns:ma14="http://schemas.microsoft.com/office/mac/drawingml/2011/main" val="1"/>
+              </a:ext>
+            </a:extLst>
+          </p:spPr>
+          <p:txBody>
+            <a:bodyPr wrap="square" lIns="71437" tIns="71437" rIns="71437" bIns="71437" numCol="1" anchor="ctr">
+              <a:noAutofit/>
+            </a:bodyPr>
+            <a:lstStyle>
+              <a:lvl1pPr>
+                <a:defRPr sz="6400"/>
+              </a:lvl1pPr>
+            </a:lstStyle>
+            <a:p>
+              <a:pPr/>
+              <a:r>
+                <a:t>Logic</a:t>
+              </a:r>
+            </a:p>
+          </p:txBody>
+        </p:sp>
+        <p:cxnSp>
+          <p:nvCxnSpPr>
+            <p:cNvPr id="495" name="Connector 495"/>
+            <p:cNvCxnSpPr>
+              <a:stCxn id="493" idx="0"/>
+              <a:endCxn id="491" idx="0"/>
+            </p:cNvCxnSpPr>
+            <p:nvPr/>
+          </p:nvCxnSpPr>
+          <p:spPr>
+            <a:xfrm flipV="1">
+              <a:off x="2134394" y="635000"/>
+              <a:ext cx="4555333" cy="2419766"/>
+            </a:xfrm>
+            <a:prstGeom prst="straightConnector1">
+              <a:avLst/>
+            </a:prstGeom>
+            <a:ln w="101600" cap="flat">
+              <a:solidFill>
+                <a:srgbClr val="FFFFFF"/>
+              </a:solidFill>
+              <a:prstDash val="solid"/>
+              <a:miter lim="400000"/>
+              <a:headEnd type="triangle" w="med" len="med"/>
+            </a:ln>
+            <a:effectLst/>
+          </p:spPr>
+        </p:cxnSp>
+        <p:cxnSp>
+          <p:nvCxnSpPr>
+            <p:cNvPr id="496" name="Connector 496"/>
+            <p:cNvCxnSpPr>
+              <a:stCxn id="490" idx="0"/>
+              <a:endCxn id="494" idx="0"/>
+            </p:cNvCxnSpPr>
+            <p:nvPr/>
+          </p:nvCxnSpPr>
+          <p:spPr>
+            <a:xfrm flipV="1">
+              <a:off x="6689726" y="4445000"/>
+              <a:ext cx="4480084" cy="3734298"/>
+            </a:xfrm>
+            <a:prstGeom prst="straightConnector1">
+              <a:avLst/>
+            </a:prstGeom>
+            <a:ln w="101600" cap="flat">
+              <a:solidFill>
+                <a:srgbClr val="FFFFFF"/>
+              </a:solidFill>
+              <a:prstDash val="solid"/>
+              <a:miter lim="400000"/>
+              <a:tailEnd type="triangle" w="med" len="med"/>
+            </a:ln>
+            <a:effectLst/>
+          </p:spPr>
+        </p:cxnSp>
+        <p:cxnSp>
+          <p:nvCxnSpPr>
+            <p:cNvPr id="497" name="Connector 497"/>
+            <p:cNvCxnSpPr>
+              <a:stCxn id="491" idx="0"/>
+              <a:endCxn id="494" idx="0"/>
+            </p:cNvCxnSpPr>
+            <p:nvPr/>
+          </p:nvCxnSpPr>
+          <p:spPr>
+            <a:xfrm>
+              <a:off x="6689726" y="635000"/>
+              <a:ext cx="4480084" cy="3810000"/>
+            </a:xfrm>
+            <a:prstGeom prst="straightConnector1">
+              <a:avLst/>
+            </a:prstGeom>
+            <a:ln w="101600" cap="flat">
+              <a:solidFill>
+                <a:srgbClr val="FFFFFF"/>
+              </a:solidFill>
+              <a:prstDash val="solid"/>
+              <a:miter lim="400000"/>
+              <a:headEnd type="triangle" w="med" len="med"/>
+            </a:ln>
+            <a:effectLst/>
+          </p:spPr>
+        </p:cxnSp>
+        <p:cxnSp>
+          <p:nvCxnSpPr>
+            <p:cNvPr id="498" name="Connector 498"/>
+            <p:cNvCxnSpPr>
+              <a:stCxn id="492" idx="0"/>
+              <a:endCxn id="493" idx="0"/>
+            </p:cNvCxnSpPr>
+            <p:nvPr/>
+          </p:nvCxnSpPr>
+          <p:spPr>
+            <a:xfrm flipV="1">
+              <a:off x="2134394" y="3054765"/>
+              <a:ext cx="1" cy="2657153"/>
+            </a:xfrm>
+            <a:prstGeom prst="straightConnector1">
+              <a:avLst/>
+            </a:prstGeom>
+            <a:ln w="101600" cap="flat">
+              <a:solidFill>
+                <a:srgbClr val="FFFFFF"/>
+              </a:solidFill>
+              <a:prstDash val="sysDot"/>
+              <a:miter lim="400000"/>
+              <a:headEnd type="triangle" w="med" len="med"/>
+            </a:ln>
+            <a:effectLst/>
+          </p:spPr>
+        </p:cxnSp>
+      </p:grpSp>
     </p:spTree>
   </p:cSld>
   <p:clrMapOvr>
@@ -13308,7 +13448,7 @@
       </p:grpSpPr>
       <p:sp>
         <p:nvSpPr>
-          <p:cNvPr id="498" name="Shape 498"/>
+          <p:cNvPr id="501" name="Shape 501"/>
           <p:cNvSpPr/>
           <p:nvPr>
             <p:ph type="sldNum" sz="quarter" idx="2"/>
@@ -13335,7 +13475,7 @@
       </p:sp>
       <p:sp>
         <p:nvSpPr>
-          <p:cNvPr id="499" name="Shape 499"/>
+          <p:cNvPr id="502" name="Shape 502"/>
           <p:cNvSpPr/>
           <p:nvPr>
             <p:ph type="title"/>
@@ -13371,356 +13511,409 @@
           </a:p>
         </p:txBody>
       </p:sp>
-      <p:cxnSp>
-        <p:nvCxnSpPr>
-          <p:cNvPr id="500" name="Connector 500"/>
-          <p:cNvCxnSpPr>
-            <a:stCxn id="501" idx="0"/>
-            <a:endCxn id="503" idx="0"/>
-          </p:cNvCxnSpPr>
+      <p:grpSp>
+        <p:nvGrpSpPr>
+          <p:cNvPr id="513" name="Group 513"/>
+          <p:cNvGrpSpPr/>
           <p:nvPr/>
-        </p:nvCxnSpPr>
-        <p:spPr>
-          <a:xfrm flipH="1" flipV="1">
-            <a:off x="3043669" y="8569417"/>
-            <a:ext cx="4555332" cy="2594381"/>
+        </p:nvGrpSpPr>
+        <p:grpSpPr>
+          <a:xfrm>
+            <a:off x="1060990" y="2984500"/>
+            <a:ext cx="13304204" cy="8814298"/>
+            <a:chOff x="0" y="0"/>
+            <a:chExt cx="13304203" cy="8814297"/>
           </a:xfrm>
-          <a:prstGeom prst="straightConnector1">
-            <a:avLst/>
-          </a:prstGeom>
-          <a:ln w="63500">
-            <a:solidFill>
-              <a:srgbClr val="FFFFFF"/>
-            </a:solidFill>
-            <a:prstDash val="sysDot"/>
-            <a:miter lim="400000"/>
-            <a:headEnd type="triangle"/>
-          </a:ln>
-        </p:spPr>
-      </p:cxnSp>
+        </p:grpSpPr>
+        <p:cxnSp>
+          <p:nvCxnSpPr>
+            <p:cNvPr id="503" name="Connector 503"/>
+            <p:cNvCxnSpPr>
+              <a:stCxn id="504" idx="0"/>
+              <a:endCxn id="506" idx="0"/>
+            </p:cNvCxnSpPr>
+            <p:nvPr/>
+          </p:nvCxnSpPr>
+          <p:spPr>
+            <a:xfrm flipH="1" flipV="1">
+              <a:off x="2134394" y="5711917"/>
+              <a:ext cx="4555332" cy="2467381"/>
+            </a:xfrm>
+            <a:prstGeom prst="straightConnector1">
+              <a:avLst/>
+            </a:prstGeom>
+            <a:ln w="101600" cap="flat">
+              <a:solidFill>
+                <a:srgbClr val="FFFFFF"/>
+              </a:solidFill>
+              <a:prstDash val="sysDot"/>
+              <a:miter lim="400000"/>
+              <a:headEnd type="triangle" w="med" len="med"/>
+            </a:ln>
+            <a:effectLst/>
+          </p:spPr>
+        </p:cxnSp>
+        <p:sp>
+          <p:nvSpPr>
+            <p:cNvPr id="504" name="Shape 504"/>
+            <p:cNvSpPr/>
+            <p:nvPr/>
+          </p:nvSpPr>
+          <p:spPr>
+            <a:xfrm>
+              <a:off x="4555331" y="7544297"/>
+              <a:ext cx="4268790" cy="1270001"/>
+            </a:xfrm>
+            <a:prstGeom prst="roundRect">
+              <a:avLst>
+                <a:gd name="adj" fmla="val 15000"/>
+              </a:avLst>
+            </a:prstGeom>
+            <a:blipFill rotWithShape="1">
+              <a:blip r:embed="rId2"/>
+              <a:srcRect l="0" t="0" r="0" b="0"/>
+              <a:tile tx="0" ty="0" sx="100000" sy="100000" flip="none" algn="tl"/>
+            </a:blipFill>
+            <a:ln w="12700" cap="flat">
+              <a:noFill/>
+              <a:miter lim="400000"/>
+            </a:ln>
+            <a:effectLst/>
+            <a:extLst>
+              <a:ext uri="{C572A759-6A51-4108-AA02-DFA0A04FC94B}">
+                <ma14:wrappingTextBoxFlag xmlns:ma14="http://schemas.microsoft.com/office/mac/drawingml/2011/main" val="1"/>
+              </a:ext>
+            </a:extLst>
+          </p:spPr>
+          <p:txBody>
+            <a:bodyPr wrap="square" lIns="71437" tIns="71437" rIns="71437" bIns="71437" numCol="1" anchor="ctr">
+              <a:noAutofit/>
+            </a:bodyPr>
+            <a:lstStyle>
+              <a:lvl1pPr>
+                <a:defRPr sz="6400"/>
+              </a:lvl1pPr>
+            </a:lstStyle>
+            <a:p>
+              <a:pPr/>
+              <a:r>
+                <a:t>View</a:t>
+              </a:r>
+            </a:p>
+          </p:txBody>
+        </p:sp>
+        <p:sp>
+          <p:nvSpPr>
+            <p:cNvPr id="505" name="Shape 505"/>
+            <p:cNvSpPr/>
+            <p:nvPr/>
+          </p:nvSpPr>
+          <p:spPr>
+            <a:xfrm>
+              <a:off x="4555331" y="0"/>
+              <a:ext cx="4268790" cy="1270000"/>
+            </a:xfrm>
+            <a:prstGeom prst="roundRect">
+              <a:avLst>
+                <a:gd name="adj" fmla="val 15000"/>
+              </a:avLst>
+            </a:prstGeom>
+            <a:blipFill rotWithShape="1">
+              <a:blip r:embed="rId2"/>
+              <a:srcRect l="0" t="0" r="0" b="0"/>
+              <a:tile tx="0" ty="0" sx="100000" sy="100000" flip="none" algn="tl"/>
+            </a:blipFill>
+            <a:ln w="12700" cap="flat">
+              <a:noFill/>
+              <a:miter lim="400000"/>
+            </a:ln>
+            <a:effectLst/>
+            <a:extLst>
+              <a:ext uri="{C572A759-6A51-4108-AA02-DFA0A04FC94B}">
+                <ma14:wrappingTextBoxFlag xmlns:ma14="http://schemas.microsoft.com/office/mac/drawingml/2011/main" val="1"/>
+              </a:ext>
+            </a:extLst>
+          </p:spPr>
+          <p:txBody>
+            <a:bodyPr wrap="square" lIns="71437" tIns="71437" rIns="71437" bIns="71437" numCol="1" anchor="ctr">
+              <a:noAutofit/>
+            </a:bodyPr>
+            <a:lstStyle>
+              <a:lvl1pPr>
+                <a:defRPr sz="6400"/>
+              </a:lvl1pPr>
+            </a:lstStyle>
+            <a:p>
+              <a:pPr/>
+              <a:r>
+                <a:t>Model</a:t>
+              </a:r>
+            </a:p>
+          </p:txBody>
+        </p:sp>
+        <p:sp>
+          <p:nvSpPr>
+            <p:cNvPr id="506" name="Shape 506"/>
+            <p:cNvSpPr/>
+            <p:nvPr/>
+          </p:nvSpPr>
+          <p:spPr>
+            <a:xfrm>
+              <a:off x="0" y="5076917"/>
+              <a:ext cx="4268789" cy="1270001"/>
+            </a:xfrm>
+            <a:prstGeom prst="roundRect">
+              <a:avLst>
+                <a:gd name="adj" fmla="val 15000"/>
+              </a:avLst>
+            </a:prstGeom>
+            <a:blipFill rotWithShape="1">
+              <a:blip r:embed="rId2"/>
+              <a:srcRect l="0" t="0" r="0" b="0"/>
+              <a:tile tx="0" ty="0" sx="100000" sy="100000" flip="none" algn="tl"/>
+            </a:blipFill>
+            <a:ln w="12700" cap="flat">
+              <a:noFill/>
+              <a:miter lim="400000"/>
+            </a:ln>
+            <a:effectLst/>
+            <a:extLst>
+              <a:ext uri="{C572A759-6A51-4108-AA02-DFA0A04FC94B}">
+                <ma14:wrappingTextBoxFlag xmlns:ma14="http://schemas.microsoft.com/office/mac/drawingml/2011/main" val="1"/>
+              </a:ext>
+            </a:extLst>
+          </p:spPr>
+          <p:txBody>
+            <a:bodyPr wrap="square" lIns="71437" tIns="71437" rIns="71437" bIns="71437" numCol="1" anchor="ctr">
+              <a:noAutofit/>
+            </a:bodyPr>
+            <a:lstStyle>
+              <a:lvl1pPr>
+                <a:defRPr sz="6400"/>
+              </a:lvl1pPr>
+            </a:lstStyle>
+            <a:p>
+              <a:pPr/>
+              <a:r>
+                <a:t>Reagent</a:t>
+              </a:r>
+            </a:p>
+          </p:txBody>
+        </p:sp>
+        <p:sp>
+          <p:nvSpPr>
+            <p:cNvPr id="507" name="Shape 507"/>
+            <p:cNvSpPr/>
+            <p:nvPr/>
+          </p:nvSpPr>
+          <p:spPr>
+            <a:xfrm>
+              <a:off x="0" y="2419765"/>
+              <a:ext cx="4268789" cy="1270001"/>
+            </a:xfrm>
+            <a:prstGeom prst="roundRect">
+              <a:avLst>
+                <a:gd name="adj" fmla="val 15000"/>
+              </a:avLst>
+            </a:prstGeom>
+            <a:blipFill rotWithShape="1">
+              <a:blip r:embed="rId2"/>
+              <a:srcRect l="0" t="0" r="0" b="0"/>
+              <a:tile tx="0" ty="0" sx="100000" sy="100000" flip="none" algn="tl"/>
+            </a:blipFill>
+            <a:ln w="12700" cap="flat">
+              <a:noFill/>
+              <a:miter lim="400000"/>
+            </a:ln>
+            <a:effectLst/>
+            <a:extLst>
+              <a:ext uri="{C572A759-6A51-4108-AA02-DFA0A04FC94B}">
+                <ma14:wrappingTextBoxFlag xmlns:ma14="http://schemas.microsoft.com/office/mac/drawingml/2011/main" val="1"/>
+              </a:ext>
+            </a:extLst>
+          </p:spPr>
+          <p:txBody>
+            <a:bodyPr wrap="square" lIns="71437" tIns="71437" rIns="71437" bIns="71437" numCol="1" anchor="ctr">
+              <a:noAutofit/>
+            </a:bodyPr>
+            <a:lstStyle>
+              <a:lvl1pPr>
+                <a:defRPr sz="6400"/>
+              </a:lvl1pPr>
+            </a:lstStyle>
+            <a:p>
+              <a:pPr/>
+              <a:r>
+                <a:t>Hiccup</a:t>
+              </a:r>
+            </a:p>
+          </p:txBody>
+        </p:sp>
+        <p:sp>
+          <p:nvSpPr>
+            <p:cNvPr id="508" name="Shape 508"/>
+            <p:cNvSpPr/>
+            <p:nvPr/>
+          </p:nvSpPr>
+          <p:spPr>
+            <a:xfrm>
+              <a:off x="9035414" y="3810000"/>
+              <a:ext cx="4268790" cy="1270000"/>
+            </a:xfrm>
+            <a:prstGeom prst="roundRect">
+              <a:avLst>
+                <a:gd name="adj" fmla="val 15000"/>
+              </a:avLst>
+            </a:prstGeom>
+            <a:blipFill rotWithShape="1">
+              <a:blip r:embed="rId2"/>
+              <a:srcRect l="0" t="0" r="0" b="0"/>
+              <a:tile tx="0" ty="0" sx="100000" sy="100000" flip="none" algn="tl"/>
+            </a:blipFill>
+            <a:ln w="12700" cap="flat">
+              <a:noFill/>
+              <a:miter lim="400000"/>
+            </a:ln>
+            <a:effectLst/>
+            <a:extLst>
+              <a:ext uri="{C572A759-6A51-4108-AA02-DFA0A04FC94B}">
+                <ma14:wrappingTextBoxFlag xmlns:ma14="http://schemas.microsoft.com/office/mac/drawingml/2011/main" val="1"/>
+              </a:ext>
+            </a:extLst>
+          </p:spPr>
+          <p:txBody>
+            <a:bodyPr wrap="square" lIns="71437" tIns="71437" rIns="71437" bIns="71437" numCol="1" anchor="ctr">
+              <a:noAutofit/>
+            </a:bodyPr>
+            <a:lstStyle>
+              <a:lvl1pPr>
+                <a:defRPr sz="6400"/>
+              </a:lvl1pPr>
+            </a:lstStyle>
+            <a:p>
+              <a:pPr/>
+              <a:r>
+                <a:t>Logic</a:t>
+              </a:r>
+            </a:p>
+          </p:txBody>
+        </p:sp>
+        <p:cxnSp>
+          <p:nvCxnSpPr>
+            <p:cNvPr id="509" name="Connector 509"/>
+            <p:cNvCxnSpPr>
+              <a:stCxn id="507" idx="0"/>
+              <a:endCxn id="505" idx="0"/>
+            </p:cNvCxnSpPr>
+            <p:nvPr/>
+          </p:nvCxnSpPr>
+          <p:spPr>
+            <a:xfrm flipV="1">
+              <a:off x="2134394" y="635000"/>
+              <a:ext cx="4555332" cy="2419766"/>
+            </a:xfrm>
+            <a:prstGeom prst="straightConnector1">
+              <a:avLst/>
+            </a:prstGeom>
+            <a:ln w="101600" cap="flat">
+              <a:solidFill>
+                <a:srgbClr val="FFFFFF"/>
+              </a:solidFill>
+              <a:prstDash val="solid"/>
+              <a:miter lim="400000"/>
+              <a:headEnd type="triangle" w="med" len="med"/>
+            </a:ln>
+            <a:effectLst/>
+          </p:spPr>
+        </p:cxnSp>
+        <p:cxnSp>
+          <p:nvCxnSpPr>
+            <p:cNvPr id="510" name="Connector 510"/>
+            <p:cNvCxnSpPr>
+              <a:stCxn id="504" idx="0"/>
+              <a:endCxn id="508" idx="0"/>
+            </p:cNvCxnSpPr>
+            <p:nvPr/>
+          </p:nvCxnSpPr>
+          <p:spPr>
+            <a:xfrm flipV="1">
+              <a:off x="6689725" y="4445000"/>
+              <a:ext cx="4480085" cy="3734298"/>
+            </a:xfrm>
+            <a:prstGeom prst="straightConnector1">
+              <a:avLst/>
+            </a:prstGeom>
+            <a:ln w="101600" cap="flat">
+              <a:solidFill>
+                <a:srgbClr val="FFFFFF"/>
+              </a:solidFill>
+              <a:prstDash val="solid"/>
+              <a:miter lim="400000"/>
+              <a:tailEnd type="triangle" w="med" len="med"/>
+            </a:ln>
+            <a:effectLst/>
+          </p:spPr>
+        </p:cxnSp>
+        <p:cxnSp>
+          <p:nvCxnSpPr>
+            <p:cNvPr id="511" name="Connector 511"/>
+            <p:cNvCxnSpPr>
+              <a:stCxn id="505" idx="0"/>
+              <a:endCxn id="508" idx="0"/>
+            </p:cNvCxnSpPr>
+            <p:nvPr/>
+          </p:nvCxnSpPr>
+          <p:spPr>
+            <a:xfrm>
+              <a:off x="6689725" y="635000"/>
+              <a:ext cx="4480085" cy="3810000"/>
+            </a:xfrm>
+            <a:prstGeom prst="straightConnector1">
+              <a:avLst/>
+            </a:prstGeom>
+            <a:ln w="101600" cap="flat">
+              <a:solidFill>
+                <a:srgbClr val="FFFFFF"/>
+              </a:solidFill>
+              <a:prstDash val="solid"/>
+              <a:miter lim="400000"/>
+              <a:headEnd type="triangle" w="med" len="med"/>
+            </a:ln>
+            <a:effectLst/>
+          </p:spPr>
+        </p:cxnSp>
+        <p:cxnSp>
+          <p:nvCxnSpPr>
+            <p:cNvPr id="512" name="Connector 512"/>
+            <p:cNvCxnSpPr>
+              <a:stCxn id="506" idx="0"/>
+              <a:endCxn id="507" idx="0"/>
+            </p:cNvCxnSpPr>
+            <p:nvPr/>
+          </p:nvCxnSpPr>
+          <p:spPr>
+            <a:xfrm flipV="1">
+              <a:off x="2134394" y="3054765"/>
+              <a:ext cx="1" cy="2657153"/>
+            </a:xfrm>
+            <a:prstGeom prst="straightConnector1">
+              <a:avLst/>
+            </a:prstGeom>
+            <a:ln w="101600" cap="flat">
+              <a:solidFill>
+                <a:srgbClr val="FFFFFF"/>
+              </a:solidFill>
+              <a:prstDash val="sysDot"/>
+              <a:miter lim="400000"/>
+              <a:headEnd type="triangle" w="med" len="med"/>
+            </a:ln>
+            <a:effectLst/>
+          </p:spPr>
+        </p:cxnSp>
+      </p:grpSp>
       <p:sp>
         <p:nvSpPr>
-          <p:cNvPr id="501" name="Shape 501"/>
-          <p:cNvSpPr/>
-          <p:nvPr/>
-        </p:nvSpPr>
-        <p:spPr>
-          <a:xfrm>
-            <a:off x="5616322" y="10528797"/>
-            <a:ext cx="3965358" cy="1270001"/>
-          </a:xfrm>
-          <a:prstGeom prst="roundRect">
-            <a:avLst>
-              <a:gd name="adj" fmla="val 15000"/>
-            </a:avLst>
-          </a:prstGeom>
-          <a:blipFill>
-            <a:blip r:embed="rId2"/>
-          </a:blipFill>
-          <a:ln w="12700">
-            <a:miter lim="400000"/>
-          </a:ln>
-          <a:extLst>
-            <a:ext uri="{C572A759-6A51-4108-AA02-DFA0A04FC94B}">
-              <ma14:wrappingTextBoxFlag xmlns:ma14="http://schemas.microsoft.com/office/mac/drawingml/2011/main" val="1"/>
-            </a:ext>
-          </a:extLst>
-        </p:spPr>
-        <p:txBody>
-          <a:bodyPr lIns="71437" tIns="71437" rIns="71437" bIns="71437" anchor="ctr"/>
-          <a:lstStyle>
-            <a:lvl1pPr>
-              <a:defRPr sz="5400"/>
-            </a:lvl1pPr>
-          </a:lstStyle>
-          <a:p>
-            <a:pPr/>
-            <a:r>
-              <a:t>View</a:t>
-            </a:r>
-          </a:p>
-        </p:txBody>
-      </p:sp>
-      <p:sp>
-        <p:nvSpPr>
-          <p:cNvPr id="502" name="Shape 502"/>
-          <p:cNvSpPr/>
-          <p:nvPr/>
-        </p:nvSpPr>
-        <p:spPr>
-          <a:xfrm>
-            <a:off x="5616322" y="2984500"/>
-            <a:ext cx="3965358" cy="1270000"/>
-          </a:xfrm>
-          <a:prstGeom prst="roundRect">
-            <a:avLst>
-              <a:gd name="adj" fmla="val 15000"/>
-            </a:avLst>
-          </a:prstGeom>
-          <a:blipFill>
-            <a:blip r:embed="rId2"/>
-          </a:blipFill>
-          <a:ln w="12700">
-            <a:miter lim="400000"/>
-          </a:ln>
-          <a:extLst>
-            <a:ext uri="{C572A759-6A51-4108-AA02-DFA0A04FC94B}">
-              <ma14:wrappingTextBoxFlag xmlns:ma14="http://schemas.microsoft.com/office/mac/drawingml/2011/main" val="1"/>
-            </a:ext>
-          </a:extLst>
-        </p:spPr>
-        <p:txBody>
-          <a:bodyPr lIns="71437" tIns="71437" rIns="71437" bIns="71437" anchor="ctr"/>
-          <a:lstStyle>
-            <a:lvl1pPr>
-              <a:defRPr sz="5400"/>
-            </a:lvl1pPr>
-          </a:lstStyle>
-          <a:p>
-            <a:pPr/>
-            <a:r>
-              <a:t>Model</a:t>
-            </a:r>
-          </a:p>
-        </p:txBody>
-      </p:sp>
-      <p:sp>
-        <p:nvSpPr>
-          <p:cNvPr id="503" name="Shape 503"/>
-          <p:cNvSpPr/>
-          <p:nvPr/>
-        </p:nvSpPr>
-        <p:spPr>
-          <a:xfrm>
-            <a:off x="1060990" y="7934417"/>
-            <a:ext cx="3965358" cy="1270001"/>
-          </a:xfrm>
-          <a:prstGeom prst="roundRect">
-            <a:avLst>
-              <a:gd name="adj" fmla="val 15000"/>
-            </a:avLst>
-          </a:prstGeom>
-          <a:blipFill>
-            <a:blip r:embed="rId2"/>
-          </a:blipFill>
-          <a:ln w="12700">
-            <a:miter lim="400000"/>
-          </a:ln>
-          <a:extLst>
-            <a:ext uri="{C572A759-6A51-4108-AA02-DFA0A04FC94B}">
-              <ma14:wrappingTextBoxFlag xmlns:ma14="http://schemas.microsoft.com/office/mac/drawingml/2011/main" val="1"/>
-            </a:ext>
-          </a:extLst>
-        </p:spPr>
-        <p:txBody>
-          <a:bodyPr lIns="71437" tIns="71437" rIns="71437" bIns="71437" anchor="ctr"/>
-          <a:lstStyle>
-            <a:lvl1pPr>
-              <a:defRPr sz="5400"/>
-            </a:lvl1pPr>
-          </a:lstStyle>
-          <a:p>
-            <a:pPr/>
-            <a:r>
-              <a:t>Reagent</a:t>
-            </a:r>
-          </a:p>
-        </p:txBody>
-      </p:sp>
-      <p:sp>
-        <p:nvSpPr>
-          <p:cNvPr id="504" name="Shape 504"/>
-          <p:cNvSpPr/>
-          <p:nvPr/>
-        </p:nvSpPr>
-        <p:spPr>
-          <a:xfrm>
-            <a:off x="1060990" y="5404265"/>
-            <a:ext cx="3965358" cy="1270001"/>
-          </a:xfrm>
-          <a:prstGeom prst="roundRect">
-            <a:avLst>
-              <a:gd name="adj" fmla="val 15000"/>
-            </a:avLst>
-          </a:prstGeom>
-          <a:blipFill>
-            <a:blip r:embed="rId2"/>
-          </a:blipFill>
-          <a:ln w="12700">
-            <a:miter lim="400000"/>
-          </a:ln>
-          <a:extLst>
-            <a:ext uri="{C572A759-6A51-4108-AA02-DFA0A04FC94B}">
-              <ma14:wrappingTextBoxFlag xmlns:ma14="http://schemas.microsoft.com/office/mac/drawingml/2011/main" val="1"/>
-            </a:ext>
-          </a:extLst>
-        </p:spPr>
-        <p:txBody>
-          <a:bodyPr lIns="71437" tIns="71437" rIns="71437" bIns="71437" anchor="ctr"/>
-          <a:lstStyle>
-            <a:lvl1pPr>
-              <a:defRPr sz="5400"/>
-            </a:lvl1pPr>
-          </a:lstStyle>
-          <a:p>
-            <a:pPr/>
-            <a:r>
-              <a:t>Hiccup</a:t>
-            </a:r>
-          </a:p>
-        </p:txBody>
-      </p:sp>
-      <p:sp>
-        <p:nvSpPr>
-          <p:cNvPr id="505" name="Shape 505"/>
-          <p:cNvSpPr/>
-          <p:nvPr/>
-        </p:nvSpPr>
-        <p:spPr>
-          <a:xfrm>
-            <a:off x="10096405" y="6794500"/>
-            <a:ext cx="3965358" cy="1270000"/>
-          </a:xfrm>
-          <a:prstGeom prst="roundRect">
-            <a:avLst>
-              <a:gd name="adj" fmla="val 15000"/>
-            </a:avLst>
-          </a:prstGeom>
-          <a:blipFill>
-            <a:blip r:embed="rId2"/>
-          </a:blipFill>
-          <a:ln w="12700">
-            <a:miter lim="400000"/>
-          </a:ln>
-          <a:extLst>
-            <a:ext uri="{C572A759-6A51-4108-AA02-DFA0A04FC94B}">
-              <ma14:wrappingTextBoxFlag xmlns:ma14="http://schemas.microsoft.com/office/mac/drawingml/2011/main" val="1"/>
-            </a:ext>
-          </a:extLst>
-        </p:spPr>
-        <p:txBody>
-          <a:bodyPr lIns="71437" tIns="71437" rIns="71437" bIns="71437" anchor="ctr"/>
-          <a:lstStyle>
-            <a:lvl1pPr>
-              <a:defRPr sz="5400"/>
-            </a:lvl1pPr>
-          </a:lstStyle>
-          <a:p>
-            <a:pPr/>
-            <a:r>
-              <a:t>Logic</a:t>
-            </a:r>
-          </a:p>
-        </p:txBody>
-      </p:sp>
-      <p:cxnSp>
-        <p:nvCxnSpPr>
-          <p:cNvPr id="506" name="Connector 506"/>
-          <p:cNvCxnSpPr>
-            <a:stCxn id="504" idx="0"/>
-            <a:endCxn id="502" idx="0"/>
-          </p:cNvCxnSpPr>
-          <p:nvPr/>
-        </p:nvCxnSpPr>
-        <p:spPr>
-          <a:xfrm flipV="1">
-            <a:off x="3043669" y="3619500"/>
-            <a:ext cx="4555332" cy="2419766"/>
-          </a:xfrm>
-          <a:prstGeom prst="straightConnector1">
-            <a:avLst/>
-          </a:prstGeom>
-          <a:ln w="63500">
-            <a:solidFill>
-              <a:srgbClr val="FFFFFF"/>
-            </a:solidFill>
-            <a:miter lim="400000"/>
-            <a:headEnd type="triangle"/>
-          </a:ln>
-        </p:spPr>
-      </p:cxnSp>
-      <p:cxnSp>
-        <p:nvCxnSpPr>
-          <p:cNvPr id="507" name="Connector 507"/>
-          <p:cNvCxnSpPr>
-            <a:stCxn id="501" idx="0"/>
-            <a:endCxn id="505" idx="0"/>
-          </p:cNvCxnSpPr>
-          <p:nvPr/>
-        </p:nvCxnSpPr>
-        <p:spPr>
-          <a:xfrm flipV="1">
-            <a:off x="7599000" y="7429500"/>
-            <a:ext cx="4480085" cy="3734298"/>
-          </a:xfrm>
-          <a:prstGeom prst="straightConnector1">
-            <a:avLst/>
-          </a:prstGeom>
-          <a:ln w="63500">
-            <a:solidFill>
-              <a:srgbClr val="FFFFFF"/>
-            </a:solidFill>
-            <a:miter lim="400000"/>
-            <a:tailEnd type="triangle"/>
-          </a:ln>
-        </p:spPr>
-      </p:cxnSp>
-      <p:cxnSp>
-        <p:nvCxnSpPr>
-          <p:cNvPr id="508" name="Connector 508"/>
-          <p:cNvCxnSpPr>
-            <a:stCxn id="502" idx="0"/>
-            <a:endCxn id="505" idx="0"/>
-          </p:cNvCxnSpPr>
-          <p:nvPr/>
-        </p:nvCxnSpPr>
-        <p:spPr>
-          <a:xfrm>
-            <a:off x="7599000" y="3619500"/>
-            <a:ext cx="4480085" cy="3810000"/>
-          </a:xfrm>
-          <a:prstGeom prst="straightConnector1">
-            <a:avLst/>
-          </a:prstGeom>
-          <a:ln w="63500">
-            <a:solidFill>
-              <a:srgbClr val="FFFFFF"/>
-            </a:solidFill>
-            <a:miter lim="400000"/>
-            <a:headEnd type="triangle"/>
-          </a:ln>
-        </p:spPr>
-      </p:cxnSp>
-      <p:cxnSp>
-        <p:nvCxnSpPr>
-          <p:cNvPr id="509" name="Connector 509"/>
-          <p:cNvCxnSpPr>
-            <a:stCxn id="503" idx="0"/>
-            <a:endCxn id="504" idx="0"/>
-          </p:cNvCxnSpPr>
-          <p:nvPr/>
-        </p:nvCxnSpPr>
-        <p:spPr>
-          <a:xfrm flipV="1">
-            <a:off x="3043669" y="6039265"/>
-            <a:ext cx="1" cy="2530153"/>
-          </a:xfrm>
-          <a:prstGeom prst="straightConnector1">
-            <a:avLst/>
-          </a:prstGeom>
-          <a:ln w="63500">
-            <a:solidFill>
-              <a:srgbClr val="FFFFFF"/>
-            </a:solidFill>
-            <a:prstDash val="sysDot"/>
-            <a:miter lim="400000"/>
-            <a:headEnd type="triangle"/>
-          </a:ln>
-        </p:spPr>
-      </p:cxnSp>
-      <p:sp>
-        <p:nvSpPr>
-          <p:cNvPr id="510" name="Shape 510"/>
+          <p:cNvPr id="514" name="Shape 514"/>
           <p:cNvSpPr/>
           <p:nvPr/>
         </p:nvSpPr>
@@ -13856,7 +14049,34 @@
       </p:grpSpPr>
       <p:sp>
         <p:nvSpPr>
-          <p:cNvPr id="512" name="Shape 512"/>
+          <p:cNvPr id="516" name="Shape 516"/>
+          <p:cNvSpPr/>
+          <p:nvPr>
+            <p:ph type="sldNum" sz="quarter" idx="2"/>
+          </p:nvPr>
+        </p:nvSpPr>
+        <p:spPr>
+          <a:prstGeom prst="rect">
+            <a:avLst/>
+          </a:prstGeom>
+          <a:extLst>
+            <a:ext uri="{C572A759-6A51-4108-AA02-DFA0A04FC94B}">
+              <ma14:wrappingTextBoxFlag xmlns:ma14="http://schemas.microsoft.com/office/mac/drawingml/2011/main" val="1"/>
+            </a:ext>
+          </a:extLst>
+        </p:spPr>
+        <p:txBody>
+          <a:bodyPr/>
+          <a:lstStyle/>
+          <a:p>
+            <a:pPr/>
+            <a:fld id="{86CB4B4D-7CA3-9044-876B-883B54F8677D}" type="slidenum"/>
+          </a:p>
+        </p:txBody>
+      </p:sp>
+      <p:sp>
+        <p:nvSpPr>
+          <p:cNvPr id="517" name="Shape 517"/>
           <p:cNvSpPr/>
           <p:nvPr>
             <p:ph type="title"/>
@@ -13864,36 +14084,56 @@
         </p:nvSpPr>
         <p:spPr>
           <a:xfrm>
-            <a:off x="1346886" y="3438815"/>
-            <a:ext cx="21672368" cy="6838370"/>
+            <a:off x="-74038" y="333398"/>
+            <a:ext cx="24393897" cy="1287829"/>
           </a:xfrm>
           <a:prstGeom prst="rect">
             <a:avLst/>
           </a:prstGeom>
+          <a:solidFill>
+            <a:srgbClr val="EDAF1F"/>
+          </a:solidFill>
         </p:spPr>
         <p:txBody>
           <a:bodyPr/>
           <a:lstStyle/>
           <a:p>
-            <a:pPr/>
+            <a:pPr lvl="2" indent="297179" algn="l" defTabSz="533995">
+              <a:defRPr sz="7279">
+                <a:latin typeface="+mn-lt"/>
+                <a:ea typeface="+mn-ea"/>
+                <a:cs typeface="+mn-cs"/>
+                <a:sym typeface="Montserrat Bold"/>
+              </a:defRPr>
+            </a:pPr>
             <a:r>
-              <a:t>Live Code</a:t>
+              <a:t>Handling events</a:t>
             </a:r>
           </a:p>
         </p:txBody>
       </p:sp>
       <p:sp>
         <p:nvSpPr>
-          <p:cNvPr id="513" name="Shape 513"/>
+          <p:cNvPr id="518" name="Shape 518"/>
           <p:cNvSpPr/>
-          <p:nvPr>
-            <p:ph type="sldNum" sz="quarter" idx="2"/>
-          </p:nvPr>
+          <p:nvPr/>
         </p:nvSpPr>
         <p:spPr>
-          <a:prstGeom prst="rect">
-            <a:avLst/>
-          </a:prstGeom>
+          <a:xfrm>
+            <a:off x="1398516" y="6437008"/>
+            <a:ext cx="7902839" cy="1752296"/>
+          </a:xfrm>
+          <a:prstGeom prst="roundRect">
+            <a:avLst>
+              <a:gd name="adj" fmla="val 10871"/>
+            </a:avLst>
+          </a:prstGeom>
+          <a:blipFill>
+            <a:blip r:embed="rId2"/>
+          </a:blipFill>
+          <a:ln w="12700">
+            <a:miter lim="400000"/>
+          </a:ln>
           <a:extLst>
             <a:ext uri="{C572A759-6A51-4108-AA02-DFA0A04FC94B}">
               <ma14:wrappingTextBoxFlag xmlns:ma14="http://schemas.microsoft.com/office/mac/drawingml/2011/main" val="1"/>
@@ -13901,11 +14141,293 @@
           </a:extLst>
         </p:spPr>
         <p:txBody>
-          <a:bodyPr/>
-          <a:lstStyle/>
+          <a:bodyPr lIns="71437" tIns="71437" rIns="71437" bIns="71437" anchor="ctr"/>
+          <a:lstStyle>
+            <a:lvl1pPr>
+              <a:defRPr sz="7200"/>
+            </a:lvl1pPr>
+          </a:lstStyle>
           <a:p>
             <a:pPr/>
-            <a:fld id="{86CB4B4D-7CA3-9044-876B-883B54F8677D}" type="slidenum"/>
+            <a:r>
+              <a:t>new-game</a:t>
+            </a:r>
+          </a:p>
+        </p:txBody>
+      </p:sp>
+      <p:sp>
+        <p:nvSpPr>
+          <p:cNvPr id="519" name="Shape 519"/>
+          <p:cNvSpPr/>
+          <p:nvPr/>
+        </p:nvSpPr>
+        <p:spPr>
+          <a:xfrm>
+            <a:off x="15122570" y="6437008"/>
+            <a:ext cx="7902839" cy="1752296"/>
+          </a:xfrm>
+          <a:prstGeom prst="roundRect">
+            <a:avLst>
+              <a:gd name="adj" fmla="val 10871"/>
+            </a:avLst>
+          </a:prstGeom>
+          <a:blipFill>
+            <a:blip r:embed="rId2"/>
+          </a:blipFill>
+          <a:ln w="12700">
+            <a:miter lim="400000"/>
+          </a:ln>
+          <a:extLst>
+            <a:ext uri="{C572A759-6A51-4108-AA02-DFA0A04FC94B}">
+              <ma14:wrappingTextBoxFlag xmlns:ma14="http://schemas.microsoft.com/office/mac/drawingml/2011/main" val="1"/>
+            </a:ext>
+          </a:extLst>
+        </p:spPr>
+        <p:txBody>
+          <a:bodyPr lIns="71437" tIns="71437" rIns="71437" bIns="71437" anchor="ctr"/>
+          <a:lstStyle>
+            <a:lvl1pPr>
+              <a:defRPr sz="7200"/>
+            </a:lvl1pPr>
+          </a:lstStyle>
+          <a:p>
+            <a:pPr/>
+            <a:r>
+              <a:t>play-move</a:t>
+            </a:r>
+          </a:p>
+        </p:txBody>
+      </p:sp>
+      <p:sp>
+        <p:nvSpPr>
+          <p:cNvPr id="520" name="Shape 520"/>
+          <p:cNvSpPr/>
+          <p:nvPr/>
+        </p:nvSpPr>
+        <p:spPr>
+          <a:xfrm>
+            <a:off x="1398516" y="9467047"/>
+            <a:ext cx="7902839" cy="1752296"/>
+          </a:xfrm>
+          <a:prstGeom prst="roundRect">
+            <a:avLst>
+              <a:gd name="adj" fmla="val 10871"/>
+            </a:avLst>
+          </a:prstGeom>
+          <a:blipFill>
+            <a:blip r:embed="rId2"/>
+          </a:blipFill>
+          <a:ln w="12700">
+            <a:miter lim="400000"/>
+          </a:ln>
+          <a:extLst>
+            <a:ext uri="{C572A759-6A51-4108-AA02-DFA0A04FC94B}">
+              <ma14:wrappingTextBoxFlag xmlns:ma14="http://schemas.microsoft.com/office/mac/drawingml/2011/main" val="1"/>
+            </a:ext>
+          </a:extLst>
+        </p:spPr>
+        <p:txBody>
+          <a:bodyPr lIns="71437" tIns="71437" rIns="71437" bIns="71437" anchor="ctr"/>
+          <a:lstStyle>
+            <a:lvl1pPr>
+              <a:defRPr sz="7200"/>
+            </a:lvl1pPr>
+          </a:lstStyle>
+          <a:p>
+            <a:pPr/>
+            <a:r>
+              <a:t>undo-last-move</a:t>
+            </a:r>
+          </a:p>
+        </p:txBody>
+      </p:sp>
+      <p:sp>
+        <p:nvSpPr>
+          <p:cNvPr id="521" name="Shape 521"/>
+          <p:cNvSpPr/>
+          <p:nvPr/>
+        </p:nvSpPr>
+        <p:spPr>
+          <a:xfrm>
+            <a:off x="15122570" y="9467047"/>
+            <a:ext cx="7902839" cy="1752296"/>
+          </a:xfrm>
+          <a:prstGeom prst="roundRect">
+            <a:avLst>
+              <a:gd name="adj" fmla="val 10871"/>
+            </a:avLst>
+          </a:prstGeom>
+          <a:blipFill>
+            <a:blip r:embed="rId2"/>
+          </a:blipFill>
+          <a:ln w="12700">
+            <a:miter lim="400000"/>
+          </a:ln>
+          <a:extLst>
+            <a:ext uri="{C572A759-6A51-4108-AA02-DFA0A04FC94B}">
+              <ma14:wrappingTextBoxFlag xmlns:ma14="http://schemas.microsoft.com/office/mac/drawingml/2011/main" val="1"/>
+            </a:ext>
+          </a:extLst>
+        </p:spPr>
+        <p:txBody>
+          <a:bodyPr lIns="71437" tIns="71437" rIns="71437" bIns="71437" anchor="ctr"/>
+          <a:lstStyle>
+            <a:lvl1pPr>
+              <a:defRPr sz="7200"/>
+            </a:lvl1pPr>
+          </a:lstStyle>
+          <a:p>
+            <a:pPr/>
+            <a:r>
+              <a:t>next-turn</a:t>
+            </a:r>
+          </a:p>
+        </p:txBody>
+      </p:sp>
+      <p:cxnSp>
+        <p:nvCxnSpPr>
+          <p:cNvPr id="522" name="Connector 522"/>
+          <p:cNvCxnSpPr>
+            <a:stCxn id="518" idx="0"/>
+            <a:endCxn id="526" idx="0"/>
+          </p:cNvCxnSpPr>
+          <p:nvPr/>
+        </p:nvCxnSpPr>
+        <p:spPr>
+          <a:xfrm flipV="1">
+            <a:off x="5349935" y="3775117"/>
+            <a:ext cx="6842065" cy="3538040"/>
+          </a:xfrm>
+          <a:prstGeom prst="straightConnector1">
+            <a:avLst/>
+          </a:prstGeom>
+          <a:ln w="127000">
+            <a:solidFill>
+              <a:srgbClr val="FFFFFF"/>
+            </a:solidFill>
+            <a:miter lim="400000"/>
+            <a:headEnd type="triangle"/>
+          </a:ln>
+        </p:spPr>
+      </p:cxnSp>
+      <p:cxnSp>
+        <p:nvCxnSpPr>
+          <p:cNvPr id="523" name="Connector 523"/>
+          <p:cNvCxnSpPr>
+            <a:stCxn id="520" idx="0"/>
+            <a:endCxn id="526" idx="0"/>
+          </p:cNvCxnSpPr>
+          <p:nvPr/>
+        </p:nvCxnSpPr>
+        <p:spPr>
+          <a:xfrm flipV="1">
+            <a:off x="5349935" y="3775117"/>
+            <a:ext cx="6842065" cy="6568078"/>
+          </a:xfrm>
+          <a:prstGeom prst="straightConnector1">
+            <a:avLst/>
+          </a:prstGeom>
+          <a:ln w="127000">
+            <a:solidFill>
+              <a:srgbClr val="FFFFFF"/>
+            </a:solidFill>
+            <a:miter lim="400000"/>
+            <a:headEnd type="triangle"/>
+          </a:ln>
+        </p:spPr>
+      </p:cxnSp>
+      <p:cxnSp>
+        <p:nvCxnSpPr>
+          <p:cNvPr id="524" name="Connector 524"/>
+          <p:cNvCxnSpPr>
+            <a:stCxn id="519" idx="0"/>
+            <a:endCxn id="526" idx="0"/>
+          </p:cNvCxnSpPr>
+          <p:nvPr/>
+        </p:nvCxnSpPr>
+        <p:spPr>
+          <a:xfrm flipH="1" flipV="1">
+            <a:off x="12191999" y="3775117"/>
+            <a:ext cx="6881991" cy="3538040"/>
+          </a:xfrm>
+          <a:prstGeom prst="straightConnector1">
+            <a:avLst/>
+          </a:prstGeom>
+          <a:ln w="127000">
+            <a:solidFill>
+              <a:srgbClr val="FFFFFF"/>
+            </a:solidFill>
+            <a:miter lim="400000"/>
+            <a:headEnd type="triangle"/>
+          </a:ln>
+        </p:spPr>
+      </p:cxnSp>
+      <p:cxnSp>
+        <p:nvCxnSpPr>
+          <p:cNvPr id="525" name="Connector 525"/>
+          <p:cNvCxnSpPr>
+            <a:stCxn id="521" idx="0"/>
+            <a:endCxn id="519" idx="0"/>
+          </p:cNvCxnSpPr>
+          <p:nvPr/>
+        </p:nvCxnSpPr>
+        <p:spPr>
+          <a:xfrm flipV="1">
+            <a:off x="19073989" y="7313156"/>
+            <a:ext cx="1" cy="3030039"/>
+          </a:xfrm>
+          <a:prstGeom prst="straightConnector1">
+            <a:avLst/>
+          </a:prstGeom>
+          <a:ln w="127000">
+            <a:solidFill>
+              <a:srgbClr val="FFFFFF"/>
+            </a:solidFill>
+            <a:miter lim="400000"/>
+            <a:headEnd type="triangle"/>
+          </a:ln>
+        </p:spPr>
+      </p:cxnSp>
+      <p:sp>
+        <p:nvSpPr>
+          <p:cNvPr id="526" name="Shape 526"/>
+          <p:cNvSpPr/>
+          <p:nvPr/>
+        </p:nvSpPr>
+        <p:spPr>
+          <a:xfrm>
+            <a:off x="8240581" y="2898970"/>
+            <a:ext cx="7902838" cy="1752296"/>
+          </a:xfrm>
+          <a:prstGeom prst="roundRect">
+            <a:avLst>
+              <a:gd name="adj" fmla="val 10871"/>
+            </a:avLst>
+          </a:prstGeom>
+          <a:blipFill>
+            <a:blip r:embed="rId2"/>
+          </a:blipFill>
+          <a:ln w="12700">
+            <a:miter lim="400000"/>
+          </a:ln>
+          <a:extLst>
+            <a:ext uri="{C572A759-6A51-4108-AA02-DFA0A04FC94B}">
+              <ma14:wrappingTextBoxFlag xmlns:ma14="http://schemas.microsoft.com/office/mac/drawingml/2011/main" val="1"/>
+            </a:ext>
+          </a:extLst>
+        </p:spPr>
+        <p:txBody>
+          <a:bodyPr lIns="71437" tIns="71437" rIns="71437" bIns="71437" anchor="ctr"/>
+          <a:lstStyle>
+            <a:lvl1pPr>
+              <a:defRPr sz="7200"/>
+            </a:lvl1pPr>
+          </a:lstStyle>
+          <a:p>
+            <a:pPr/>
+            <a:r>
+              <a:t>handle-event</a:t>
+            </a:r>
           </a:p>
         </p:txBody>
       </p:sp>
@@ -13937,41 +14459,35 @@
       </p:grpSpPr>
       <p:sp>
         <p:nvSpPr>
-          <p:cNvPr id="515" name="Shape 515"/>
+          <p:cNvPr id="528" name="Shape 528"/>
           <p:cNvSpPr/>
-          <p:nvPr/>
+          <p:nvPr>
+            <p:ph type="title"/>
+          </p:nvPr>
         </p:nvSpPr>
         <p:spPr>
           <a:xfrm>
-            <a:off x="1735180" y="2866847"/>
-            <a:ext cx="8890001" cy="8744306"/>
+            <a:off x="1346886" y="3438815"/>
+            <a:ext cx="21672368" cy="6838370"/>
           </a:xfrm>
           <a:prstGeom prst="rect">
             <a:avLst/>
           </a:prstGeom>
-          <a:solidFill>
-            <a:srgbClr val="FFFFFF"/>
-          </a:solidFill>
-          <a:ln w="63500">
-            <a:solidFill>
-              <a:srgbClr val="FFFFFF"/>
-            </a:solidFill>
-            <a:miter lim="400000"/>
-          </a:ln>
         </p:spPr>
         <p:txBody>
-          <a:bodyPr lIns="71437" tIns="71437" rIns="71437" bIns="71437" anchor="ctr"/>
+          <a:bodyPr/>
           <a:lstStyle/>
           <a:p>
-            <a:pPr>
-              <a:defRPr sz="3600"/>
-            </a:pPr>
+            <a:pPr/>
+            <a:r>
+              <a:t>Live Code</a:t>
+            </a:r>
           </a:p>
         </p:txBody>
       </p:sp>
       <p:sp>
         <p:nvSpPr>
-          <p:cNvPr id="516" name="Shape 516"/>
+          <p:cNvPr id="529" name="Shape 529"/>
           <p:cNvSpPr/>
           <p:nvPr>
             <p:ph type="sldNum" sz="quarter" idx="2"/>
@@ -13993,323 +14509,6 @@
           <a:p>
             <a:pPr/>
             <a:fld id="{86CB4B4D-7CA3-9044-876B-883B54F8677D}" type="slidenum"/>
-          </a:p>
-        </p:txBody>
-      </p:sp>
-      <p:sp>
-        <p:nvSpPr>
-          <p:cNvPr id="517" name="Shape 517"/>
-          <p:cNvSpPr/>
-          <p:nvPr>
-            <p:ph type="title"/>
-          </p:nvPr>
-        </p:nvSpPr>
-        <p:spPr>
-          <a:xfrm>
-            <a:off x="-74038" y="333398"/>
-            <a:ext cx="24393897" cy="1287829"/>
-          </a:xfrm>
-          <a:prstGeom prst="rect">
-            <a:avLst/>
-          </a:prstGeom>
-          <a:solidFill>
-            <a:srgbClr val="EDAF1F"/>
-          </a:solidFill>
-        </p:spPr>
-        <p:txBody>
-          <a:bodyPr/>
-          <a:lstStyle/>
-          <a:p>
-            <a:pPr lvl="2" indent="297179" algn="l" defTabSz="533995">
-              <a:defRPr sz="7279">
-                <a:latin typeface="+mn-lt"/>
-                <a:ea typeface="+mn-ea"/>
-                <a:cs typeface="+mn-cs"/>
-                <a:sym typeface="Montserrat Bold"/>
-              </a:defRPr>
-            </a:pPr>
-            <a:r>
-              <a:t>Conditions de victoire</a:t>
-            </a:r>
-          </a:p>
-        </p:txBody>
-      </p:sp>
-      <p:sp>
-        <p:nvSpPr>
-          <p:cNvPr id="518" name="Shape 518"/>
-          <p:cNvSpPr/>
-          <p:nvPr/>
-        </p:nvSpPr>
-        <p:spPr>
-          <a:xfrm>
-            <a:off x="2092180" y="6079328"/>
-            <a:ext cx="2331654" cy="2331654"/>
-          </a:xfrm>
-          <a:prstGeom prst="ellipse">
-            <a:avLst/>
-          </a:prstGeom>
-          <a:ln w="152400">
-            <a:solidFill>
-              <a:schemeClr val="accent3"/>
-            </a:solidFill>
-            <a:miter lim="400000"/>
-          </a:ln>
-        </p:spPr>
-        <p:txBody>
-          <a:bodyPr lIns="71437" tIns="71437" rIns="71437" bIns="71437" anchor="ctr"/>
-          <a:lstStyle/>
-          <a:p>
-            <a:pPr>
-              <a:defRPr sz="3600"/>
-            </a:pPr>
-          </a:p>
-        </p:txBody>
-      </p:sp>
-      <p:sp>
-        <p:nvSpPr>
-          <p:cNvPr id="519" name="Shape 519"/>
-          <p:cNvSpPr/>
-          <p:nvPr/>
-        </p:nvSpPr>
-        <p:spPr>
-          <a:xfrm rot="18900000">
-            <a:off x="3146401" y="2853232"/>
-            <a:ext cx="177801" cy="3055436"/>
-          </a:xfrm>
-          <a:prstGeom prst="rect">
-            <a:avLst/>
-          </a:prstGeom>
-          <a:blipFill>
-            <a:blip r:embed="rId2"/>
-          </a:blipFill>
-          <a:ln w="12700">
-            <a:miter lim="400000"/>
-          </a:ln>
-        </p:spPr>
-        <p:txBody>
-          <a:bodyPr lIns="71437" tIns="71437" rIns="71437" bIns="71437" anchor="ctr"/>
-          <a:lstStyle/>
-          <a:p>
-            <a:pPr>
-              <a:defRPr sz="3600"/>
-            </a:pPr>
-          </a:p>
-        </p:txBody>
-      </p:sp>
-      <p:sp>
-        <p:nvSpPr>
-          <p:cNvPr id="520" name="Shape 520"/>
-          <p:cNvSpPr/>
-          <p:nvPr/>
-        </p:nvSpPr>
-        <p:spPr>
-          <a:xfrm rot="2700000">
-            <a:off x="3146401" y="2807821"/>
-            <a:ext cx="177801" cy="3055437"/>
-          </a:xfrm>
-          <a:prstGeom prst="rect">
-            <a:avLst/>
-          </a:prstGeom>
-          <a:blipFill>
-            <a:blip r:embed="rId2"/>
-          </a:blipFill>
-          <a:ln w="12700">
-            <a:miter lim="400000"/>
-          </a:ln>
-        </p:spPr>
-        <p:txBody>
-          <a:bodyPr lIns="71437" tIns="71437" rIns="71437" bIns="71437" anchor="ctr"/>
-          <a:lstStyle/>
-          <a:p>
-            <a:pPr>
-              <a:defRPr sz="3600"/>
-            </a:pPr>
-          </a:p>
-        </p:txBody>
-      </p:sp>
-      <p:sp>
-        <p:nvSpPr>
-          <p:cNvPr id="521" name="Shape 521"/>
-          <p:cNvSpPr/>
-          <p:nvPr/>
-        </p:nvSpPr>
-        <p:spPr>
-          <a:xfrm>
-            <a:off x="5001468" y="8970863"/>
-            <a:ext cx="2331654" cy="2331654"/>
-          </a:xfrm>
-          <a:prstGeom prst="ellipse">
-            <a:avLst/>
-          </a:prstGeom>
-          <a:ln w="152400">
-            <a:solidFill>
-              <a:schemeClr val="accent3"/>
-            </a:solidFill>
-            <a:miter lim="400000"/>
-          </a:ln>
-        </p:spPr>
-        <p:txBody>
-          <a:bodyPr lIns="71437" tIns="71437" rIns="71437" bIns="71437" anchor="ctr"/>
-          <a:lstStyle/>
-          <a:p>
-            <a:pPr>
-              <a:defRPr sz="3600"/>
-            </a:pPr>
-          </a:p>
-        </p:txBody>
-      </p:sp>
-      <p:sp>
-        <p:nvSpPr>
-          <p:cNvPr id="522" name="Shape 522"/>
-          <p:cNvSpPr/>
-          <p:nvPr/>
-        </p:nvSpPr>
-        <p:spPr>
-          <a:xfrm rot="18900000">
-            <a:off x="6055689" y="5740142"/>
-            <a:ext cx="177801" cy="3055437"/>
-          </a:xfrm>
-          <a:prstGeom prst="rect">
-            <a:avLst/>
-          </a:prstGeom>
-          <a:blipFill>
-            <a:blip r:embed="rId2"/>
-          </a:blipFill>
-          <a:ln w="12700">
-            <a:miter lim="400000"/>
-          </a:ln>
-        </p:spPr>
-        <p:txBody>
-          <a:bodyPr lIns="71437" tIns="71437" rIns="71437" bIns="71437" anchor="ctr"/>
-          <a:lstStyle/>
-          <a:p>
-            <a:pPr>
-              <a:defRPr sz="3600"/>
-            </a:pPr>
-          </a:p>
-        </p:txBody>
-      </p:sp>
-      <p:sp>
-        <p:nvSpPr>
-          <p:cNvPr id="523" name="Shape 523"/>
-          <p:cNvSpPr/>
-          <p:nvPr/>
-        </p:nvSpPr>
-        <p:spPr>
-          <a:xfrm rot="2700000">
-            <a:off x="6055689" y="5694732"/>
-            <a:ext cx="177801" cy="3055436"/>
-          </a:xfrm>
-          <a:prstGeom prst="rect">
-            <a:avLst/>
-          </a:prstGeom>
-          <a:blipFill>
-            <a:blip r:embed="rId2"/>
-          </a:blipFill>
-          <a:ln w="12700">
-            <a:miter lim="400000"/>
-          </a:ln>
-        </p:spPr>
-        <p:txBody>
-          <a:bodyPr lIns="71437" tIns="71437" rIns="71437" bIns="71437" anchor="ctr"/>
-          <a:lstStyle/>
-          <a:p>
-            <a:pPr>
-              <a:defRPr sz="3600"/>
-            </a:pPr>
-          </a:p>
-        </p:txBody>
-      </p:sp>
-      <p:sp>
-        <p:nvSpPr>
-          <p:cNvPr id="524" name="Shape 524"/>
-          <p:cNvSpPr/>
-          <p:nvPr/>
-        </p:nvSpPr>
-        <p:spPr>
-          <a:xfrm>
-            <a:off x="7936528" y="8970863"/>
-            <a:ext cx="2331654" cy="2331654"/>
-          </a:xfrm>
-          <a:prstGeom prst="ellipse">
-            <a:avLst/>
-          </a:prstGeom>
-          <a:ln w="152400">
-            <a:solidFill>
-              <a:schemeClr val="accent3"/>
-            </a:solidFill>
-            <a:miter lim="400000"/>
-          </a:ln>
-        </p:spPr>
-        <p:txBody>
-          <a:bodyPr lIns="71437" tIns="71437" rIns="71437" bIns="71437" anchor="ctr"/>
-          <a:lstStyle/>
-          <a:p>
-            <a:pPr>
-              <a:defRPr sz="3600"/>
-            </a:pPr>
-          </a:p>
-        </p:txBody>
-      </p:sp>
-      <p:sp>
-        <p:nvSpPr>
-          <p:cNvPr id="525" name="Shape 525"/>
-          <p:cNvSpPr/>
-          <p:nvPr/>
-        </p:nvSpPr>
-        <p:spPr>
-          <a:xfrm rot="18900000">
-            <a:off x="8990749" y="2853232"/>
-            <a:ext cx="177801" cy="3055436"/>
-          </a:xfrm>
-          <a:prstGeom prst="rect">
-            <a:avLst/>
-          </a:prstGeom>
-          <a:blipFill>
-            <a:blip r:embed="rId2"/>
-          </a:blipFill>
-          <a:ln w="12700">
-            <a:miter lim="400000"/>
-          </a:ln>
-        </p:spPr>
-        <p:txBody>
-          <a:bodyPr lIns="71437" tIns="71437" rIns="71437" bIns="71437" anchor="ctr"/>
-          <a:lstStyle/>
-          <a:p>
-            <a:pPr>
-              <a:defRPr sz="3600"/>
-            </a:pPr>
-          </a:p>
-        </p:txBody>
-      </p:sp>
-      <p:sp>
-        <p:nvSpPr>
-          <p:cNvPr id="526" name="Shape 526"/>
-          <p:cNvSpPr/>
-          <p:nvPr/>
-        </p:nvSpPr>
-        <p:spPr>
-          <a:xfrm rot="2700000">
-            <a:off x="8990749" y="2807821"/>
-            <a:ext cx="177801" cy="3055437"/>
-          </a:xfrm>
-          <a:prstGeom prst="rect">
-            <a:avLst/>
-          </a:prstGeom>
-          <a:blipFill>
-            <a:blip r:embed="rId2"/>
-          </a:blipFill>
-          <a:ln w="12700">
-            <a:miter lim="400000"/>
-          </a:ln>
-        </p:spPr>
-        <p:txBody>
-          <a:bodyPr lIns="71437" tIns="71437" rIns="71437" bIns="71437" anchor="ctr"/>
-          <a:lstStyle/>
-          <a:p>
-            <a:pPr>
-              <a:defRPr sz="3600"/>
-            </a:pPr>
           </a:p>
         </p:txBody>
       </p:sp>
@@ -14341,14 +14540,14 @@
       </p:grpSpPr>
       <p:sp>
         <p:nvSpPr>
-          <p:cNvPr id="528" name="Shape 528"/>
+          <p:cNvPr id="531" name="Shape 531"/>
           <p:cNvSpPr/>
           <p:nvPr/>
         </p:nvSpPr>
         <p:spPr>
           <a:xfrm>
-            <a:off x="1689100" y="8770160"/>
-            <a:ext cx="8966200" cy="2805088"/>
+            <a:off x="1735180" y="2866847"/>
+            <a:ext cx="8890001" cy="8744306"/>
           </a:xfrm>
           <a:prstGeom prst="rect">
             <a:avLst/>
@@ -14356,7 +14555,10 @@
           <a:solidFill>
             <a:srgbClr val="FFFFFF"/>
           </a:solidFill>
-          <a:ln w="12700">
+          <a:ln w="63500">
+            <a:solidFill>
+              <a:srgbClr val="FFFFFF"/>
+            </a:solidFill>
             <a:miter lim="400000"/>
           </a:ln>
         </p:spPr>
@@ -14372,69 +14574,7 @@
       </p:sp>
       <p:sp>
         <p:nvSpPr>
-          <p:cNvPr id="529" name="Shape 529"/>
-          <p:cNvSpPr/>
-          <p:nvPr/>
-        </p:nvSpPr>
-        <p:spPr>
-          <a:xfrm>
-            <a:off x="1690945" y="5874560"/>
-            <a:ext cx="8966201" cy="2694709"/>
-          </a:xfrm>
-          <a:prstGeom prst="rect">
-            <a:avLst/>
-          </a:prstGeom>
-          <a:solidFill>
-            <a:srgbClr val="FFFFFF"/>
-          </a:solidFill>
-          <a:ln w="12700">
-            <a:miter lim="400000"/>
-          </a:ln>
-        </p:spPr>
-        <p:txBody>
-          <a:bodyPr lIns="71437" tIns="71437" rIns="71437" bIns="71437" anchor="ctr"/>
-          <a:lstStyle/>
-          <a:p>
-            <a:pPr>
-              <a:defRPr sz="3600"/>
-            </a:pPr>
-          </a:p>
-        </p:txBody>
-      </p:sp>
-      <p:sp>
-        <p:nvSpPr>
-          <p:cNvPr id="530" name="Shape 530"/>
-          <p:cNvSpPr/>
-          <p:nvPr/>
-        </p:nvSpPr>
-        <p:spPr>
-          <a:xfrm>
-            <a:off x="1689100" y="2881281"/>
-            <a:ext cx="8966200" cy="2805088"/>
-          </a:xfrm>
-          <a:prstGeom prst="rect">
-            <a:avLst/>
-          </a:prstGeom>
-          <a:solidFill>
-            <a:srgbClr val="FFFFFF"/>
-          </a:solidFill>
-          <a:ln w="12700">
-            <a:miter lim="400000"/>
-          </a:ln>
-        </p:spPr>
-        <p:txBody>
-          <a:bodyPr lIns="71437" tIns="71437" rIns="71437" bIns="71437" anchor="ctr"/>
-          <a:lstStyle/>
-          <a:p>
-            <a:pPr>
-              <a:defRPr sz="3600"/>
-            </a:pPr>
-          </a:p>
-        </p:txBody>
-      </p:sp>
-      <p:sp>
-        <p:nvSpPr>
-          <p:cNvPr id="531" name="Shape 531"/>
+          <p:cNvPr id="532" name="Shape 532"/>
           <p:cNvSpPr/>
           <p:nvPr>
             <p:ph type="sldNum" sz="quarter" idx="2"/>
@@ -14461,7 +14601,7 @@
       </p:sp>
       <p:sp>
         <p:nvSpPr>
-          <p:cNvPr id="532" name="Shape 532"/>
+          <p:cNvPr id="533" name="Shape 533"/>
           <p:cNvSpPr/>
           <p:nvPr>
             <p:ph type="title"/>
@@ -14499,7 +14639,7 @@
       </p:sp>
       <p:sp>
         <p:nvSpPr>
-          <p:cNvPr id="533" name="Shape 533"/>
+          <p:cNvPr id="534" name="Shape 534"/>
           <p:cNvSpPr/>
           <p:nvPr/>
         </p:nvSpPr>
@@ -14515,37 +14655,6 @@
             <a:solidFill>
               <a:schemeClr val="accent3"/>
             </a:solidFill>
-            <a:miter lim="400000"/>
-          </a:ln>
-        </p:spPr>
-        <p:txBody>
-          <a:bodyPr lIns="71437" tIns="71437" rIns="71437" bIns="71437" anchor="ctr"/>
-          <a:lstStyle/>
-          <a:p>
-            <a:pPr>
-              <a:defRPr sz="3600"/>
-            </a:pPr>
-          </a:p>
-        </p:txBody>
-      </p:sp>
-      <p:sp>
-        <p:nvSpPr>
-          <p:cNvPr id="534" name="Shape 534"/>
-          <p:cNvSpPr/>
-          <p:nvPr/>
-        </p:nvSpPr>
-        <p:spPr>
-          <a:xfrm rot="18900000">
-            <a:off x="3146401" y="2853232"/>
-            <a:ext cx="177801" cy="3055436"/>
-          </a:xfrm>
-          <a:prstGeom prst="rect">
-            <a:avLst/>
-          </a:prstGeom>
-          <a:blipFill>
-            <a:blip r:embed="rId2"/>
-          </a:blipFill>
-          <a:ln w="12700">
             <a:miter lim="400000"/>
           </a:ln>
         </p:spPr>
@@ -14566,9 +14675,9 @@
           <p:nvPr/>
         </p:nvSpPr>
         <p:spPr>
-          <a:xfrm rot="2700000">
-            <a:off x="3146401" y="2807821"/>
-            <a:ext cx="177801" cy="3055437"/>
+          <a:xfrm rot="18900000">
+            <a:off x="3146401" y="2853232"/>
+            <a:ext cx="177801" cy="3055436"/>
           </a:xfrm>
           <a:prstGeom prst="rect">
             <a:avLst/>
@@ -14597,17 +14706,17 @@
           <p:nvPr/>
         </p:nvSpPr>
         <p:spPr>
-          <a:xfrm>
-            <a:off x="5001468" y="8970863"/>
-            <a:ext cx="2331654" cy="2331654"/>
+          <a:xfrm rot="2700000">
+            <a:off x="3146401" y="2807821"/>
+            <a:ext cx="177801" cy="3055437"/>
           </a:xfrm>
-          <a:prstGeom prst="ellipse">
-            <a:avLst/>
-          </a:prstGeom>
-          <a:ln w="152400">
-            <a:solidFill>
-              <a:schemeClr val="accent3"/>
-            </a:solidFill>
+          <a:prstGeom prst="rect">
+            <a:avLst/>
+          </a:prstGeom>
+          <a:blipFill>
+            <a:blip r:embed="rId2"/>
+          </a:blipFill>
+          <a:ln w="12700">
             <a:miter lim="400000"/>
           </a:ln>
         </p:spPr>
@@ -14628,17 +14737,17 @@
           <p:nvPr/>
         </p:nvSpPr>
         <p:spPr>
-          <a:xfrm rot="18900000">
-            <a:off x="6055689" y="5740142"/>
-            <a:ext cx="177801" cy="3055437"/>
+          <a:xfrm>
+            <a:off x="5001468" y="8970863"/>
+            <a:ext cx="2331654" cy="2331654"/>
           </a:xfrm>
-          <a:prstGeom prst="rect">
-            <a:avLst/>
-          </a:prstGeom>
-          <a:blipFill>
-            <a:blip r:embed="rId2"/>
-          </a:blipFill>
-          <a:ln w="12700">
+          <a:prstGeom prst="ellipse">
+            <a:avLst/>
+          </a:prstGeom>
+          <a:ln w="152400">
+            <a:solidFill>
+              <a:schemeClr val="accent3"/>
+            </a:solidFill>
             <a:miter lim="400000"/>
           </a:ln>
         </p:spPr>
@@ -14659,9 +14768,9 @@
           <p:nvPr/>
         </p:nvSpPr>
         <p:spPr>
-          <a:xfrm rot="2700000">
-            <a:off x="6055689" y="5694732"/>
-            <a:ext cx="177801" cy="3055436"/>
+          <a:xfrm rot="18900000">
+            <a:off x="6055689" y="5740142"/>
+            <a:ext cx="177801" cy="3055437"/>
           </a:xfrm>
           <a:prstGeom prst="rect">
             <a:avLst/>
@@ -14690,17 +14799,17 @@
           <p:nvPr/>
         </p:nvSpPr>
         <p:spPr>
-          <a:xfrm>
-            <a:off x="7936528" y="8970863"/>
-            <a:ext cx="2331654" cy="2331654"/>
+          <a:xfrm rot="2700000">
+            <a:off x="6055689" y="5694732"/>
+            <a:ext cx="177801" cy="3055436"/>
           </a:xfrm>
-          <a:prstGeom prst="ellipse">
-            <a:avLst/>
-          </a:prstGeom>
-          <a:ln w="152400">
-            <a:solidFill>
-              <a:schemeClr val="accent3"/>
-            </a:solidFill>
+          <a:prstGeom prst="rect">
+            <a:avLst/>
+          </a:prstGeom>
+          <a:blipFill>
+            <a:blip r:embed="rId2"/>
+          </a:blipFill>
+          <a:ln w="12700">
             <a:miter lim="400000"/>
           </a:ln>
         </p:spPr>
@@ -14721,17 +14830,17 @@
           <p:nvPr/>
         </p:nvSpPr>
         <p:spPr>
-          <a:xfrm rot="18900000">
-            <a:off x="8990749" y="2853232"/>
-            <a:ext cx="177801" cy="3055436"/>
+          <a:xfrm>
+            <a:off x="7936528" y="8970863"/>
+            <a:ext cx="2331654" cy="2331654"/>
           </a:xfrm>
-          <a:prstGeom prst="rect">
-            <a:avLst/>
-          </a:prstGeom>
-          <a:blipFill>
-            <a:blip r:embed="rId2"/>
-          </a:blipFill>
-          <a:ln w="12700">
+          <a:prstGeom prst="ellipse">
+            <a:avLst/>
+          </a:prstGeom>
+          <a:ln w="152400">
+            <a:solidFill>
+              <a:schemeClr val="accent3"/>
+            </a:solidFill>
             <a:miter lim="400000"/>
           </a:ln>
         </p:spPr>
@@ -14752,9 +14861,9 @@
           <p:nvPr/>
         </p:nvSpPr>
         <p:spPr>
-          <a:xfrm rot="2700000">
-            <a:off x="8990749" y="2807821"/>
-            <a:ext cx="177801" cy="3055437"/>
+          <a:xfrm rot="18900000">
+            <a:off x="8990749" y="2853232"/>
+            <a:ext cx="177801" cy="3055436"/>
           </a:xfrm>
           <a:prstGeom prst="rect">
             <a:avLst/>
@@ -14780,60 +14889,30 @@
         <p:nvSpPr>
           <p:cNvPr id="542" name="Shape 542"/>
           <p:cNvSpPr/>
-          <p:nvPr>
-            <p:ph type="body" sz="quarter" idx="4294967295"/>
-          </p:nvPr>
+          <p:nvPr/>
         </p:nvSpPr>
         <p:spPr>
-          <a:xfrm>
-            <a:off x="12267927" y="4322843"/>
-            <a:ext cx="10992344" cy="5772744"/>
+          <a:xfrm rot="2700000">
+            <a:off x="8990749" y="2807821"/>
+            <a:ext cx="177801" cy="3055437"/>
           </a:xfrm>
           <a:prstGeom prst="rect">
             <a:avLst/>
           </a:prstGeom>
+          <a:blipFill>
+            <a:blip r:embed="rId2"/>
+          </a:blipFill>
+          <a:ln w="12700">
+            <a:miter lim="400000"/>
+          </a:ln>
         </p:spPr>
         <p:txBody>
-          <a:bodyPr/>
+          <a:bodyPr lIns="71437" tIns="71437" rIns="71437" bIns="71437" anchor="ctr"/>
           <a:lstStyle/>
           <a:p>
             <a:pPr>
-              <a:defRPr sz="7200">
-                <a:latin typeface="Courier"/>
-                <a:ea typeface="Courier"/>
-                <a:cs typeface="Courier"/>
-                <a:sym typeface="Courier"/>
-              </a:defRPr>
+              <a:defRPr sz="3600"/>
             </a:pPr>
-            <a:r>
-              <a:t>[[0 0] [0 1] [0 2]]</a:t>
-            </a:r>
-          </a:p>
-          <a:p>
-            <a:pPr>
-              <a:defRPr sz="7200">
-                <a:latin typeface="Courier"/>
-                <a:ea typeface="Courier"/>
-                <a:cs typeface="Courier"/>
-                <a:sym typeface="Courier"/>
-              </a:defRPr>
-            </a:pPr>
-            <a:r>
-              <a:t>[[1 0] [1 1] [1 2]]</a:t>
-            </a:r>
-          </a:p>
-          <a:p>
-            <a:pPr>
-              <a:defRPr sz="7200">
-                <a:latin typeface="Courier"/>
-                <a:ea typeface="Courier"/>
-                <a:cs typeface="Courier"/>
-                <a:sym typeface="Courier"/>
-              </a:defRPr>
-            </a:pPr>
-            <a:r>
-              <a:t>[[2 0] [2 1] [2 2]]</a:t>
-            </a:r>
           </a:p>
         </p:txBody>
       </p:sp>
@@ -14871,8 +14950,8 @@
         </p:nvSpPr>
         <p:spPr>
           <a:xfrm>
-            <a:off x="1739900" y="2870200"/>
-            <a:ext cx="2917876" cy="8750300"/>
+            <a:off x="1689100" y="8770160"/>
+            <a:ext cx="8966200" cy="2805088"/>
           </a:xfrm>
           <a:prstGeom prst="rect">
             <a:avLst/>
@@ -14902,8 +14981,8 @@
         </p:nvSpPr>
         <p:spPr>
           <a:xfrm>
-            <a:off x="4819338" y="2870200"/>
-            <a:ext cx="2768601" cy="8750300"/>
+            <a:off x="1690945" y="5874560"/>
+            <a:ext cx="8966201" cy="2694709"/>
           </a:xfrm>
           <a:prstGeom prst="rect">
             <a:avLst/>
@@ -14933,8 +15012,8 @@
         </p:nvSpPr>
         <p:spPr>
           <a:xfrm>
-            <a:off x="7745679" y="2870200"/>
-            <a:ext cx="2917877" cy="8750300"/>
+            <a:off x="1689100" y="2881281"/>
+            <a:ext cx="8966200" cy="2805088"/>
           </a:xfrm>
           <a:prstGeom prst="rect">
             <a:avLst/>
@@ -15330,7 +15409,7 @@
               </a:defRPr>
             </a:pPr>
             <a:r>
-              <a:t>[[0 0] [1 0] [2 0]]</a:t>
+              <a:t>[[0 0] [0 1] [0 2]]</a:t>
             </a:r>
           </a:p>
           <a:p>
@@ -15343,7 +15422,7 @@
               </a:defRPr>
             </a:pPr>
             <a:r>
-              <a:t>[[0 1] [1 1] [2 1]]</a:t>
+              <a:t>[[1 0] [1 1] [1 2]]</a:t>
             </a:r>
           </a:p>
           <a:p>
@@ -15356,7 +15435,7 @@
               </a:defRPr>
             </a:pPr>
             <a:r>
-              <a:t>[[0 2] [1 2] [2 2]]</a:t>
+              <a:t>[[2 0] [2 1] [2 2]]</a:t>
             </a:r>
           </a:p>
         </p:txBody>
@@ -15395,8 +15474,8 @@
         </p:nvSpPr>
         <p:spPr>
           <a:xfrm>
-            <a:off x="7705355" y="3033610"/>
-            <a:ext cx="2794001" cy="2694679"/>
+            <a:off x="1739900" y="2870200"/>
+            <a:ext cx="2917876" cy="8750300"/>
           </a:xfrm>
           <a:prstGeom prst="rect">
             <a:avLst/>
@@ -15404,10 +15483,7 @@
           <a:solidFill>
             <a:srgbClr val="FFFFFF"/>
           </a:solidFill>
-          <a:ln w="63500">
-            <a:solidFill>
-              <a:srgbClr val="FFFFFF"/>
-            </a:solidFill>
+          <a:ln w="12700">
             <a:miter lim="400000"/>
           </a:ln>
         </p:spPr>
@@ -15429,8 +15505,8 @@
         </p:nvSpPr>
         <p:spPr>
           <a:xfrm>
-            <a:off x="7705355" y="8789351"/>
-            <a:ext cx="2794001" cy="2694679"/>
+            <a:off x="4819338" y="2870200"/>
+            <a:ext cx="2768601" cy="8750300"/>
           </a:xfrm>
           <a:prstGeom prst="rect">
             <a:avLst/>
@@ -15438,10 +15514,7 @@
           <a:solidFill>
             <a:srgbClr val="FFFFFF"/>
           </a:solidFill>
-          <a:ln w="63500">
-            <a:solidFill>
-              <a:srgbClr val="FFFFFF"/>
-            </a:solidFill>
+          <a:ln w="12700">
             <a:miter lim="400000"/>
           </a:ln>
         </p:spPr>
@@ -15463,8 +15536,8 @@
         </p:nvSpPr>
         <p:spPr>
           <a:xfrm>
-            <a:off x="4770294" y="5875110"/>
-            <a:ext cx="2794001" cy="2694679"/>
+            <a:off x="7745679" y="2870200"/>
+            <a:ext cx="2917877" cy="8750300"/>
           </a:xfrm>
           <a:prstGeom prst="rect">
             <a:avLst/>
@@ -15472,10 +15545,7 @@
           <a:solidFill>
             <a:srgbClr val="FFFFFF"/>
           </a:solidFill>
-          <a:ln w="63500">
-            <a:solidFill>
-              <a:srgbClr val="FFFFFF"/>
-            </a:solidFill>
+          <a:ln w="12700">
             <a:miter lim="400000"/>
           </a:ln>
         </p:spPr>
@@ -15493,66 +15563,32 @@
         <p:nvSpPr>
           <p:cNvPr id="563" name="Shape 563"/>
           <p:cNvSpPr/>
-          <p:nvPr/>
+          <p:nvPr>
+            <p:ph type="sldNum" sz="quarter" idx="2"/>
+          </p:nvPr>
         </p:nvSpPr>
         <p:spPr>
-          <a:xfrm>
-            <a:off x="1838301" y="2988200"/>
-            <a:ext cx="2794001" cy="2694679"/>
-          </a:xfrm>
           <a:prstGeom prst="rect">
             <a:avLst/>
           </a:prstGeom>
-          <a:solidFill>
-            <a:srgbClr val="FFFFFF"/>
-          </a:solidFill>
-          <a:ln w="63500">
-            <a:solidFill>
-              <a:srgbClr val="FFFFFF"/>
-            </a:solidFill>
-            <a:miter lim="400000"/>
-          </a:ln>
+          <a:extLst>
+            <a:ext uri="{C572A759-6A51-4108-AA02-DFA0A04FC94B}">
+              <ma14:wrappingTextBoxFlag xmlns:ma14="http://schemas.microsoft.com/office/mac/drawingml/2011/main" val="1"/>
+            </a:ext>
+          </a:extLst>
         </p:spPr>
         <p:txBody>
-          <a:bodyPr lIns="71437" tIns="71437" rIns="71437" bIns="71437" anchor="ctr"/>
+          <a:bodyPr/>
           <a:lstStyle/>
           <a:p>
-            <a:pPr>
-              <a:defRPr sz="3600"/>
-            </a:pPr>
+            <a:pPr/>
+            <a:fld id="{86CB4B4D-7CA3-9044-876B-883B54F8677D}" type="slidenum"/>
           </a:p>
         </p:txBody>
       </p:sp>
       <p:sp>
         <p:nvSpPr>
           <p:cNvPr id="564" name="Shape 564"/>
-          <p:cNvSpPr/>
-          <p:nvPr>
-            <p:ph type="sldNum" sz="quarter" idx="2"/>
-          </p:nvPr>
-        </p:nvSpPr>
-        <p:spPr>
-          <a:prstGeom prst="rect">
-            <a:avLst/>
-          </a:prstGeom>
-          <a:extLst>
-            <a:ext uri="{C572A759-6A51-4108-AA02-DFA0A04FC94B}">
-              <ma14:wrappingTextBoxFlag xmlns:ma14="http://schemas.microsoft.com/office/mac/drawingml/2011/main" val="1"/>
-            </a:ext>
-          </a:extLst>
-        </p:spPr>
-        <p:txBody>
-          <a:bodyPr/>
-          <a:lstStyle/>
-          <a:p>
-            <a:pPr/>
-            <a:fld id="{86CB4B4D-7CA3-9044-876B-883B54F8677D}" type="slidenum"/>
-          </a:p>
-        </p:txBody>
-      </p:sp>
-      <p:sp>
-        <p:nvSpPr>
-          <p:cNvPr id="565" name="Shape 565"/>
           <p:cNvSpPr/>
           <p:nvPr>
             <p:ph type="title"/>
@@ -15590,7 +15626,7 @@
       </p:sp>
       <p:sp>
         <p:nvSpPr>
-          <p:cNvPr id="566" name="Shape 566"/>
+          <p:cNvPr id="565" name="Shape 565"/>
           <p:cNvSpPr/>
           <p:nvPr/>
         </p:nvSpPr>
@@ -15606,6 +15642,37 @@
             <a:solidFill>
               <a:schemeClr val="accent3"/>
             </a:solidFill>
+            <a:miter lim="400000"/>
+          </a:ln>
+        </p:spPr>
+        <p:txBody>
+          <a:bodyPr lIns="71437" tIns="71437" rIns="71437" bIns="71437" anchor="ctr"/>
+          <a:lstStyle/>
+          <a:p>
+            <a:pPr>
+              <a:defRPr sz="3600"/>
+            </a:pPr>
+          </a:p>
+        </p:txBody>
+      </p:sp>
+      <p:sp>
+        <p:nvSpPr>
+          <p:cNvPr id="566" name="Shape 566"/>
+          <p:cNvSpPr/>
+          <p:nvPr/>
+        </p:nvSpPr>
+        <p:spPr>
+          <a:xfrm rot="18900000">
+            <a:off x="3146401" y="2853232"/>
+            <a:ext cx="177801" cy="3055436"/>
+          </a:xfrm>
+          <a:prstGeom prst="rect">
+            <a:avLst/>
+          </a:prstGeom>
+          <a:blipFill>
+            <a:blip r:embed="rId2"/>
+          </a:blipFill>
+          <a:ln w="12700">
             <a:miter lim="400000"/>
           </a:ln>
         </p:spPr>
@@ -15626,9 +15693,9 @@
           <p:nvPr/>
         </p:nvSpPr>
         <p:spPr>
-          <a:xfrm rot="18900000">
-            <a:off x="3146401" y="2853232"/>
-            <a:ext cx="177801" cy="3055436"/>
+          <a:xfrm rot="2700000">
+            <a:off x="3146401" y="2807821"/>
+            <a:ext cx="177801" cy="3055437"/>
           </a:xfrm>
           <a:prstGeom prst="rect">
             <a:avLst/>
@@ -15657,17 +15724,17 @@
           <p:nvPr/>
         </p:nvSpPr>
         <p:spPr>
-          <a:xfrm rot="2700000">
-            <a:off x="3146401" y="2807821"/>
-            <a:ext cx="177801" cy="3055437"/>
+          <a:xfrm>
+            <a:off x="5001468" y="8970863"/>
+            <a:ext cx="2331654" cy="2331654"/>
           </a:xfrm>
-          <a:prstGeom prst="rect">
-            <a:avLst/>
-          </a:prstGeom>
-          <a:blipFill>
-            <a:blip r:embed="rId2"/>
-          </a:blipFill>
-          <a:ln w="12700">
+          <a:prstGeom prst="ellipse">
+            <a:avLst/>
+          </a:prstGeom>
+          <a:ln w="152400">
+            <a:solidFill>
+              <a:schemeClr val="accent3"/>
+            </a:solidFill>
             <a:miter lim="400000"/>
           </a:ln>
         </p:spPr>
@@ -15688,17 +15755,17 @@
           <p:nvPr/>
         </p:nvSpPr>
         <p:spPr>
-          <a:xfrm>
-            <a:off x="5001468" y="8970863"/>
-            <a:ext cx="2331654" cy="2331654"/>
+          <a:xfrm rot="18900000">
+            <a:off x="6055689" y="5740142"/>
+            <a:ext cx="177801" cy="3055437"/>
           </a:xfrm>
-          <a:prstGeom prst="ellipse">
-            <a:avLst/>
-          </a:prstGeom>
-          <a:ln w="152400">
-            <a:solidFill>
-              <a:schemeClr val="accent3"/>
-            </a:solidFill>
+          <a:prstGeom prst="rect">
+            <a:avLst/>
+          </a:prstGeom>
+          <a:blipFill>
+            <a:blip r:embed="rId2"/>
+          </a:blipFill>
+          <a:ln w="12700">
             <a:miter lim="400000"/>
           </a:ln>
         </p:spPr>
@@ -15719,9 +15786,9 @@
           <p:nvPr/>
         </p:nvSpPr>
         <p:spPr>
-          <a:xfrm rot="18900000">
-            <a:off x="6055689" y="5740142"/>
-            <a:ext cx="177801" cy="3055437"/>
+          <a:xfrm rot="2700000">
+            <a:off x="6055689" y="5694732"/>
+            <a:ext cx="177801" cy="3055436"/>
           </a:xfrm>
           <a:prstGeom prst="rect">
             <a:avLst/>
@@ -15750,17 +15817,17 @@
           <p:nvPr/>
         </p:nvSpPr>
         <p:spPr>
-          <a:xfrm rot="2700000">
-            <a:off x="6055689" y="5694732"/>
-            <a:ext cx="177801" cy="3055436"/>
+          <a:xfrm>
+            <a:off x="7936528" y="8970863"/>
+            <a:ext cx="2331654" cy="2331654"/>
           </a:xfrm>
-          <a:prstGeom prst="rect">
-            <a:avLst/>
-          </a:prstGeom>
-          <a:blipFill>
-            <a:blip r:embed="rId2"/>
-          </a:blipFill>
-          <a:ln w="12700">
+          <a:prstGeom prst="ellipse">
+            <a:avLst/>
+          </a:prstGeom>
+          <a:ln w="152400">
+            <a:solidFill>
+              <a:schemeClr val="accent3"/>
+            </a:solidFill>
             <a:miter lim="400000"/>
           </a:ln>
         </p:spPr>
@@ -15781,17 +15848,17 @@
           <p:nvPr/>
         </p:nvSpPr>
         <p:spPr>
-          <a:xfrm>
-            <a:off x="7936528" y="8970863"/>
-            <a:ext cx="2331654" cy="2331654"/>
+          <a:xfrm rot="18900000">
+            <a:off x="8990749" y="2853232"/>
+            <a:ext cx="177801" cy="3055436"/>
           </a:xfrm>
-          <a:prstGeom prst="ellipse">
-            <a:avLst/>
-          </a:prstGeom>
-          <a:ln w="152400">
-            <a:solidFill>
-              <a:schemeClr val="accent3"/>
-            </a:solidFill>
+          <a:prstGeom prst="rect">
+            <a:avLst/>
+          </a:prstGeom>
+          <a:blipFill>
+            <a:blip r:embed="rId2"/>
+          </a:blipFill>
+          <a:ln w="12700">
             <a:miter lim="400000"/>
           </a:ln>
         </p:spPr>
@@ -15812,9 +15879,9 @@
           <p:nvPr/>
         </p:nvSpPr>
         <p:spPr>
-          <a:xfrm rot="18900000">
-            <a:off x="8990749" y="2853232"/>
-            <a:ext cx="177801" cy="3055436"/>
+          <a:xfrm rot="2700000">
+            <a:off x="8990749" y="2807821"/>
+            <a:ext cx="177801" cy="3055437"/>
           </a:xfrm>
           <a:prstGeom prst="rect">
             <a:avLst/>
@@ -15839,71 +15906,6 @@
       <p:sp>
         <p:nvSpPr>
           <p:cNvPr id="574" name="Shape 574"/>
-          <p:cNvSpPr/>
-          <p:nvPr/>
-        </p:nvSpPr>
-        <p:spPr>
-          <a:xfrm rot="2700000">
-            <a:off x="8990749" y="2807821"/>
-            <a:ext cx="177801" cy="3055437"/>
-          </a:xfrm>
-          <a:prstGeom prst="rect">
-            <a:avLst/>
-          </a:prstGeom>
-          <a:blipFill>
-            <a:blip r:embed="rId2"/>
-          </a:blipFill>
-          <a:ln w="12700">
-            <a:miter lim="400000"/>
-          </a:ln>
-        </p:spPr>
-        <p:txBody>
-          <a:bodyPr lIns="71437" tIns="71437" rIns="71437" bIns="71437" anchor="ctr"/>
-          <a:lstStyle/>
-          <a:p>
-            <a:pPr>
-              <a:defRPr sz="3600"/>
-            </a:pPr>
-          </a:p>
-        </p:txBody>
-      </p:sp>
-      <p:sp>
-        <p:nvSpPr>
-          <p:cNvPr id="575" name="Shape 575"/>
-          <p:cNvSpPr/>
-          <p:nvPr/>
-        </p:nvSpPr>
-        <p:spPr>
-          <a:xfrm>
-            <a:off x="1838301" y="8812055"/>
-            <a:ext cx="2794001" cy="2694680"/>
-          </a:xfrm>
-          <a:prstGeom prst="rect">
-            <a:avLst/>
-          </a:prstGeom>
-          <a:solidFill>
-            <a:srgbClr val="FFFFFF"/>
-          </a:solidFill>
-          <a:ln w="63500">
-            <a:solidFill>
-              <a:srgbClr val="FFFFFF"/>
-            </a:solidFill>
-            <a:miter lim="400000"/>
-          </a:ln>
-        </p:spPr>
-        <p:txBody>
-          <a:bodyPr lIns="71437" tIns="71437" rIns="71437" bIns="71437" anchor="ctr"/>
-          <a:lstStyle/>
-          <a:p>
-            <a:pPr>
-              <a:defRPr sz="3600"/>
-            </a:pPr>
-          </a:p>
-        </p:txBody>
-      </p:sp>
-      <p:sp>
-        <p:nvSpPr>
-          <p:cNvPr id="576" name="Shape 576"/>
           <p:cNvSpPr/>
           <p:nvPr>
             <p:ph type="body" sz="quarter" idx="4294967295"/>
@@ -15931,18 +15933,8 @@
               </a:defRPr>
             </a:pPr>
             <a:r>
-              <a:t>[[0 0] [1 1] [2 2]]</a:t>
+              <a:t>[[0 0] [1 0] [2 0]]</a:t>
             </a:r>
-          </a:p>
-          <a:p>
-            <a:pPr>
-              <a:defRPr sz="7200">
-                <a:latin typeface="Courier"/>
-                <a:ea typeface="Courier"/>
-                <a:cs typeface="Courier"/>
-                <a:sym typeface="Courier"/>
-              </a:defRPr>
-            </a:pPr>
           </a:p>
           <a:p>
             <a:pPr>
@@ -15954,7 +15946,20 @@
               </a:defRPr>
             </a:pPr>
             <a:r>
-              <a:t>[[0 2] [1 1] [2 0]]</a:t>
+              <a:t>[[0 1] [1 1] [2 1]]</a:t>
+            </a:r>
+          </a:p>
+          <a:p>
+            <a:pPr>
+              <a:defRPr sz="7200">
+                <a:latin typeface="Courier"/>
+                <a:ea typeface="Courier"/>
+                <a:cs typeface="Courier"/>
+                <a:sym typeface="Courier"/>
+              </a:defRPr>
+            </a:pPr>
+            <a:r>
+              <a:t>[[0 2] [1 2] [2 2]]</a:t>
             </a:r>
           </a:p>
         </p:txBody>
@@ -15987,29 +15992,103 @@
       </p:grpSpPr>
       <p:sp>
         <p:nvSpPr>
+          <p:cNvPr id="576" name="Shape 576"/>
+          <p:cNvSpPr/>
+          <p:nvPr/>
+        </p:nvSpPr>
+        <p:spPr>
+          <a:xfrm>
+            <a:off x="7705355" y="3033610"/>
+            <a:ext cx="2794001" cy="2694679"/>
+          </a:xfrm>
+          <a:prstGeom prst="rect">
+            <a:avLst/>
+          </a:prstGeom>
+          <a:solidFill>
+            <a:srgbClr val="FFFFFF"/>
+          </a:solidFill>
+          <a:ln w="63500">
+            <a:solidFill>
+              <a:srgbClr val="FFFFFF"/>
+            </a:solidFill>
+            <a:miter lim="400000"/>
+          </a:ln>
+        </p:spPr>
+        <p:txBody>
+          <a:bodyPr lIns="71437" tIns="71437" rIns="71437" bIns="71437" anchor="ctr"/>
+          <a:lstStyle/>
+          <a:p>
+            <a:pPr>
+              <a:defRPr sz="3600"/>
+            </a:pPr>
+          </a:p>
+        </p:txBody>
+      </p:sp>
+      <p:sp>
+        <p:nvSpPr>
+          <p:cNvPr id="577" name="Shape 577"/>
+          <p:cNvSpPr/>
+          <p:nvPr/>
+        </p:nvSpPr>
+        <p:spPr>
+          <a:xfrm>
+            <a:off x="7705355" y="8789351"/>
+            <a:ext cx="2794001" cy="2694679"/>
+          </a:xfrm>
+          <a:prstGeom prst="rect">
+            <a:avLst/>
+          </a:prstGeom>
+          <a:solidFill>
+            <a:srgbClr val="FFFFFF"/>
+          </a:solidFill>
+          <a:ln w="63500">
+            <a:solidFill>
+              <a:srgbClr val="FFFFFF"/>
+            </a:solidFill>
+            <a:miter lim="400000"/>
+          </a:ln>
+        </p:spPr>
+        <p:txBody>
+          <a:bodyPr lIns="71437" tIns="71437" rIns="71437" bIns="71437" anchor="ctr"/>
+          <a:lstStyle/>
+          <a:p>
+            <a:pPr>
+              <a:defRPr sz="3600"/>
+            </a:pPr>
+          </a:p>
+        </p:txBody>
+      </p:sp>
+      <p:sp>
+        <p:nvSpPr>
           <p:cNvPr id="578" name="Shape 578"/>
           <p:cNvSpPr/>
-          <p:nvPr>
-            <p:ph type="title"/>
-          </p:nvPr>
+          <p:nvPr/>
         </p:nvSpPr>
         <p:spPr>
           <a:xfrm>
-            <a:off x="1346886" y="3438815"/>
-            <a:ext cx="21672368" cy="6838370"/>
+            <a:off x="4770294" y="5875110"/>
+            <a:ext cx="2794001" cy="2694679"/>
           </a:xfrm>
           <a:prstGeom prst="rect">
             <a:avLst/>
           </a:prstGeom>
+          <a:solidFill>
+            <a:srgbClr val="FFFFFF"/>
+          </a:solidFill>
+          <a:ln w="63500">
+            <a:solidFill>
+              <a:srgbClr val="FFFFFF"/>
+            </a:solidFill>
+            <a:miter lim="400000"/>
+          </a:ln>
         </p:spPr>
         <p:txBody>
-          <a:bodyPr/>
+          <a:bodyPr lIns="71437" tIns="71437" rIns="71437" bIns="71437" anchor="ctr"/>
           <a:lstStyle/>
           <a:p>
-            <a:pPr/>
-            <a:r>
-              <a:t>Live Code</a:t>
-            </a:r>
+            <a:pPr>
+              <a:defRPr sz="3600"/>
+            </a:pPr>
           </a:p>
         </p:txBody>
       </p:sp>
@@ -16017,6 +16096,40 @@
         <p:nvSpPr>
           <p:cNvPr id="579" name="Shape 579"/>
           <p:cNvSpPr/>
+          <p:nvPr/>
+        </p:nvSpPr>
+        <p:spPr>
+          <a:xfrm>
+            <a:off x="1838301" y="2988200"/>
+            <a:ext cx="2794001" cy="2694679"/>
+          </a:xfrm>
+          <a:prstGeom prst="rect">
+            <a:avLst/>
+          </a:prstGeom>
+          <a:solidFill>
+            <a:srgbClr val="FFFFFF"/>
+          </a:solidFill>
+          <a:ln w="63500">
+            <a:solidFill>
+              <a:srgbClr val="FFFFFF"/>
+            </a:solidFill>
+            <a:miter lim="400000"/>
+          </a:ln>
+        </p:spPr>
+        <p:txBody>
+          <a:bodyPr lIns="71437" tIns="71437" rIns="71437" bIns="71437" anchor="ctr"/>
+          <a:lstStyle/>
+          <a:p>
+            <a:pPr>
+              <a:defRPr sz="3600"/>
+            </a:pPr>
+          </a:p>
+        </p:txBody>
+      </p:sp>
+      <p:sp>
+        <p:nvSpPr>
+          <p:cNvPr id="580" name="Shape 580"/>
+          <p:cNvSpPr/>
           <p:nvPr>
             <p:ph type="sldNum" sz="quarter" idx="2"/>
           </p:nvPr>
@@ -16037,6 +16150,415 @@
           <a:p>
             <a:pPr/>
             <a:fld id="{86CB4B4D-7CA3-9044-876B-883B54F8677D}" type="slidenum"/>
+          </a:p>
+        </p:txBody>
+      </p:sp>
+      <p:sp>
+        <p:nvSpPr>
+          <p:cNvPr id="581" name="Shape 581"/>
+          <p:cNvSpPr/>
+          <p:nvPr>
+            <p:ph type="title"/>
+          </p:nvPr>
+        </p:nvSpPr>
+        <p:spPr>
+          <a:xfrm>
+            <a:off x="-74038" y="333398"/>
+            <a:ext cx="24393897" cy="1287829"/>
+          </a:xfrm>
+          <a:prstGeom prst="rect">
+            <a:avLst/>
+          </a:prstGeom>
+          <a:solidFill>
+            <a:srgbClr val="EDAF1F"/>
+          </a:solidFill>
+        </p:spPr>
+        <p:txBody>
+          <a:bodyPr/>
+          <a:lstStyle/>
+          <a:p>
+            <a:pPr lvl="2" indent="297179" algn="l" defTabSz="533995">
+              <a:defRPr sz="7279">
+                <a:latin typeface="+mn-lt"/>
+                <a:ea typeface="+mn-ea"/>
+                <a:cs typeface="+mn-cs"/>
+                <a:sym typeface="Montserrat Bold"/>
+              </a:defRPr>
+            </a:pPr>
+            <a:r>
+              <a:t>Conditions de victoire</a:t>
+            </a:r>
+          </a:p>
+        </p:txBody>
+      </p:sp>
+      <p:sp>
+        <p:nvSpPr>
+          <p:cNvPr id="582" name="Shape 582"/>
+          <p:cNvSpPr/>
+          <p:nvPr/>
+        </p:nvSpPr>
+        <p:spPr>
+          <a:xfrm>
+            <a:off x="2092180" y="6079328"/>
+            <a:ext cx="2331654" cy="2331654"/>
+          </a:xfrm>
+          <a:prstGeom prst="ellipse">
+            <a:avLst/>
+          </a:prstGeom>
+          <a:ln w="152400">
+            <a:solidFill>
+              <a:schemeClr val="accent3"/>
+            </a:solidFill>
+            <a:miter lim="400000"/>
+          </a:ln>
+        </p:spPr>
+        <p:txBody>
+          <a:bodyPr lIns="71437" tIns="71437" rIns="71437" bIns="71437" anchor="ctr"/>
+          <a:lstStyle/>
+          <a:p>
+            <a:pPr>
+              <a:defRPr sz="3600"/>
+            </a:pPr>
+          </a:p>
+        </p:txBody>
+      </p:sp>
+      <p:sp>
+        <p:nvSpPr>
+          <p:cNvPr id="583" name="Shape 583"/>
+          <p:cNvSpPr/>
+          <p:nvPr/>
+        </p:nvSpPr>
+        <p:spPr>
+          <a:xfrm rot="18900000">
+            <a:off x="3146401" y="2853232"/>
+            <a:ext cx="177801" cy="3055436"/>
+          </a:xfrm>
+          <a:prstGeom prst="rect">
+            <a:avLst/>
+          </a:prstGeom>
+          <a:blipFill>
+            <a:blip r:embed="rId2"/>
+          </a:blipFill>
+          <a:ln w="12700">
+            <a:miter lim="400000"/>
+          </a:ln>
+        </p:spPr>
+        <p:txBody>
+          <a:bodyPr lIns="71437" tIns="71437" rIns="71437" bIns="71437" anchor="ctr"/>
+          <a:lstStyle/>
+          <a:p>
+            <a:pPr>
+              <a:defRPr sz="3600"/>
+            </a:pPr>
+          </a:p>
+        </p:txBody>
+      </p:sp>
+      <p:sp>
+        <p:nvSpPr>
+          <p:cNvPr id="584" name="Shape 584"/>
+          <p:cNvSpPr/>
+          <p:nvPr/>
+        </p:nvSpPr>
+        <p:spPr>
+          <a:xfrm rot="2700000">
+            <a:off x="3146401" y="2807821"/>
+            <a:ext cx="177801" cy="3055437"/>
+          </a:xfrm>
+          <a:prstGeom prst="rect">
+            <a:avLst/>
+          </a:prstGeom>
+          <a:blipFill>
+            <a:blip r:embed="rId2"/>
+          </a:blipFill>
+          <a:ln w="12700">
+            <a:miter lim="400000"/>
+          </a:ln>
+        </p:spPr>
+        <p:txBody>
+          <a:bodyPr lIns="71437" tIns="71437" rIns="71437" bIns="71437" anchor="ctr"/>
+          <a:lstStyle/>
+          <a:p>
+            <a:pPr>
+              <a:defRPr sz="3600"/>
+            </a:pPr>
+          </a:p>
+        </p:txBody>
+      </p:sp>
+      <p:sp>
+        <p:nvSpPr>
+          <p:cNvPr id="585" name="Shape 585"/>
+          <p:cNvSpPr/>
+          <p:nvPr/>
+        </p:nvSpPr>
+        <p:spPr>
+          <a:xfrm>
+            <a:off x="5001468" y="8970863"/>
+            <a:ext cx="2331654" cy="2331654"/>
+          </a:xfrm>
+          <a:prstGeom prst="ellipse">
+            <a:avLst/>
+          </a:prstGeom>
+          <a:ln w="152400">
+            <a:solidFill>
+              <a:schemeClr val="accent3"/>
+            </a:solidFill>
+            <a:miter lim="400000"/>
+          </a:ln>
+        </p:spPr>
+        <p:txBody>
+          <a:bodyPr lIns="71437" tIns="71437" rIns="71437" bIns="71437" anchor="ctr"/>
+          <a:lstStyle/>
+          <a:p>
+            <a:pPr>
+              <a:defRPr sz="3600"/>
+            </a:pPr>
+          </a:p>
+        </p:txBody>
+      </p:sp>
+      <p:sp>
+        <p:nvSpPr>
+          <p:cNvPr id="586" name="Shape 586"/>
+          <p:cNvSpPr/>
+          <p:nvPr/>
+        </p:nvSpPr>
+        <p:spPr>
+          <a:xfrm rot="18900000">
+            <a:off x="6055689" y="5740142"/>
+            <a:ext cx="177801" cy="3055437"/>
+          </a:xfrm>
+          <a:prstGeom prst="rect">
+            <a:avLst/>
+          </a:prstGeom>
+          <a:blipFill>
+            <a:blip r:embed="rId2"/>
+          </a:blipFill>
+          <a:ln w="12700">
+            <a:miter lim="400000"/>
+          </a:ln>
+        </p:spPr>
+        <p:txBody>
+          <a:bodyPr lIns="71437" tIns="71437" rIns="71437" bIns="71437" anchor="ctr"/>
+          <a:lstStyle/>
+          <a:p>
+            <a:pPr>
+              <a:defRPr sz="3600"/>
+            </a:pPr>
+          </a:p>
+        </p:txBody>
+      </p:sp>
+      <p:sp>
+        <p:nvSpPr>
+          <p:cNvPr id="587" name="Shape 587"/>
+          <p:cNvSpPr/>
+          <p:nvPr/>
+        </p:nvSpPr>
+        <p:spPr>
+          <a:xfrm rot="2700000">
+            <a:off x="6055689" y="5694732"/>
+            <a:ext cx="177801" cy="3055436"/>
+          </a:xfrm>
+          <a:prstGeom prst="rect">
+            <a:avLst/>
+          </a:prstGeom>
+          <a:blipFill>
+            <a:blip r:embed="rId2"/>
+          </a:blipFill>
+          <a:ln w="12700">
+            <a:miter lim="400000"/>
+          </a:ln>
+        </p:spPr>
+        <p:txBody>
+          <a:bodyPr lIns="71437" tIns="71437" rIns="71437" bIns="71437" anchor="ctr"/>
+          <a:lstStyle/>
+          <a:p>
+            <a:pPr>
+              <a:defRPr sz="3600"/>
+            </a:pPr>
+          </a:p>
+        </p:txBody>
+      </p:sp>
+      <p:sp>
+        <p:nvSpPr>
+          <p:cNvPr id="588" name="Shape 588"/>
+          <p:cNvSpPr/>
+          <p:nvPr/>
+        </p:nvSpPr>
+        <p:spPr>
+          <a:xfrm>
+            <a:off x="7936528" y="8970863"/>
+            <a:ext cx="2331654" cy="2331654"/>
+          </a:xfrm>
+          <a:prstGeom prst="ellipse">
+            <a:avLst/>
+          </a:prstGeom>
+          <a:ln w="152400">
+            <a:solidFill>
+              <a:schemeClr val="accent3"/>
+            </a:solidFill>
+            <a:miter lim="400000"/>
+          </a:ln>
+        </p:spPr>
+        <p:txBody>
+          <a:bodyPr lIns="71437" tIns="71437" rIns="71437" bIns="71437" anchor="ctr"/>
+          <a:lstStyle/>
+          <a:p>
+            <a:pPr>
+              <a:defRPr sz="3600"/>
+            </a:pPr>
+          </a:p>
+        </p:txBody>
+      </p:sp>
+      <p:sp>
+        <p:nvSpPr>
+          <p:cNvPr id="589" name="Shape 589"/>
+          <p:cNvSpPr/>
+          <p:nvPr/>
+        </p:nvSpPr>
+        <p:spPr>
+          <a:xfrm rot="18900000">
+            <a:off x="8990749" y="2853232"/>
+            <a:ext cx="177801" cy="3055436"/>
+          </a:xfrm>
+          <a:prstGeom prst="rect">
+            <a:avLst/>
+          </a:prstGeom>
+          <a:blipFill>
+            <a:blip r:embed="rId2"/>
+          </a:blipFill>
+          <a:ln w="12700">
+            <a:miter lim="400000"/>
+          </a:ln>
+        </p:spPr>
+        <p:txBody>
+          <a:bodyPr lIns="71437" tIns="71437" rIns="71437" bIns="71437" anchor="ctr"/>
+          <a:lstStyle/>
+          <a:p>
+            <a:pPr>
+              <a:defRPr sz="3600"/>
+            </a:pPr>
+          </a:p>
+        </p:txBody>
+      </p:sp>
+      <p:sp>
+        <p:nvSpPr>
+          <p:cNvPr id="590" name="Shape 590"/>
+          <p:cNvSpPr/>
+          <p:nvPr/>
+        </p:nvSpPr>
+        <p:spPr>
+          <a:xfrm rot="2700000">
+            <a:off x="8990749" y="2807821"/>
+            <a:ext cx="177801" cy="3055437"/>
+          </a:xfrm>
+          <a:prstGeom prst="rect">
+            <a:avLst/>
+          </a:prstGeom>
+          <a:blipFill>
+            <a:blip r:embed="rId2"/>
+          </a:blipFill>
+          <a:ln w="12700">
+            <a:miter lim="400000"/>
+          </a:ln>
+        </p:spPr>
+        <p:txBody>
+          <a:bodyPr lIns="71437" tIns="71437" rIns="71437" bIns="71437" anchor="ctr"/>
+          <a:lstStyle/>
+          <a:p>
+            <a:pPr>
+              <a:defRPr sz="3600"/>
+            </a:pPr>
+          </a:p>
+        </p:txBody>
+      </p:sp>
+      <p:sp>
+        <p:nvSpPr>
+          <p:cNvPr id="591" name="Shape 591"/>
+          <p:cNvSpPr/>
+          <p:nvPr/>
+        </p:nvSpPr>
+        <p:spPr>
+          <a:xfrm>
+            <a:off x="1838301" y="8812055"/>
+            <a:ext cx="2794001" cy="2694680"/>
+          </a:xfrm>
+          <a:prstGeom prst="rect">
+            <a:avLst/>
+          </a:prstGeom>
+          <a:solidFill>
+            <a:srgbClr val="FFFFFF"/>
+          </a:solidFill>
+          <a:ln w="63500">
+            <a:solidFill>
+              <a:srgbClr val="FFFFFF"/>
+            </a:solidFill>
+            <a:miter lim="400000"/>
+          </a:ln>
+        </p:spPr>
+        <p:txBody>
+          <a:bodyPr lIns="71437" tIns="71437" rIns="71437" bIns="71437" anchor="ctr"/>
+          <a:lstStyle/>
+          <a:p>
+            <a:pPr>
+              <a:defRPr sz="3600"/>
+            </a:pPr>
+          </a:p>
+        </p:txBody>
+      </p:sp>
+      <p:sp>
+        <p:nvSpPr>
+          <p:cNvPr id="592" name="Shape 592"/>
+          <p:cNvSpPr/>
+          <p:nvPr>
+            <p:ph type="body" sz="quarter" idx="4294967295"/>
+          </p:nvPr>
+        </p:nvSpPr>
+        <p:spPr>
+          <a:xfrm>
+            <a:off x="12267927" y="4322843"/>
+            <a:ext cx="10992344" cy="5772744"/>
+          </a:xfrm>
+          <a:prstGeom prst="rect">
+            <a:avLst/>
+          </a:prstGeom>
+        </p:spPr>
+        <p:txBody>
+          <a:bodyPr/>
+          <a:lstStyle/>
+          <a:p>
+            <a:pPr>
+              <a:defRPr sz="7200">
+                <a:latin typeface="Courier"/>
+                <a:ea typeface="Courier"/>
+                <a:cs typeface="Courier"/>
+                <a:sym typeface="Courier"/>
+              </a:defRPr>
+            </a:pPr>
+            <a:r>
+              <a:t>[[0 0] [1 1] [2 2]]</a:t>
+            </a:r>
+          </a:p>
+          <a:p>
+            <a:pPr>
+              <a:defRPr sz="7200">
+                <a:latin typeface="Courier"/>
+                <a:ea typeface="Courier"/>
+                <a:cs typeface="Courier"/>
+                <a:sym typeface="Courier"/>
+              </a:defRPr>
+            </a:pPr>
+          </a:p>
+          <a:p>
+            <a:pPr>
+              <a:defRPr sz="7200">
+                <a:latin typeface="Courier"/>
+                <a:ea typeface="Courier"/>
+                <a:cs typeface="Courier"/>
+                <a:sym typeface="Courier"/>
+              </a:defRPr>
+            </a:pPr>
+            <a:r>
+              <a:t>[[0 2] [1 1] [2 0]]</a:t>
+            </a:r>
           </a:p>
         </p:txBody>
       </p:sp>
@@ -16068,7 +16590,35 @@
       </p:grpSpPr>
       <p:sp>
         <p:nvSpPr>
-          <p:cNvPr id="581" name="Shape 581"/>
+          <p:cNvPr id="594" name="Shape 594"/>
+          <p:cNvSpPr/>
+          <p:nvPr>
+            <p:ph type="title"/>
+          </p:nvPr>
+        </p:nvSpPr>
+        <p:spPr>
+          <a:xfrm>
+            <a:off x="1346886" y="3438815"/>
+            <a:ext cx="21672368" cy="6838370"/>
+          </a:xfrm>
+          <a:prstGeom prst="rect">
+            <a:avLst/>
+          </a:prstGeom>
+        </p:spPr>
+        <p:txBody>
+          <a:bodyPr/>
+          <a:lstStyle/>
+          <a:p>
+            <a:pPr/>
+            <a:r>
+              <a:t>Live Code</a:t>
+            </a:r>
+          </a:p>
+        </p:txBody>
+      </p:sp>
+      <p:sp>
+        <p:nvSpPr>
+          <p:cNvPr id="595" name="Shape 595"/>
           <p:cNvSpPr/>
           <p:nvPr>
             <p:ph type="sldNum" sz="quarter" idx="2"/>
@@ -16093,9 +16643,62 @@
           </a:p>
         </p:txBody>
       </p:sp>
+    </p:spTree>
+  </p:cSld>
+  <p:clrMapOvr>
+    <a:masterClrMapping/>
+  </p:clrMapOvr>
+  <p:transition xmlns:p14="http://schemas.microsoft.com/office/powerpoint/2010/main" spd="med" advClick="1"/>
+</p:sld>
+</file>
+
+<file path=ppt/slides/slide29.xml><?xml version="1.0" encoding="utf-8"?>
+<p:sld xmlns:a="http://schemas.openxmlformats.org/drawingml/2006/main" xmlns:r="http://schemas.openxmlformats.org/officeDocument/2006/relationships" xmlns:p="http://schemas.openxmlformats.org/presentationml/2006/main" showMasterSp="1" showMasterPhAnim="1">
+  <p:cSld>
+    <p:spTree>
+      <p:nvGrpSpPr>
+        <p:cNvPr id="1" name=""/>
+        <p:cNvGrpSpPr/>
+        <p:nvPr/>
+      </p:nvGrpSpPr>
+      <p:grpSpPr>
+        <a:xfrm>
+          <a:off x="0" y="0"/>
+          <a:ext cx="0" cy="0"/>
+          <a:chOff x="0" y="0"/>
+          <a:chExt cx="0" cy="0"/>
+        </a:xfrm>
+      </p:grpSpPr>
       <p:sp>
         <p:nvSpPr>
-          <p:cNvPr id="582" name="Shape 582"/>
+          <p:cNvPr id="597" name="Shape 597"/>
+          <p:cNvSpPr/>
+          <p:nvPr>
+            <p:ph type="sldNum" sz="quarter" idx="2"/>
+          </p:nvPr>
+        </p:nvSpPr>
+        <p:spPr>
+          <a:prstGeom prst="rect">
+            <a:avLst/>
+          </a:prstGeom>
+          <a:extLst>
+            <a:ext uri="{C572A759-6A51-4108-AA02-DFA0A04FC94B}">
+              <ma14:wrappingTextBoxFlag xmlns:ma14="http://schemas.microsoft.com/office/mac/drawingml/2011/main" val="1"/>
+            </a:ext>
+          </a:extLst>
+        </p:spPr>
+        <p:txBody>
+          <a:bodyPr/>
+          <a:lstStyle/>
+          <a:p>
+            <a:pPr/>
+            <a:fld id="{86CB4B4D-7CA3-9044-876B-883B54F8677D}" type="slidenum"/>
+          </a:p>
+        </p:txBody>
+      </p:sp>
+      <p:sp>
+        <p:nvSpPr>
+          <p:cNvPr id="598" name="Shape 598"/>
           <p:cNvSpPr/>
           <p:nvPr>
             <p:ph type="title"/>
@@ -16131,356 +16734,9 @@
           </a:p>
         </p:txBody>
       </p:sp>
-      <p:cxnSp>
-        <p:nvCxnSpPr>
-          <p:cNvPr id="583" name="Connector 583"/>
-          <p:cNvCxnSpPr>
-            <a:stCxn id="584" idx="0"/>
-            <a:endCxn id="586" idx="0"/>
-          </p:cNvCxnSpPr>
-          <p:nvPr/>
-        </p:nvCxnSpPr>
-        <p:spPr>
-          <a:xfrm flipH="1" flipV="1">
-            <a:off x="3043669" y="8569417"/>
-            <a:ext cx="4555332" cy="2594381"/>
-          </a:xfrm>
-          <a:prstGeom prst="straightConnector1">
-            <a:avLst/>
-          </a:prstGeom>
-          <a:ln w="63500">
-            <a:solidFill>
-              <a:srgbClr val="FFFFFF"/>
-            </a:solidFill>
-            <a:prstDash val="sysDot"/>
-            <a:miter lim="400000"/>
-            <a:headEnd type="triangle"/>
-          </a:ln>
-        </p:spPr>
-      </p:cxnSp>
       <p:sp>
         <p:nvSpPr>
-          <p:cNvPr id="584" name="Shape 584"/>
-          <p:cNvSpPr/>
-          <p:nvPr/>
-        </p:nvSpPr>
-        <p:spPr>
-          <a:xfrm>
-            <a:off x="5616322" y="10528797"/>
-            <a:ext cx="3965358" cy="1270001"/>
-          </a:xfrm>
-          <a:prstGeom prst="roundRect">
-            <a:avLst>
-              <a:gd name="adj" fmla="val 15000"/>
-            </a:avLst>
-          </a:prstGeom>
-          <a:blipFill>
-            <a:blip r:embed="rId2"/>
-          </a:blipFill>
-          <a:ln w="12700">
-            <a:miter lim="400000"/>
-          </a:ln>
-          <a:extLst>
-            <a:ext uri="{C572A759-6A51-4108-AA02-DFA0A04FC94B}">
-              <ma14:wrappingTextBoxFlag xmlns:ma14="http://schemas.microsoft.com/office/mac/drawingml/2011/main" val="1"/>
-            </a:ext>
-          </a:extLst>
-        </p:spPr>
-        <p:txBody>
-          <a:bodyPr lIns="71437" tIns="71437" rIns="71437" bIns="71437" anchor="ctr"/>
-          <a:lstStyle>
-            <a:lvl1pPr>
-              <a:defRPr sz="5400"/>
-            </a:lvl1pPr>
-          </a:lstStyle>
-          <a:p>
-            <a:pPr/>
-            <a:r>
-              <a:t>View</a:t>
-            </a:r>
-          </a:p>
-        </p:txBody>
-      </p:sp>
-      <p:sp>
-        <p:nvSpPr>
-          <p:cNvPr id="585" name="Shape 585"/>
-          <p:cNvSpPr/>
-          <p:nvPr/>
-        </p:nvSpPr>
-        <p:spPr>
-          <a:xfrm>
-            <a:off x="5616322" y="2984500"/>
-            <a:ext cx="3965358" cy="1270000"/>
-          </a:xfrm>
-          <a:prstGeom prst="roundRect">
-            <a:avLst>
-              <a:gd name="adj" fmla="val 15000"/>
-            </a:avLst>
-          </a:prstGeom>
-          <a:blipFill>
-            <a:blip r:embed="rId2"/>
-          </a:blipFill>
-          <a:ln w="12700">
-            <a:miter lim="400000"/>
-          </a:ln>
-          <a:extLst>
-            <a:ext uri="{C572A759-6A51-4108-AA02-DFA0A04FC94B}">
-              <ma14:wrappingTextBoxFlag xmlns:ma14="http://schemas.microsoft.com/office/mac/drawingml/2011/main" val="1"/>
-            </a:ext>
-          </a:extLst>
-        </p:spPr>
-        <p:txBody>
-          <a:bodyPr lIns="71437" tIns="71437" rIns="71437" bIns="71437" anchor="ctr"/>
-          <a:lstStyle>
-            <a:lvl1pPr>
-              <a:defRPr sz="5400"/>
-            </a:lvl1pPr>
-          </a:lstStyle>
-          <a:p>
-            <a:pPr/>
-            <a:r>
-              <a:t>Model</a:t>
-            </a:r>
-          </a:p>
-        </p:txBody>
-      </p:sp>
-      <p:sp>
-        <p:nvSpPr>
-          <p:cNvPr id="586" name="Shape 586"/>
-          <p:cNvSpPr/>
-          <p:nvPr/>
-        </p:nvSpPr>
-        <p:spPr>
-          <a:xfrm>
-            <a:off x="1060990" y="7934417"/>
-            <a:ext cx="3965358" cy="1270001"/>
-          </a:xfrm>
-          <a:prstGeom prst="roundRect">
-            <a:avLst>
-              <a:gd name="adj" fmla="val 15000"/>
-            </a:avLst>
-          </a:prstGeom>
-          <a:blipFill>
-            <a:blip r:embed="rId2"/>
-          </a:blipFill>
-          <a:ln w="12700">
-            <a:miter lim="400000"/>
-          </a:ln>
-          <a:extLst>
-            <a:ext uri="{C572A759-6A51-4108-AA02-DFA0A04FC94B}">
-              <ma14:wrappingTextBoxFlag xmlns:ma14="http://schemas.microsoft.com/office/mac/drawingml/2011/main" val="1"/>
-            </a:ext>
-          </a:extLst>
-        </p:spPr>
-        <p:txBody>
-          <a:bodyPr lIns="71437" tIns="71437" rIns="71437" bIns="71437" anchor="ctr"/>
-          <a:lstStyle>
-            <a:lvl1pPr>
-              <a:defRPr sz="5400"/>
-            </a:lvl1pPr>
-          </a:lstStyle>
-          <a:p>
-            <a:pPr/>
-            <a:r>
-              <a:t>Reagent</a:t>
-            </a:r>
-          </a:p>
-        </p:txBody>
-      </p:sp>
-      <p:sp>
-        <p:nvSpPr>
-          <p:cNvPr id="587" name="Shape 587"/>
-          <p:cNvSpPr/>
-          <p:nvPr/>
-        </p:nvSpPr>
-        <p:spPr>
-          <a:xfrm>
-            <a:off x="1060990" y="5404265"/>
-            <a:ext cx="3965358" cy="1270001"/>
-          </a:xfrm>
-          <a:prstGeom prst="roundRect">
-            <a:avLst>
-              <a:gd name="adj" fmla="val 15000"/>
-            </a:avLst>
-          </a:prstGeom>
-          <a:blipFill>
-            <a:blip r:embed="rId2"/>
-          </a:blipFill>
-          <a:ln w="12700">
-            <a:miter lim="400000"/>
-          </a:ln>
-          <a:extLst>
-            <a:ext uri="{C572A759-6A51-4108-AA02-DFA0A04FC94B}">
-              <ma14:wrappingTextBoxFlag xmlns:ma14="http://schemas.microsoft.com/office/mac/drawingml/2011/main" val="1"/>
-            </a:ext>
-          </a:extLst>
-        </p:spPr>
-        <p:txBody>
-          <a:bodyPr lIns="71437" tIns="71437" rIns="71437" bIns="71437" anchor="ctr"/>
-          <a:lstStyle>
-            <a:lvl1pPr>
-              <a:defRPr sz="5400"/>
-            </a:lvl1pPr>
-          </a:lstStyle>
-          <a:p>
-            <a:pPr/>
-            <a:r>
-              <a:t>Hiccup</a:t>
-            </a:r>
-          </a:p>
-        </p:txBody>
-      </p:sp>
-      <p:sp>
-        <p:nvSpPr>
-          <p:cNvPr id="588" name="Shape 588"/>
-          <p:cNvSpPr/>
-          <p:nvPr/>
-        </p:nvSpPr>
-        <p:spPr>
-          <a:xfrm>
-            <a:off x="10096405" y="6794500"/>
-            <a:ext cx="3965358" cy="1270000"/>
-          </a:xfrm>
-          <a:prstGeom prst="roundRect">
-            <a:avLst>
-              <a:gd name="adj" fmla="val 15000"/>
-            </a:avLst>
-          </a:prstGeom>
-          <a:blipFill>
-            <a:blip r:embed="rId2"/>
-          </a:blipFill>
-          <a:ln w="12700">
-            <a:miter lim="400000"/>
-          </a:ln>
-          <a:extLst>
-            <a:ext uri="{C572A759-6A51-4108-AA02-DFA0A04FC94B}">
-              <ma14:wrappingTextBoxFlag xmlns:ma14="http://schemas.microsoft.com/office/mac/drawingml/2011/main" val="1"/>
-            </a:ext>
-          </a:extLst>
-        </p:spPr>
-        <p:txBody>
-          <a:bodyPr lIns="71437" tIns="71437" rIns="71437" bIns="71437" anchor="ctr"/>
-          <a:lstStyle>
-            <a:lvl1pPr>
-              <a:defRPr sz="5400"/>
-            </a:lvl1pPr>
-          </a:lstStyle>
-          <a:p>
-            <a:pPr/>
-            <a:r>
-              <a:t>Logic</a:t>
-            </a:r>
-          </a:p>
-        </p:txBody>
-      </p:sp>
-      <p:cxnSp>
-        <p:nvCxnSpPr>
-          <p:cNvPr id="589" name="Connector 589"/>
-          <p:cNvCxnSpPr>
-            <a:stCxn id="587" idx="0"/>
-            <a:endCxn id="585" idx="0"/>
-          </p:cNvCxnSpPr>
-          <p:nvPr/>
-        </p:nvCxnSpPr>
-        <p:spPr>
-          <a:xfrm flipV="1">
-            <a:off x="3043669" y="3619500"/>
-            <a:ext cx="4555332" cy="2419766"/>
-          </a:xfrm>
-          <a:prstGeom prst="straightConnector1">
-            <a:avLst/>
-          </a:prstGeom>
-          <a:ln w="63500">
-            <a:solidFill>
-              <a:srgbClr val="FFFFFF"/>
-            </a:solidFill>
-            <a:miter lim="400000"/>
-            <a:headEnd type="triangle"/>
-          </a:ln>
-        </p:spPr>
-      </p:cxnSp>
-      <p:cxnSp>
-        <p:nvCxnSpPr>
-          <p:cNvPr id="590" name="Connector 590"/>
-          <p:cNvCxnSpPr>
-            <a:stCxn id="584" idx="0"/>
-            <a:endCxn id="588" idx="0"/>
-          </p:cNvCxnSpPr>
-          <p:nvPr/>
-        </p:nvCxnSpPr>
-        <p:spPr>
-          <a:xfrm flipV="1">
-            <a:off x="7599000" y="7429500"/>
-            <a:ext cx="4480085" cy="3734298"/>
-          </a:xfrm>
-          <a:prstGeom prst="straightConnector1">
-            <a:avLst/>
-          </a:prstGeom>
-          <a:ln w="63500">
-            <a:solidFill>
-              <a:srgbClr val="FFFFFF"/>
-            </a:solidFill>
-            <a:miter lim="400000"/>
-            <a:tailEnd type="triangle"/>
-          </a:ln>
-        </p:spPr>
-      </p:cxnSp>
-      <p:cxnSp>
-        <p:nvCxnSpPr>
-          <p:cNvPr id="591" name="Connector 591"/>
-          <p:cNvCxnSpPr>
-            <a:stCxn id="585" idx="0"/>
-            <a:endCxn id="588" idx="0"/>
-          </p:cNvCxnSpPr>
-          <p:nvPr/>
-        </p:nvCxnSpPr>
-        <p:spPr>
-          <a:xfrm>
-            <a:off x="7599000" y="3619500"/>
-            <a:ext cx="4480085" cy="3810000"/>
-          </a:xfrm>
-          <a:prstGeom prst="straightConnector1">
-            <a:avLst/>
-          </a:prstGeom>
-          <a:ln w="63500">
-            <a:solidFill>
-              <a:srgbClr val="FFFFFF"/>
-            </a:solidFill>
-            <a:miter lim="400000"/>
-            <a:headEnd type="triangle"/>
-          </a:ln>
-        </p:spPr>
-      </p:cxnSp>
-      <p:cxnSp>
-        <p:nvCxnSpPr>
-          <p:cNvPr id="592" name="Connector 592"/>
-          <p:cNvCxnSpPr>
-            <a:stCxn id="586" idx="0"/>
-            <a:endCxn id="587" idx="0"/>
-          </p:cNvCxnSpPr>
-          <p:nvPr/>
-        </p:nvCxnSpPr>
-        <p:spPr>
-          <a:xfrm flipV="1">
-            <a:off x="3043669" y="6039265"/>
-            <a:ext cx="1" cy="2530153"/>
-          </a:xfrm>
-          <a:prstGeom prst="straightConnector1">
-            <a:avLst/>
-          </a:prstGeom>
-          <a:ln w="63500">
-            <a:solidFill>
-              <a:srgbClr val="FFFFFF"/>
-            </a:solidFill>
-            <a:prstDash val="sysDot"/>
-            <a:miter lim="400000"/>
-            <a:headEnd type="triangle"/>
-          </a:ln>
-        </p:spPr>
-      </p:cxnSp>
-      <p:sp>
-        <p:nvSpPr>
-          <p:cNvPr id="593" name="Shape 593"/>
+          <p:cNvPr id="599" name="Shape 599"/>
           <p:cNvSpPr/>
           <p:nvPr/>
         </p:nvSpPr>
@@ -16580,6 +16836,406 @@
           </a:p>
         </p:txBody>
       </p:sp>
+      <p:grpSp>
+        <p:nvGrpSpPr>
+          <p:cNvPr id="610" name="Group 610"/>
+          <p:cNvGrpSpPr/>
+          <p:nvPr/>
+        </p:nvGrpSpPr>
+        <p:grpSpPr>
+          <a:xfrm>
+            <a:off x="1060990" y="2984500"/>
+            <a:ext cx="13304204" cy="8814298"/>
+            <a:chOff x="0" y="0"/>
+            <a:chExt cx="13304203" cy="8814297"/>
+          </a:xfrm>
+        </p:grpSpPr>
+        <p:cxnSp>
+          <p:nvCxnSpPr>
+            <p:cNvPr id="600" name="Connector 600"/>
+            <p:cNvCxnSpPr>
+              <a:stCxn id="601" idx="0"/>
+              <a:endCxn id="603" idx="0"/>
+            </p:cNvCxnSpPr>
+            <p:nvPr/>
+          </p:nvCxnSpPr>
+          <p:spPr>
+            <a:xfrm flipH="1" flipV="1">
+              <a:off x="2134394" y="5711917"/>
+              <a:ext cx="4555333" cy="2467381"/>
+            </a:xfrm>
+            <a:prstGeom prst="straightConnector1">
+              <a:avLst/>
+            </a:prstGeom>
+            <a:ln w="101600" cap="flat">
+              <a:solidFill>
+                <a:srgbClr val="FFFFFF"/>
+              </a:solidFill>
+              <a:prstDash val="sysDot"/>
+              <a:miter lim="400000"/>
+              <a:headEnd type="triangle" w="med" len="med"/>
+            </a:ln>
+            <a:effectLst/>
+          </p:spPr>
+        </p:cxnSp>
+        <p:sp>
+          <p:nvSpPr>
+            <p:cNvPr id="601" name="Shape 601"/>
+            <p:cNvSpPr/>
+            <p:nvPr/>
+          </p:nvSpPr>
+          <p:spPr>
+            <a:xfrm>
+              <a:off x="4555332" y="7544297"/>
+              <a:ext cx="4268789" cy="1270001"/>
+            </a:xfrm>
+            <a:prstGeom prst="roundRect">
+              <a:avLst>
+                <a:gd name="adj" fmla="val 15000"/>
+              </a:avLst>
+            </a:prstGeom>
+            <a:blipFill rotWithShape="1">
+              <a:blip r:embed="rId2"/>
+              <a:srcRect l="0" t="0" r="0" b="0"/>
+              <a:tile tx="0" ty="0" sx="100000" sy="100000" flip="none" algn="tl"/>
+            </a:blipFill>
+            <a:ln w="12700" cap="flat">
+              <a:noFill/>
+              <a:miter lim="400000"/>
+            </a:ln>
+            <a:effectLst/>
+            <a:extLst>
+              <a:ext uri="{C572A759-6A51-4108-AA02-DFA0A04FC94B}">
+                <ma14:wrappingTextBoxFlag xmlns:ma14="http://schemas.microsoft.com/office/mac/drawingml/2011/main" val="1"/>
+              </a:ext>
+            </a:extLst>
+          </p:spPr>
+          <p:txBody>
+            <a:bodyPr wrap="square" lIns="71437" tIns="71437" rIns="71437" bIns="71437" numCol="1" anchor="ctr">
+              <a:noAutofit/>
+            </a:bodyPr>
+            <a:lstStyle>
+              <a:lvl1pPr>
+                <a:defRPr sz="6400"/>
+              </a:lvl1pPr>
+            </a:lstStyle>
+            <a:p>
+              <a:pPr/>
+              <a:r>
+                <a:t>View</a:t>
+              </a:r>
+            </a:p>
+          </p:txBody>
+        </p:sp>
+        <p:sp>
+          <p:nvSpPr>
+            <p:cNvPr id="602" name="Shape 602"/>
+            <p:cNvSpPr/>
+            <p:nvPr/>
+          </p:nvSpPr>
+          <p:spPr>
+            <a:xfrm>
+              <a:off x="4555332" y="0"/>
+              <a:ext cx="4268789" cy="1270000"/>
+            </a:xfrm>
+            <a:prstGeom prst="roundRect">
+              <a:avLst>
+                <a:gd name="adj" fmla="val 15000"/>
+              </a:avLst>
+            </a:prstGeom>
+            <a:blipFill rotWithShape="1">
+              <a:blip r:embed="rId2"/>
+              <a:srcRect l="0" t="0" r="0" b="0"/>
+              <a:tile tx="0" ty="0" sx="100000" sy="100000" flip="none" algn="tl"/>
+            </a:blipFill>
+            <a:ln w="12700" cap="flat">
+              <a:noFill/>
+              <a:miter lim="400000"/>
+            </a:ln>
+            <a:effectLst/>
+            <a:extLst>
+              <a:ext uri="{C572A759-6A51-4108-AA02-DFA0A04FC94B}">
+                <ma14:wrappingTextBoxFlag xmlns:ma14="http://schemas.microsoft.com/office/mac/drawingml/2011/main" val="1"/>
+              </a:ext>
+            </a:extLst>
+          </p:spPr>
+          <p:txBody>
+            <a:bodyPr wrap="square" lIns="71437" tIns="71437" rIns="71437" bIns="71437" numCol="1" anchor="ctr">
+              <a:noAutofit/>
+            </a:bodyPr>
+            <a:lstStyle>
+              <a:lvl1pPr>
+                <a:defRPr sz="6400"/>
+              </a:lvl1pPr>
+            </a:lstStyle>
+            <a:p>
+              <a:pPr/>
+              <a:r>
+                <a:t>Model</a:t>
+              </a:r>
+            </a:p>
+          </p:txBody>
+        </p:sp>
+        <p:sp>
+          <p:nvSpPr>
+            <p:cNvPr id="603" name="Shape 603"/>
+            <p:cNvSpPr/>
+            <p:nvPr/>
+          </p:nvSpPr>
+          <p:spPr>
+            <a:xfrm>
+              <a:off x="0" y="5076917"/>
+              <a:ext cx="4268789" cy="1270001"/>
+            </a:xfrm>
+            <a:prstGeom prst="roundRect">
+              <a:avLst>
+                <a:gd name="adj" fmla="val 15000"/>
+              </a:avLst>
+            </a:prstGeom>
+            <a:blipFill rotWithShape="1">
+              <a:blip r:embed="rId2"/>
+              <a:srcRect l="0" t="0" r="0" b="0"/>
+              <a:tile tx="0" ty="0" sx="100000" sy="100000" flip="none" algn="tl"/>
+            </a:blipFill>
+            <a:ln w="12700" cap="flat">
+              <a:noFill/>
+              <a:miter lim="400000"/>
+            </a:ln>
+            <a:effectLst/>
+            <a:extLst>
+              <a:ext uri="{C572A759-6A51-4108-AA02-DFA0A04FC94B}">
+                <ma14:wrappingTextBoxFlag xmlns:ma14="http://schemas.microsoft.com/office/mac/drawingml/2011/main" val="1"/>
+              </a:ext>
+            </a:extLst>
+          </p:spPr>
+          <p:txBody>
+            <a:bodyPr wrap="square" lIns="71437" tIns="71437" rIns="71437" bIns="71437" numCol="1" anchor="ctr">
+              <a:noAutofit/>
+            </a:bodyPr>
+            <a:lstStyle>
+              <a:lvl1pPr>
+                <a:defRPr sz="6400"/>
+              </a:lvl1pPr>
+            </a:lstStyle>
+            <a:p>
+              <a:pPr/>
+              <a:r>
+                <a:t>Reagent</a:t>
+              </a:r>
+            </a:p>
+          </p:txBody>
+        </p:sp>
+        <p:sp>
+          <p:nvSpPr>
+            <p:cNvPr id="604" name="Shape 604"/>
+            <p:cNvSpPr/>
+            <p:nvPr/>
+          </p:nvSpPr>
+          <p:spPr>
+            <a:xfrm>
+              <a:off x="0" y="2419765"/>
+              <a:ext cx="4268789" cy="1270001"/>
+            </a:xfrm>
+            <a:prstGeom prst="roundRect">
+              <a:avLst>
+                <a:gd name="adj" fmla="val 15000"/>
+              </a:avLst>
+            </a:prstGeom>
+            <a:blipFill rotWithShape="1">
+              <a:blip r:embed="rId2"/>
+              <a:srcRect l="0" t="0" r="0" b="0"/>
+              <a:tile tx="0" ty="0" sx="100000" sy="100000" flip="none" algn="tl"/>
+            </a:blipFill>
+            <a:ln w="12700" cap="flat">
+              <a:noFill/>
+              <a:miter lim="400000"/>
+            </a:ln>
+            <a:effectLst/>
+            <a:extLst>
+              <a:ext uri="{C572A759-6A51-4108-AA02-DFA0A04FC94B}">
+                <ma14:wrappingTextBoxFlag xmlns:ma14="http://schemas.microsoft.com/office/mac/drawingml/2011/main" val="1"/>
+              </a:ext>
+            </a:extLst>
+          </p:spPr>
+          <p:txBody>
+            <a:bodyPr wrap="square" lIns="71437" tIns="71437" rIns="71437" bIns="71437" numCol="1" anchor="ctr">
+              <a:noAutofit/>
+            </a:bodyPr>
+            <a:lstStyle>
+              <a:lvl1pPr>
+                <a:defRPr sz="6400"/>
+              </a:lvl1pPr>
+            </a:lstStyle>
+            <a:p>
+              <a:pPr/>
+              <a:r>
+                <a:t>Hiccup</a:t>
+              </a:r>
+            </a:p>
+          </p:txBody>
+        </p:sp>
+        <p:sp>
+          <p:nvSpPr>
+            <p:cNvPr id="605" name="Shape 605"/>
+            <p:cNvSpPr/>
+            <p:nvPr/>
+          </p:nvSpPr>
+          <p:spPr>
+            <a:xfrm>
+              <a:off x="9035415" y="3810000"/>
+              <a:ext cx="4268789" cy="1270000"/>
+            </a:xfrm>
+            <a:prstGeom prst="roundRect">
+              <a:avLst>
+                <a:gd name="adj" fmla="val 15000"/>
+              </a:avLst>
+            </a:prstGeom>
+            <a:blipFill rotWithShape="1">
+              <a:blip r:embed="rId2"/>
+              <a:srcRect l="0" t="0" r="0" b="0"/>
+              <a:tile tx="0" ty="0" sx="100000" sy="100000" flip="none" algn="tl"/>
+            </a:blipFill>
+            <a:ln w="12700" cap="flat">
+              <a:noFill/>
+              <a:miter lim="400000"/>
+            </a:ln>
+            <a:effectLst/>
+            <a:extLst>
+              <a:ext uri="{C572A759-6A51-4108-AA02-DFA0A04FC94B}">
+                <ma14:wrappingTextBoxFlag xmlns:ma14="http://schemas.microsoft.com/office/mac/drawingml/2011/main" val="1"/>
+              </a:ext>
+            </a:extLst>
+          </p:spPr>
+          <p:txBody>
+            <a:bodyPr wrap="square" lIns="71437" tIns="71437" rIns="71437" bIns="71437" numCol="1" anchor="ctr">
+              <a:noAutofit/>
+            </a:bodyPr>
+            <a:lstStyle>
+              <a:lvl1pPr>
+                <a:defRPr sz="6400"/>
+              </a:lvl1pPr>
+            </a:lstStyle>
+            <a:p>
+              <a:pPr/>
+              <a:r>
+                <a:t>Logic</a:t>
+              </a:r>
+            </a:p>
+          </p:txBody>
+        </p:sp>
+        <p:cxnSp>
+          <p:nvCxnSpPr>
+            <p:cNvPr id="606" name="Connector 606"/>
+            <p:cNvCxnSpPr>
+              <a:stCxn id="604" idx="0"/>
+              <a:endCxn id="602" idx="0"/>
+            </p:cNvCxnSpPr>
+            <p:nvPr/>
+          </p:nvCxnSpPr>
+          <p:spPr>
+            <a:xfrm flipV="1">
+              <a:off x="2134394" y="635000"/>
+              <a:ext cx="4555333" cy="2419766"/>
+            </a:xfrm>
+            <a:prstGeom prst="straightConnector1">
+              <a:avLst/>
+            </a:prstGeom>
+            <a:ln w="101600" cap="flat">
+              <a:solidFill>
+                <a:srgbClr val="FFFFFF"/>
+              </a:solidFill>
+              <a:prstDash val="solid"/>
+              <a:miter lim="400000"/>
+              <a:headEnd type="triangle" w="med" len="med"/>
+            </a:ln>
+            <a:effectLst/>
+          </p:spPr>
+        </p:cxnSp>
+        <p:cxnSp>
+          <p:nvCxnSpPr>
+            <p:cNvPr id="607" name="Connector 607"/>
+            <p:cNvCxnSpPr>
+              <a:stCxn id="601" idx="0"/>
+              <a:endCxn id="605" idx="0"/>
+            </p:cNvCxnSpPr>
+            <p:nvPr/>
+          </p:nvCxnSpPr>
+          <p:spPr>
+            <a:xfrm flipV="1">
+              <a:off x="6689726" y="4445000"/>
+              <a:ext cx="4480084" cy="3734298"/>
+            </a:xfrm>
+            <a:prstGeom prst="straightConnector1">
+              <a:avLst/>
+            </a:prstGeom>
+            <a:ln w="101600" cap="flat">
+              <a:solidFill>
+                <a:srgbClr val="FFFFFF"/>
+              </a:solidFill>
+              <a:prstDash val="solid"/>
+              <a:miter lim="400000"/>
+              <a:tailEnd type="triangle" w="med" len="med"/>
+            </a:ln>
+            <a:effectLst/>
+          </p:spPr>
+        </p:cxnSp>
+        <p:cxnSp>
+          <p:nvCxnSpPr>
+            <p:cNvPr id="608" name="Connector 608"/>
+            <p:cNvCxnSpPr>
+              <a:stCxn id="602" idx="0"/>
+              <a:endCxn id="605" idx="0"/>
+            </p:cNvCxnSpPr>
+            <p:nvPr/>
+          </p:nvCxnSpPr>
+          <p:spPr>
+            <a:xfrm>
+              <a:off x="6689726" y="635000"/>
+              <a:ext cx="4480084" cy="3810000"/>
+            </a:xfrm>
+            <a:prstGeom prst="straightConnector1">
+              <a:avLst/>
+            </a:prstGeom>
+            <a:ln w="101600" cap="flat">
+              <a:solidFill>
+                <a:srgbClr val="FFFFFF"/>
+              </a:solidFill>
+              <a:prstDash val="solid"/>
+              <a:miter lim="400000"/>
+              <a:headEnd type="triangle" w="med" len="med"/>
+            </a:ln>
+            <a:effectLst/>
+          </p:spPr>
+        </p:cxnSp>
+        <p:cxnSp>
+          <p:nvCxnSpPr>
+            <p:cNvPr id="609" name="Connector 609"/>
+            <p:cNvCxnSpPr>
+              <a:stCxn id="603" idx="0"/>
+              <a:endCxn id="604" idx="0"/>
+            </p:cNvCxnSpPr>
+            <p:nvPr/>
+          </p:nvCxnSpPr>
+          <p:spPr>
+            <a:xfrm flipV="1">
+              <a:off x="2134394" y="3054765"/>
+              <a:ext cx="1" cy="2657153"/>
+            </a:xfrm>
+            <a:prstGeom prst="straightConnector1">
+              <a:avLst/>
+            </a:prstGeom>
+            <a:ln w="101600" cap="flat">
+              <a:solidFill>
+                <a:srgbClr val="FFFFFF"/>
+              </a:solidFill>
+              <a:prstDash val="sysDot"/>
+              <a:miter lim="400000"/>
+              <a:headEnd type="triangle" w="med" len="med"/>
+            </a:ln>
+            <a:effectLst/>
+          </p:spPr>
+        </p:cxnSp>
+      </p:grpSp>
     </p:spTree>
   </p:cSld>
   <p:clrMapOvr>
@@ -16619,7 +17275,7 @@
                                       <p:cBhvr>
                                         <p:cTn id="6" fill="hold"/>
                                         <p:tgtEl>
-                                          <p:spTgt spid="593">
+                                          <p:spTgt spid="599">
                                             <p:bg/>
                                           </p:spTgt>
                                         </p:tgtEl>
@@ -16647,7 +17303,7 @@
                                       <p:cBhvr>
                                         <p:cTn id="8" fill="hold"/>
                                         <p:tgtEl>
-                                          <p:spTgt spid="593">
+                                          <p:spTgt spid="599">
                                             <p:txEl>
                                               <p:pRg st="0" end="0"/>
                                             </p:txEl>
@@ -16695,7 +17351,7 @@
                                       <p:cBhvr>
                                         <p:cTn id="12" fill="hold"/>
                                         <p:tgtEl>
-                                          <p:spTgt spid="593">
+                                          <p:spTgt spid="599">
                                             <p:txEl>
                                               <p:pRg st="1" end="1"/>
                                             </p:txEl>
@@ -16743,7 +17399,7 @@
                                       <p:cBhvr>
                                         <p:cTn id="16" fill="hold"/>
                                         <p:tgtEl>
-                                          <p:spTgt spid="593">
+                                          <p:spTgt spid="599">
                                             <p:txEl>
                                               <p:pRg st="2" end="2"/>
                                             </p:txEl>
@@ -16791,7 +17447,7 @@
                                       <p:cBhvr>
                                         <p:cTn id="20" fill="hold"/>
                                         <p:tgtEl>
-                                          <p:spTgt spid="593">
+                                          <p:spTgt spid="599">
                                             <p:txEl>
                                               <p:pRg st="3" end="3"/>
                                             </p:txEl>
@@ -16836,90 +17492,9 @@
       </p:par>
     </p:tnLst>
     <p:bldLst>
-      <p:bldP build="p" bldLvl="5" animBg="1" rev="0" advAuto="0" spid="593" grpId="1"/>
+      <p:bldP build="p" bldLvl="5" animBg="1" rev="0" advAuto="0" spid="599" grpId="1"/>
     </p:bldLst>
   </p:timing>
-</p:sld>
-</file>
-
-<file path=ppt/slides/slide29.xml><?xml version="1.0" encoding="utf-8"?>
-<p:sld xmlns:a="http://schemas.openxmlformats.org/drawingml/2006/main" xmlns:r="http://schemas.openxmlformats.org/officeDocument/2006/relationships" xmlns:p="http://schemas.openxmlformats.org/presentationml/2006/main" showMasterSp="1" showMasterPhAnim="1">
-  <p:cSld>
-    <p:spTree>
-      <p:nvGrpSpPr>
-        <p:cNvPr id="1" name=""/>
-        <p:cNvGrpSpPr/>
-        <p:nvPr/>
-      </p:nvGrpSpPr>
-      <p:grpSpPr>
-        <a:xfrm>
-          <a:off x="0" y="0"/>
-          <a:ext cx="0" cy="0"/>
-          <a:chOff x="0" y="0"/>
-          <a:chExt cx="0" cy="0"/>
-        </a:xfrm>
-      </p:grpSpPr>
-      <p:sp>
-        <p:nvSpPr>
-          <p:cNvPr id="595" name="Shape 595"/>
-          <p:cNvSpPr/>
-          <p:nvPr>
-            <p:ph type="title"/>
-          </p:nvPr>
-        </p:nvSpPr>
-        <p:spPr>
-          <a:xfrm>
-            <a:off x="1346886" y="3438815"/>
-            <a:ext cx="21672368" cy="6838370"/>
-          </a:xfrm>
-          <a:prstGeom prst="rect">
-            <a:avLst/>
-          </a:prstGeom>
-        </p:spPr>
-        <p:txBody>
-          <a:bodyPr/>
-          <a:lstStyle/>
-          <a:p>
-            <a:pPr/>
-            <a:r>
-              <a:t>Le CTRL-Z</a:t>
-            </a:r>
-          </a:p>
-        </p:txBody>
-      </p:sp>
-      <p:sp>
-        <p:nvSpPr>
-          <p:cNvPr id="596" name="Shape 596"/>
-          <p:cNvSpPr/>
-          <p:nvPr>
-            <p:ph type="sldNum" sz="quarter" idx="2"/>
-          </p:nvPr>
-        </p:nvSpPr>
-        <p:spPr>
-          <a:prstGeom prst="rect">
-            <a:avLst/>
-          </a:prstGeom>
-          <a:extLst>
-            <a:ext uri="{C572A759-6A51-4108-AA02-DFA0A04FC94B}">
-              <ma14:wrappingTextBoxFlag xmlns:ma14="http://schemas.microsoft.com/office/mac/drawingml/2011/main" val="1"/>
-            </a:ext>
-          </a:extLst>
-        </p:spPr>
-        <p:txBody>
-          <a:bodyPr/>
-          <a:lstStyle/>
-          <a:p>
-            <a:pPr/>
-            <a:fld id="{86CB4B4D-7CA3-9044-876B-883B54F8677D}" type="slidenum"/>
-          </a:p>
-        </p:txBody>
-      </p:sp>
-    </p:spTree>
-  </p:cSld>
-  <p:clrMapOvr>
-    <a:masterClrMapping/>
-  </p:clrMapOvr>
-  <p:transition xmlns:p14="http://schemas.microsoft.com/office/powerpoint/2010/main" spd="med" advClick="1"/>
 </p:sld>
 </file>
 
@@ -17452,7 +18027,35 @@
       </p:grpSpPr>
       <p:sp>
         <p:nvSpPr>
-          <p:cNvPr id="598" name="Shape 598"/>
+          <p:cNvPr id="612" name="Shape 612"/>
+          <p:cNvSpPr/>
+          <p:nvPr>
+            <p:ph type="title"/>
+          </p:nvPr>
+        </p:nvSpPr>
+        <p:spPr>
+          <a:xfrm>
+            <a:off x="1346886" y="3438815"/>
+            <a:ext cx="21672368" cy="6838370"/>
+          </a:xfrm>
+          <a:prstGeom prst="rect">
+            <a:avLst/>
+          </a:prstGeom>
+        </p:spPr>
+        <p:txBody>
+          <a:bodyPr/>
+          <a:lstStyle/>
+          <a:p>
+            <a:pPr/>
+            <a:r>
+              <a:t>Le CTRL-Z</a:t>
+            </a:r>
+          </a:p>
+        </p:txBody>
+      </p:sp>
+      <p:sp>
+        <p:nvSpPr>
+          <p:cNvPr id="613" name="Shape 613"/>
           <p:cNvSpPr/>
           <p:nvPr>
             <p:ph type="sldNum" sz="quarter" idx="2"/>
@@ -17477,9 +18080,62 @@
           </a:p>
         </p:txBody>
       </p:sp>
+    </p:spTree>
+  </p:cSld>
+  <p:clrMapOvr>
+    <a:masterClrMapping/>
+  </p:clrMapOvr>
+  <p:transition xmlns:p14="http://schemas.microsoft.com/office/powerpoint/2010/main" spd="med" advClick="1"/>
+</p:sld>
+</file>
+
+<file path=ppt/slides/slide31.xml><?xml version="1.0" encoding="utf-8"?>
+<p:sld xmlns:a="http://schemas.openxmlformats.org/drawingml/2006/main" xmlns:r="http://schemas.openxmlformats.org/officeDocument/2006/relationships" xmlns:p="http://schemas.openxmlformats.org/presentationml/2006/main" showMasterSp="1" showMasterPhAnim="1">
+  <p:cSld>
+    <p:spTree>
+      <p:nvGrpSpPr>
+        <p:cNvPr id="1" name=""/>
+        <p:cNvGrpSpPr/>
+        <p:nvPr/>
+      </p:nvGrpSpPr>
+      <p:grpSpPr>
+        <a:xfrm>
+          <a:off x="0" y="0"/>
+          <a:ext cx="0" cy="0"/>
+          <a:chOff x="0" y="0"/>
+          <a:chExt cx="0" cy="0"/>
+        </a:xfrm>
+      </p:grpSpPr>
       <p:sp>
         <p:nvSpPr>
-          <p:cNvPr id="599" name="Shape 599"/>
+          <p:cNvPr id="615" name="Shape 615"/>
+          <p:cNvSpPr/>
+          <p:nvPr>
+            <p:ph type="sldNum" sz="quarter" idx="2"/>
+          </p:nvPr>
+        </p:nvSpPr>
+        <p:spPr>
+          <a:prstGeom prst="rect">
+            <a:avLst/>
+          </a:prstGeom>
+          <a:extLst>
+            <a:ext uri="{C572A759-6A51-4108-AA02-DFA0A04FC94B}">
+              <ma14:wrappingTextBoxFlag xmlns:ma14="http://schemas.microsoft.com/office/mac/drawingml/2011/main" val="1"/>
+            </a:ext>
+          </a:extLst>
+        </p:spPr>
+        <p:txBody>
+          <a:bodyPr/>
+          <a:lstStyle/>
+          <a:p>
+            <a:pPr/>
+            <a:fld id="{86CB4B4D-7CA3-9044-876B-883B54F8677D}" type="slidenum"/>
+          </a:p>
+        </p:txBody>
+      </p:sp>
+      <p:sp>
+        <p:nvSpPr>
+          <p:cNvPr id="616" name="Shape 616"/>
           <p:cNvSpPr/>
           <p:nvPr>
             <p:ph type="title"/>
@@ -17517,7 +18173,7 @@
       </p:sp>
       <p:grpSp>
         <p:nvGrpSpPr>
-          <p:cNvPr id="618" name="Group 618"/>
+          <p:cNvPr id="635" name="Group 635"/>
           <p:cNvGrpSpPr/>
           <p:nvPr/>
         </p:nvGrpSpPr>
@@ -17531,7 +18187,7 @@
         </p:grpSpPr>
         <p:sp>
           <p:nvSpPr>
-            <p:cNvPr id="600" name="Shape 600"/>
+            <p:cNvPr id="617" name="Shape 617"/>
             <p:cNvSpPr/>
             <p:nvPr/>
           </p:nvSpPr>
@@ -17569,7 +18225,7 @@
         </p:sp>
         <p:grpSp>
           <p:nvGrpSpPr>
-            <p:cNvPr id="613" name="Group 613"/>
+            <p:cNvPr id="630" name="Group 630"/>
             <p:cNvGrpSpPr/>
             <p:nvPr/>
           </p:nvGrpSpPr>
@@ -17583,7 +18239,7 @@
           </p:grpSpPr>
           <p:sp>
             <p:nvSpPr>
-              <p:cNvPr id="601" name="Shape 601"/>
+              <p:cNvPr id="618" name="Shape 618"/>
               <p:cNvSpPr/>
               <p:nvPr/>
             </p:nvSpPr>
@@ -17619,7 +18275,7 @@
           </p:sp>
           <p:grpSp>
             <p:nvGrpSpPr>
-              <p:cNvPr id="604" name="Group 604"/>
+              <p:cNvPr id="621" name="Group 621"/>
               <p:cNvGrpSpPr/>
               <p:nvPr/>
             </p:nvGrpSpPr>
@@ -17633,7 +18289,7 @@
             </p:grpSpPr>
             <p:sp>
               <p:nvSpPr>
-                <p:cNvPr id="602" name="Shape 602"/>
+                <p:cNvPr id="619" name="Shape 619"/>
                 <p:cNvSpPr/>
                 <p:nvPr/>
               </p:nvSpPr>
@@ -17670,7 +18326,7 @@
             </p:sp>
             <p:sp>
               <p:nvSpPr>
-                <p:cNvPr id="603" name="Shape 603"/>
+                <p:cNvPr id="620" name="Shape 620"/>
                 <p:cNvSpPr/>
                 <p:nvPr/>
               </p:nvSpPr>
@@ -17708,7 +18364,7 @@
           </p:grpSp>
           <p:sp>
             <p:nvSpPr>
-              <p:cNvPr id="605" name="Shape 605"/>
+              <p:cNvPr id="622" name="Shape 622"/>
               <p:cNvSpPr/>
               <p:nvPr/>
             </p:nvSpPr>
@@ -17744,7 +18400,7 @@
           </p:sp>
           <p:grpSp>
             <p:nvGrpSpPr>
-              <p:cNvPr id="608" name="Group 608"/>
+              <p:cNvPr id="625" name="Group 625"/>
               <p:cNvGrpSpPr/>
               <p:nvPr/>
             </p:nvGrpSpPr>
@@ -17758,7 +18414,7 @@
             </p:grpSpPr>
             <p:sp>
               <p:nvSpPr>
-                <p:cNvPr id="606" name="Shape 606"/>
+                <p:cNvPr id="623" name="Shape 623"/>
                 <p:cNvSpPr/>
                 <p:nvPr/>
               </p:nvSpPr>
@@ -17795,7 +18451,7 @@
             </p:sp>
             <p:sp>
               <p:nvSpPr>
-                <p:cNvPr id="607" name="Shape 607"/>
+                <p:cNvPr id="624" name="Shape 624"/>
                 <p:cNvSpPr/>
                 <p:nvPr/>
               </p:nvSpPr>
@@ -17833,7 +18489,7 @@
           </p:grpSp>
           <p:sp>
             <p:nvSpPr>
-              <p:cNvPr id="609" name="Shape 609"/>
+              <p:cNvPr id="626" name="Shape 626"/>
               <p:cNvSpPr/>
               <p:nvPr/>
             </p:nvSpPr>
@@ -17869,7 +18525,7 @@
           </p:sp>
           <p:grpSp>
             <p:nvGrpSpPr>
-              <p:cNvPr id="612" name="Group 612"/>
+              <p:cNvPr id="629" name="Group 629"/>
               <p:cNvGrpSpPr/>
               <p:nvPr/>
             </p:nvGrpSpPr>
@@ -17883,7 +18539,7 @@
             </p:grpSpPr>
             <p:sp>
               <p:nvSpPr>
-                <p:cNvPr id="610" name="Shape 610"/>
+                <p:cNvPr id="627" name="Shape 627"/>
                 <p:cNvSpPr/>
                 <p:nvPr/>
               </p:nvSpPr>
@@ -17920,7 +18576,7 @@
             </p:sp>
             <p:sp>
               <p:nvSpPr>
-                <p:cNvPr id="611" name="Shape 611"/>
+                <p:cNvPr id="628" name="Shape 628"/>
                 <p:cNvSpPr/>
                 <p:nvPr/>
               </p:nvSpPr>
@@ -17959,7 +18615,7 @@
         </p:grpSp>
         <p:grpSp>
           <p:nvGrpSpPr>
-            <p:cNvPr id="616" name="Group 616"/>
+            <p:cNvPr id="633" name="Group 633"/>
             <p:cNvGrpSpPr/>
             <p:nvPr/>
           </p:nvGrpSpPr>
@@ -17973,7 +18629,7 @@
           </p:grpSpPr>
           <p:sp>
             <p:nvSpPr>
-              <p:cNvPr id="614" name="Shape 614"/>
+              <p:cNvPr id="631" name="Shape 631"/>
               <p:cNvSpPr/>
               <p:nvPr/>
             </p:nvSpPr>
@@ -18010,7 +18666,7 @@
           </p:sp>
           <p:sp>
             <p:nvSpPr>
-              <p:cNvPr id="615" name="Shape 615"/>
+              <p:cNvPr id="632" name="Shape 632"/>
               <p:cNvSpPr/>
               <p:nvPr/>
             </p:nvSpPr>
@@ -18048,7 +18704,7 @@
         </p:grpSp>
         <p:sp>
           <p:nvSpPr>
-            <p:cNvPr id="617" name="Shape 617"/>
+            <p:cNvPr id="634" name="Shape 634"/>
             <p:cNvSpPr/>
             <p:nvPr/>
           </p:nvSpPr>
@@ -18085,7 +18741,7 @@
       </p:grpSp>
       <p:grpSp>
         <p:nvGrpSpPr>
-          <p:cNvPr id="633" name="Group 633"/>
+          <p:cNvPr id="650" name="Group 650"/>
           <p:cNvGrpSpPr/>
           <p:nvPr/>
         </p:nvGrpSpPr>
@@ -18099,7 +18755,7 @@
         </p:grpSpPr>
         <p:sp>
           <p:nvSpPr>
-            <p:cNvPr id="619" name="Shape 619"/>
+            <p:cNvPr id="636" name="Shape 636"/>
             <p:cNvSpPr/>
             <p:nvPr/>
           </p:nvSpPr>
@@ -18137,7 +18793,7 @@
         </p:sp>
         <p:sp>
           <p:nvSpPr>
-            <p:cNvPr id="620" name="Shape 620"/>
+            <p:cNvPr id="637" name="Shape 637"/>
             <p:cNvSpPr/>
             <p:nvPr/>
           </p:nvSpPr>
@@ -18173,7 +18829,7 @@
         </p:sp>
         <p:grpSp>
           <p:nvGrpSpPr>
-            <p:cNvPr id="623" name="Group 623"/>
+            <p:cNvPr id="640" name="Group 640"/>
             <p:cNvGrpSpPr/>
             <p:nvPr/>
           </p:nvGrpSpPr>
@@ -18187,7 +18843,7 @@
           </p:grpSpPr>
           <p:sp>
             <p:nvSpPr>
-              <p:cNvPr id="621" name="Shape 621"/>
+              <p:cNvPr id="638" name="Shape 638"/>
               <p:cNvSpPr/>
               <p:nvPr/>
             </p:nvSpPr>
@@ -18224,7 +18880,7 @@
           </p:sp>
           <p:sp>
             <p:nvSpPr>
-              <p:cNvPr id="622" name="Shape 622"/>
+              <p:cNvPr id="639" name="Shape 639"/>
               <p:cNvSpPr/>
               <p:nvPr/>
             </p:nvSpPr>
@@ -18262,7 +18918,7 @@
         </p:grpSp>
         <p:sp>
           <p:nvSpPr>
-            <p:cNvPr id="624" name="Shape 624"/>
+            <p:cNvPr id="641" name="Shape 641"/>
             <p:cNvSpPr/>
             <p:nvPr/>
           </p:nvSpPr>
@@ -18298,7 +18954,7 @@
         </p:sp>
         <p:grpSp>
           <p:nvGrpSpPr>
-            <p:cNvPr id="627" name="Group 627"/>
+            <p:cNvPr id="644" name="Group 644"/>
             <p:cNvGrpSpPr/>
             <p:nvPr/>
           </p:nvGrpSpPr>
@@ -18312,7 +18968,7 @@
           </p:grpSpPr>
           <p:sp>
             <p:nvSpPr>
-              <p:cNvPr id="625" name="Shape 625"/>
+              <p:cNvPr id="642" name="Shape 642"/>
               <p:cNvSpPr/>
               <p:nvPr/>
             </p:nvSpPr>
@@ -18349,7 +19005,7 @@
           </p:sp>
           <p:sp>
             <p:nvSpPr>
-              <p:cNvPr id="626" name="Shape 626"/>
+              <p:cNvPr id="643" name="Shape 643"/>
               <p:cNvSpPr/>
               <p:nvPr/>
             </p:nvSpPr>
@@ -18387,7 +19043,7 @@
         </p:grpSp>
         <p:grpSp>
           <p:nvGrpSpPr>
-            <p:cNvPr id="630" name="Group 630"/>
+            <p:cNvPr id="647" name="Group 647"/>
             <p:cNvGrpSpPr/>
             <p:nvPr/>
           </p:nvGrpSpPr>
@@ -18401,7 +19057,7 @@
           </p:grpSpPr>
           <p:sp>
             <p:nvSpPr>
-              <p:cNvPr id="628" name="Shape 628"/>
+              <p:cNvPr id="645" name="Shape 645"/>
               <p:cNvSpPr/>
               <p:nvPr/>
             </p:nvSpPr>
@@ -18438,7 +19094,7 @@
           </p:sp>
           <p:sp>
             <p:nvSpPr>
-              <p:cNvPr id="629" name="Shape 629"/>
+              <p:cNvPr id="646" name="Shape 646"/>
               <p:cNvSpPr/>
               <p:nvPr/>
             </p:nvSpPr>
@@ -18476,7 +19132,7 @@
         </p:grpSp>
         <p:sp>
           <p:nvSpPr>
-            <p:cNvPr id="631" name="Shape 631"/>
+            <p:cNvPr id="648" name="Shape 648"/>
             <p:cNvSpPr/>
             <p:nvPr/>
           </p:nvSpPr>
@@ -18512,7 +19168,7 @@
         </p:sp>
         <p:sp>
           <p:nvSpPr>
-            <p:cNvPr id="632" name="Shape 632"/>
+            <p:cNvPr id="649" name="Shape 649"/>
             <p:cNvSpPr/>
             <p:nvPr/>
           </p:nvSpPr>
@@ -18549,7 +19205,7 @@
       </p:grpSp>
       <p:grpSp>
         <p:nvGrpSpPr>
-          <p:cNvPr id="647" name="Group 647"/>
+          <p:cNvPr id="664" name="Group 664"/>
           <p:cNvGrpSpPr/>
           <p:nvPr/>
         </p:nvGrpSpPr>
@@ -18563,7 +19219,7 @@
         </p:grpSpPr>
         <p:sp>
           <p:nvSpPr>
-            <p:cNvPr id="634" name="Shape 634"/>
+            <p:cNvPr id="651" name="Shape 651"/>
             <p:cNvSpPr/>
             <p:nvPr/>
           </p:nvSpPr>
@@ -18601,7 +19257,7 @@
         </p:sp>
         <p:sp>
           <p:nvSpPr>
-            <p:cNvPr id="635" name="Shape 635"/>
+            <p:cNvPr id="652" name="Shape 652"/>
             <p:cNvSpPr/>
             <p:nvPr/>
           </p:nvSpPr>
@@ -18637,7 +19293,7 @@
         </p:sp>
         <p:grpSp>
           <p:nvGrpSpPr>
-            <p:cNvPr id="638" name="Group 638"/>
+            <p:cNvPr id="655" name="Group 655"/>
             <p:cNvGrpSpPr/>
             <p:nvPr/>
           </p:nvGrpSpPr>
@@ -18651,7 +19307,7 @@
           </p:grpSpPr>
           <p:sp>
             <p:nvSpPr>
-              <p:cNvPr id="636" name="Shape 636"/>
+              <p:cNvPr id="653" name="Shape 653"/>
               <p:cNvSpPr/>
               <p:nvPr/>
             </p:nvSpPr>
@@ -18688,7 +19344,7 @@
           </p:sp>
           <p:sp>
             <p:nvSpPr>
-              <p:cNvPr id="637" name="Shape 637"/>
+              <p:cNvPr id="654" name="Shape 654"/>
               <p:cNvSpPr/>
               <p:nvPr/>
             </p:nvSpPr>
@@ -18726,7 +19382,7 @@
         </p:grpSp>
         <p:sp>
           <p:nvSpPr>
-            <p:cNvPr id="639" name="Shape 639"/>
+            <p:cNvPr id="656" name="Shape 656"/>
             <p:cNvSpPr/>
             <p:nvPr/>
           </p:nvSpPr>
@@ -18762,7 +19418,7 @@
         </p:sp>
         <p:grpSp>
           <p:nvGrpSpPr>
-            <p:cNvPr id="642" name="Group 642"/>
+            <p:cNvPr id="659" name="Group 659"/>
             <p:cNvGrpSpPr/>
             <p:nvPr/>
           </p:nvGrpSpPr>
@@ -18776,7 +19432,7 @@
           </p:grpSpPr>
           <p:sp>
             <p:nvSpPr>
-              <p:cNvPr id="640" name="Shape 640"/>
+              <p:cNvPr id="657" name="Shape 657"/>
               <p:cNvSpPr/>
               <p:nvPr/>
             </p:nvSpPr>
@@ -18813,7 +19469,7 @@
           </p:sp>
           <p:sp>
             <p:nvSpPr>
-              <p:cNvPr id="641" name="Shape 641"/>
+              <p:cNvPr id="658" name="Shape 658"/>
               <p:cNvSpPr/>
               <p:nvPr/>
             </p:nvSpPr>
@@ -18851,7 +19507,7 @@
         </p:grpSp>
         <p:grpSp>
           <p:nvGrpSpPr>
-            <p:cNvPr id="645" name="Group 645"/>
+            <p:cNvPr id="662" name="Group 662"/>
             <p:cNvGrpSpPr/>
             <p:nvPr/>
           </p:nvGrpSpPr>
@@ -18865,7 +19521,7 @@
           </p:grpSpPr>
           <p:sp>
             <p:nvSpPr>
-              <p:cNvPr id="643" name="Shape 643"/>
+              <p:cNvPr id="660" name="Shape 660"/>
               <p:cNvSpPr/>
               <p:nvPr/>
             </p:nvSpPr>
@@ -18902,7 +19558,7 @@
           </p:sp>
           <p:sp>
             <p:nvSpPr>
-              <p:cNvPr id="644" name="Shape 644"/>
+              <p:cNvPr id="661" name="Shape 661"/>
               <p:cNvSpPr/>
               <p:nvPr/>
             </p:nvSpPr>
@@ -18940,7 +19596,7 @@
         </p:grpSp>
         <p:sp>
           <p:nvSpPr>
-            <p:cNvPr id="646" name="Shape 646"/>
+            <p:cNvPr id="663" name="Shape 663"/>
             <p:cNvSpPr/>
             <p:nvPr/>
           </p:nvSpPr>
@@ -18984,87 +19640,6 @@
 </p:sld>
 </file>
 
-<file path=ppt/slides/slide31.xml><?xml version="1.0" encoding="utf-8"?>
-<p:sld xmlns:a="http://schemas.openxmlformats.org/drawingml/2006/main" xmlns:r="http://schemas.openxmlformats.org/officeDocument/2006/relationships" xmlns:p="http://schemas.openxmlformats.org/presentationml/2006/main" showMasterSp="1" showMasterPhAnim="1">
-  <p:cSld>
-    <p:spTree>
-      <p:nvGrpSpPr>
-        <p:cNvPr id="1" name=""/>
-        <p:cNvGrpSpPr/>
-        <p:nvPr/>
-      </p:nvGrpSpPr>
-      <p:grpSpPr>
-        <a:xfrm>
-          <a:off x="0" y="0"/>
-          <a:ext cx="0" cy="0"/>
-          <a:chOff x="0" y="0"/>
-          <a:chExt cx="0" cy="0"/>
-        </a:xfrm>
-      </p:grpSpPr>
-      <p:sp>
-        <p:nvSpPr>
-          <p:cNvPr id="649" name="Shape 649"/>
-          <p:cNvSpPr/>
-          <p:nvPr>
-            <p:ph type="title"/>
-          </p:nvPr>
-        </p:nvSpPr>
-        <p:spPr>
-          <a:xfrm>
-            <a:off x="1346886" y="3438815"/>
-            <a:ext cx="21672368" cy="6838370"/>
-          </a:xfrm>
-          <a:prstGeom prst="rect">
-            <a:avLst/>
-          </a:prstGeom>
-        </p:spPr>
-        <p:txBody>
-          <a:bodyPr/>
-          <a:lstStyle/>
-          <a:p>
-            <a:pPr/>
-            <a:r>
-              <a:t>Live Code</a:t>
-            </a:r>
-          </a:p>
-        </p:txBody>
-      </p:sp>
-      <p:sp>
-        <p:nvSpPr>
-          <p:cNvPr id="650" name="Shape 650"/>
-          <p:cNvSpPr/>
-          <p:nvPr>
-            <p:ph type="sldNum" sz="quarter" idx="2"/>
-          </p:nvPr>
-        </p:nvSpPr>
-        <p:spPr>
-          <a:prstGeom prst="rect">
-            <a:avLst/>
-          </a:prstGeom>
-          <a:extLst>
-            <a:ext uri="{C572A759-6A51-4108-AA02-DFA0A04FC94B}">
-              <ma14:wrappingTextBoxFlag xmlns:ma14="http://schemas.microsoft.com/office/mac/drawingml/2011/main" val="1"/>
-            </a:ext>
-          </a:extLst>
-        </p:spPr>
-        <p:txBody>
-          <a:bodyPr/>
-          <a:lstStyle/>
-          <a:p>
-            <a:pPr/>
-            <a:fld id="{86CB4B4D-7CA3-9044-876B-883B54F8677D}" type="slidenum"/>
-          </a:p>
-        </p:txBody>
-      </p:sp>
-    </p:spTree>
-  </p:cSld>
-  <p:clrMapOvr>
-    <a:masterClrMapping/>
-  </p:clrMapOvr>
-  <p:transition xmlns:p14="http://schemas.microsoft.com/office/powerpoint/2010/main" spd="med" advClick="1"/>
-</p:sld>
-</file>
-
 <file path=ppt/slides/slide32.xml><?xml version="1.0" encoding="utf-8"?>
 <p:sld xmlns:a="http://schemas.openxmlformats.org/drawingml/2006/main" xmlns:r="http://schemas.openxmlformats.org/officeDocument/2006/relationships" xmlns:p="http://schemas.openxmlformats.org/presentationml/2006/main" showMasterSp="1" showMasterPhAnim="1">
   <p:cSld>
@@ -19084,7 +19659,35 @@
       </p:grpSpPr>
       <p:sp>
         <p:nvSpPr>
-          <p:cNvPr id="652" name="Shape 652"/>
+          <p:cNvPr id="666" name="Shape 666"/>
+          <p:cNvSpPr/>
+          <p:nvPr>
+            <p:ph type="title"/>
+          </p:nvPr>
+        </p:nvSpPr>
+        <p:spPr>
+          <a:xfrm>
+            <a:off x="1346886" y="3438815"/>
+            <a:ext cx="21672368" cy="6838370"/>
+          </a:xfrm>
+          <a:prstGeom prst="rect">
+            <a:avLst/>
+          </a:prstGeom>
+        </p:spPr>
+        <p:txBody>
+          <a:bodyPr/>
+          <a:lstStyle/>
+          <a:p>
+            <a:pPr/>
+            <a:r>
+              <a:t>Live Code</a:t>
+            </a:r>
+          </a:p>
+        </p:txBody>
+      </p:sp>
+      <p:sp>
+        <p:nvSpPr>
+          <p:cNvPr id="667" name="Shape 667"/>
           <p:cNvSpPr/>
           <p:nvPr>
             <p:ph type="sldNum" sz="quarter" idx="2"/>
@@ -19109,9 +19712,62 @@
           </a:p>
         </p:txBody>
       </p:sp>
+    </p:spTree>
+  </p:cSld>
+  <p:clrMapOvr>
+    <a:masterClrMapping/>
+  </p:clrMapOvr>
+  <p:transition xmlns:p14="http://schemas.microsoft.com/office/powerpoint/2010/main" spd="med" advClick="1"/>
+</p:sld>
+</file>
+
+<file path=ppt/slides/slide33.xml><?xml version="1.0" encoding="utf-8"?>
+<p:sld xmlns:a="http://schemas.openxmlformats.org/drawingml/2006/main" xmlns:r="http://schemas.openxmlformats.org/officeDocument/2006/relationships" xmlns:p="http://schemas.openxmlformats.org/presentationml/2006/main" showMasterSp="1" showMasterPhAnim="1">
+  <p:cSld>
+    <p:spTree>
+      <p:nvGrpSpPr>
+        <p:cNvPr id="1" name=""/>
+        <p:cNvGrpSpPr/>
+        <p:nvPr/>
+      </p:nvGrpSpPr>
+      <p:grpSpPr>
+        <a:xfrm>
+          <a:off x="0" y="0"/>
+          <a:ext cx="0" cy="0"/>
+          <a:chOff x="0" y="0"/>
+          <a:chExt cx="0" cy="0"/>
+        </a:xfrm>
+      </p:grpSpPr>
       <p:sp>
         <p:nvSpPr>
-          <p:cNvPr id="653" name="Shape 653"/>
+          <p:cNvPr id="669" name="Shape 669"/>
+          <p:cNvSpPr/>
+          <p:nvPr>
+            <p:ph type="sldNum" sz="quarter" idx="2"/>
+          </p:nvPr>
+        </p:nvSpPr>
+        <p:spPr>
+          <a:prstGeom prst="rect">
+            <a:avLst/>
+          </a:prstGeom>
+          <a:extLst>
+            <a:ext uri="{C572A759-6A51-4108-AA02-DFA0A04FC94B}">
+              <ma14:wrappingTextBoxFlag xmlns:ma14="http://schemas.microsoft.com/office/mac/drawingml/2011/main" val="1"/>
+            </a:ext>
+          </a:extLst>
+        </p:spPr>
+        <p:txBody>
+          <a:bodyPr/>
+          <a:lstStyle/>
+          <a:p>
+            <a:pPr/>
+            <a:fld id="{86CB4B4D-7CA3-9044-876B-883B54F8677D}" type="slidenum"/>
+          </a:p>
+        </p:txBody>
+      </p:sp>
+      <p:sp>
+        <p:nvSpPr>
+          <p:cNvPr id="670" name="Shape 670"/>
           <p:cNvSpPr/>
           <p:nvPr>
             <p:ph type="title"/>
@@ -19149,7 +19805,7 @@
       </p:sp>
       <p:grpSp>
         <p:nvGrpSpPr>
-          <p:cNvPr id="672" name="Group 672"/>
+          <p:cNvPr id="689" name="Group 689"/>
           <p:cNvGrpSpPr/>
           <p:nvPr/>
         </p:nvGrpSpPr>
@@ -19163,7 +19819,7 @@
         </p:grpSpPr>
         <p:sp>
           <p:nvSpPr>
-            <p:cNvPr id="654" name="Shape 654"/>
+            <p:cNvPr id="671" name="Shape 671"/>
             <p:cNvSpPr/>
             <p:nvPr/>
           </p:nvSpPr>
@@ -19201,7 +19857,7 @@
         </p:sp>
         <p:grpSp>
           <p:nvGrpSpPr>
-            <p:cNvPr id="667" name="Group 667"/>
+            <p:cNvPr id="684" name="Group 684"/>
             <p:cNvGrpSpPr/>
             <p:nvPr/>
           </p:nvGrpSpPr>
@@ -19215,7 +19871,7 @@
           </p:grpSpPr>
           <p:sp>
             <p:nvSpPr>
-              <p:cNvPr id="655" name="Shape 655"/>
+              <p:cNvPr id="672" name="Shape 672"/>
               <p:cNvSpPr/>
               <p:nvPr/>
             </p:nvSpPr>
@@ -19251,7 +19907,7 @@
           </p:sp>
           <p:grpSp>
             <p:nvGrpSpPr>
-              <p:cNvPr id="658" name="Group 658"/>
+              <p:cNvPr id="675" name="Group 675"/>
               <p:cNvGrpSpPr/>
               <p:nvPr/>
             </p:nvGrpSpPr>
@@ -19265,7 +19921,7 @@
             </p:grpSpPr>
             <p:sp>
               <p:nvSpPr>
-                <p:cNvPr id="656" name="Shape 656"/>
+                <p:cNvPr id="673" name="Shape 673"/>
                 <p:cNvSpPr/>
                 <p:nvPr/>
               </p:nvSpPr>
@@ -19302,7 +19958,7 @@
             </p:sp>
             <p:sp>
               <p:nvSpPr>
-                <p:cNvPr id="657" name="Shape 657"/>
+                <p:cNvPr id="674" name="Shape 674"/>
                 <p:cNvSpPr/>
                 <p:nvPr/>
               </p:nvSpPr>
@@ -19340,7 +19996,7 @@
           </p:grpSp>
           <p:sp>
             <p:nvSpPr>
-              <p:cNvPr id="659" name="Shape 659"/>
+              <p:cNvPr id="676" name="Shape 676"/>
               <p:cNvSpPr/>
               <p:nvPr/>
             </p:nvSpPr>
@@ -19376,7 +20032,7 @@
           </p:sp>
           <p:grpSp>
             <p:nvGrpSpPr>
-              <p:cNvPr id="662" name="Group 662"/>
+              <p:cNvPr id="679" name="Group 679"/>
               <p:cNvGrpSpPr/>
               <p:nvPr/>
             </p:nvGrpSpPr>
@@ -19390,7 +20046,7 @@
             </p:grpSpPr>
             <p:sp>
               <p:nvSpPr>
-                <p:cNvPr id="660" name="Shape 660"/>
+                <p:cNvPr id="677" name="Shape 677"/>
                 <p:cNvSpPr/>
                 <p:nvPr/>
               </p:nvSpPr>
@@ -19427,7 +20083,7 @@
             </p:sp>
             <p:sp>
               <p:nvSpPr>
-                <p:cNvPr id="661" name="Shape 661"/>
+                <p:cNvPr id="678" name="Shape 678"/>
                 <p:cNvSpPr/>
                 <p:nvPr/>
               </p:nvSpPr>
@@ -19465,7 +20121,7 @@
           </p:grpSp>
           <p:sp>
             <p:nvSpPr>
-              <p:cNvPr id="663" name="Shape 663"/>
+              <p:cNvPr id="680" name="Shape 680"/>
               <p:cNvSpPr/>
               <p:nvPr/>
             </p:nvSpPr>
@@ -19501,7 +20157,7 @@
           </p:sp>
           <p:grpSp>
             <p:nvGrpSpPr>
-              <p:cNvPr id="666" name="Group 666"/>
+              <p:cNvPr id="683" name="Group 683"/>
               <p:cNvGrpSpPr/>
               <p:nvPr/>
             </p:nvGrpSpPr>
@@ -19515,7 +20171,7 @@
             </p:grpSpPr>
             <p:sp>
               <p:nvSpPr>
-                <p:cNvPr id="664" name="Shape 664"/>
+                <p:cNvPr id="681" name="Shape 681"/>
                 <p:cNvSpPr/>
                 <p:nvPr/>
               </p:nvSpPr>
@@ -19552,7 +20208,7 @@
             </p:sp>
             <p:sp>
               <p:nvSpPr>
-                <p:cNvPr id="665" name="Shape 665"/>
+                <p:cNvPr id="682" name="Shape 682"/>
                 <p:cNvSpPr/>
                 <p:nvPr/>
               </p:nvSpPr>
@@ -19591,7 +20247,7 @@
         </p:grpSp>
         <p:grpSp>
           <p:nvGrpSpPr>
-            <p:cNvPr id="670" name="Group 670"/>
+            <p:cNvPr id="687" name="Group 687"/>
             <p:cNvGrpSpPr/>
             <p:nvPr/>
           </p:nvGrpSpPr>
@@ -19605,7 +20261,7 @@
           </p:grpSpPr>
           <p:sp>
             <p:nvSpPr>
-              <p:cNvPr id="668" name="Shape 668"/>
+              <p:cNvPr id="685" name="Shape 685"/>
               <p:cNvSpPr/>
               <p:nvPr/>
             </p:nvSpPr>
@@ -19642,7 +20298,7 @@
           </p:sp>
           <p:sp>
             <p:nvSpPr>
-              <p:cNvPr id="669" name="Shape 669"/>
+              <p:cNvPr id="686" name="Shape 686"/>
               <p:cNvSpPr/>
               <p:nvPr/>
             </p:nvSpPr>
@@ -19680,7 +20336,7 @@
         </p:grpSp>
         <p:sp>
           <p:nvSpPr>
-            <p:cNvPr id="671" name="Shape 671"/>
+            <p:cNvPr id="688" name="Shape 688"/>
             <p:cNvSpPr/>
             <p:nvPr/>
           </p:nvSpPr>
@@ -19717,7 +20373,7 @@
       </p:grpSp>
       <p:grpSp>
         <p:nvGrpSpPr>
-          <p:cNvPr id="687" name="Group 687"/>
+          <p:cNvPr id="704" name="Group 704"/>
           <p:cNvGrpSpPr/>
           <p:nvPr/>
         </p:nvGrpSpPr>
@@ -19731,7 +20387,7 @@
         </p:grpSpPr>
         <p:sp>
           <p:nvSpPr>
-            <p:cNvPr id="673" name="Shape 673"/>
+            <p:cNvPr id="690" name="Shape 690"/>
             <p:cNvSpPr/>
             <p:nvPr/>
           </p:nvSpPr>
@@ -19769,7 +20425,7 @@
         </p:sp>
         <p:sp>
           <p:nvSpPr>
-            <p:cNvPr id="674" name="Shape 674"/>
+            <p:cNvPr id="691" name="Shape 691"/>
             <p:cNvSpPr/>
             <p:nvPr/>
           </p:nvSpPr>
@@ -19805,7 +20461,7 @@
         </p:sp>
         <p:grpSp>
           <p:nvGrpSpPr>
-            <p:cNvPr id="677" name="Group 677"/>
+            <p:cNvPr id="694" name="Group 694"/>
             <p:cNvGrpSpPr/>
             <p:nvPr/>
           </p:nvGrpSpPr>
@@ -19819,7 +20475,7 @@
           </p:grpSpPr>
           <p:sp>
             <p:nvSpPr>
-              <p:cNvPr id="675" name="Shape 675"/>
+              <p:cNvPr id="692" name="Shape 692"/>
               <p:cNvSpPr/>
               <p:nvPr/>
             </p:nvSpPr>
@@ -19856,7 +20512,7 @@
           </p:sp>
           <p:sp>
             <p:nvSpPr>
-              <p:cNvPr id="676" name="Shape 676"/>
+              <p:cNvPr id="693" name="Shape 693"/>
               <p:cNvSpPr/>
               <p:nvPr/>
             </p:nvSpPr>
@@ -19894,7 +20550,7 @@
         </p:grpSp>
         <p:sp>
           <p:nvSpPr>
-            <p:cNvPr id="678" name="Shape 678"/>
+            <p:cNvPr id="695" name="Shape 695"/>
             <p:cNvSpPr/>
             <p:nvPr/>
           </p:nvSpPr>
@@ -19930,7 +20586,7 @@
         </p:sp>
         <p:grpSp>
           <p:nvGrpSpPr>
-            <p:cNvPr id="681" name="Group 681"/>
+            <p:cNvPr id="698" name="Group 698"/>
             <p:cNvGrpSpPr/>
             <p:nvPr/>
           </p:nvGrpSpPr>
@@ -19944,7 +20600,7 @@
           </p:grpSpPr>
           <p:sp>
             <p:nvSpPr>
-              <p:cNvPr id="679" name="Shape 679"/>
+              <p:cNvPr id="696" name="Shape 696"/>
               <p:cNvSpPr/>
               <p:nvPr/>
             </p:nvSpPr>
@@ -19981,7 +20637,7 @@
           </p:sp>
           <p:sp>
             <p:nvSpPr>
-              <p:cNvPr id="680" name="Shape 680"/>
+              <p:cNvPr id="697" name="Shape 697"/>
               <p:cNvSpPr/>
               <p:nvPr/>
             </p:nvSpPr>
@@ -20019,7 +20675,7 @@
         </p:grpSp>
         <p:grpSp>
           <p:nvGrpSpPr>
-            <p:cNvPr id="684" name="Group 684"/>
+            <p:cNvPr id="701" name="Group 701"/>
             <p:cNvGrpSpPr/>
             <p:nvPr/>
           </p:nvGrpSpPr>
@@ -20033,7 +20689,7 @@
           </p:grpSpPr>
           <p:sp>
             <p:nvSpPr>
-              <p:cNvPr id="682" name="Shape 682"/>
+              <p:cNvPr id="699" name="Shape 699"/>
               <p:cNvSpPr/>
               <p:nvPr/>
             </p:nvSpPr>
@@ -20070,7 +20726,7 @@
           </p:sp>
           <p:sp>
             <p:nvSpPr>
-              <p:cNvPr id="683" name="Shape 683"/>
+              <p:cNvPr id="700" name="Shape 700"/>
               <p:cNvSpPr/>
               <p:nvPr/>
             </p:nvSpPr>
@@ -20108,7 +20764,7 @@
         </p:grpSp>
         <p:sp>
           <p:nvSpPr>
-            <p:cNvPr id="685" name="Shape 685"/>
+            <p:cNvPr id="702" name="Shape 702"/>
             <p:cNvSpPr/>
             <p:nvPr/>
           </p:nvSpPr>
@@ -20144,7 +20800,7 @@
         </p:sp>
         <p:sp>
           <p:nvSpPr>
-            <p:cNvPr id="686" name="Shape 686"/>
+            <p:cNvPr id="703" name="Shape 703"/>
             <p:cNvSpPr/>
             <p:nvPr/>
           </p:nvSpPr>
@@ -20181,7 +20837,7 @@
       </p:grpSp>
       <p:grpSp>
         <p:nvGrpSpPr>
-          <p:cNvPr id="701" name="Group 701"/>
+          <p:cNvPr id="718" name="Group 718"/>
           <p:cNvGrpSpPr/>
           <p:nvPr/>
         </p:nvGrpSpPr>
@@ -20195,7 +20851,7 @@
         </p:grpSpPr>
         <p:sp>
           <p:nvSpPr>
-            <p:cNvPr id="688" name="Shape 688"/>
+            <p:cNvPr id="705" name="Shape 705"/>
             <p:cNvSpPr/>
             <p:nvPr/>
           </p:nvSpPr>
@@ -20233,7 +20889,7 @@
         </p:sp>
         <p:sp>
           <p:nvSpPr>
-            <p:cNvPr id="689" name="Shape 689"/>
+            <p:cNvPr id="706" name="Shape 706"/>
             <p:cNvSpPr/>
             <p:nvPr/>
           </p:nvSpPr>
@@ -20269,7 +20925,7 @@
         </p:sp>
         <p:grpSp>
           <p:nvGrpSpPr>
-            <p:cNvPr id="692" name="Group 692"/>
+            <p:cNvPr id="709" name="Group 709"/>
             <p:cNvGrpSpPr/>
             <p:nvPr/>
           </p:nvGrpSpPr>
@@ -20283,7 +20939,7 @@
           </p:grpSpPr>
           <p:sp>
             <p:nvSpPr>
-              <p:cNvPr id="690" name="Shape 690"/>
+              <p:cNvPr id="707" name="Shape 707"/>
               <p:cNvSpPr/>
               <p:nvPr/>
             </p:nvSpPr>
@@ -20320,7 +20976,7 @@
           </p:sp>
           <p:sp>
             <p:nvSpPr>
-              <p:cNvPr id="691" name="Shape 691"/>
+              <p:cNvPr id="708" name="Shape 708"/>
               <p:cNvSpPr/>
               <p:nvPr/>
             </p:nvSpPr>
@@ -20358,7 +21014,7 @@
         </p:grpSp>
         <p:sp>
           <p:nvSpPr>
-            <p:cNvPr id="693" name="Shape 693"/>
+            <p:cNvPr id="710" name="Shape 710"/>
             <p:cNvSpPr/>
             <p:nvPr/>
           </p:nvSpPr>
@@ -20394,7 +21050,7 @@
         </p:sp>
         <p:grpSp>
           <p:nvGrpSpPr>
-            <p:cNvPr id="696" name="Group 696"/>
+            <p:cNvPr id="713" name="Group 713"/>
             <p:cNvGrpSpPr/>
             <p:nvPr/>
           </p:nvGrpSpPr>
@@ -20408,7 +21064,7 @@
           </p:grpSpPr>
           <p:sp>
             <p:nvSpPr>
-              <p:cNvPr id="694" name="Shape 694"/>
+              <p:cNvPr id="711" name="Shape 711"/>
               <p:cNvSpPr/>
               <p:nvPr/>
             </p:nvSpPr>
@@ -20445,7 +21101,7 @@
           </p:sp>
           <p:sp>
             <p:nvSpPr>
-              <p:cNvPr id="695" name="Shape 695"/>
+              <p:cNvPr id="712" name="Shape 712"/>
               <p:cNvSpPr/>
               <p:nvPr/>
             </p:nvSpPr>
@@ -20483,7 +21139,7 @@
         </p:grpSp>
         <p:grpSp>
           <p:nvGrpSpPr>
-            <p:cNvPr id="699" name="Group 699"/>
+            <p:cNvPr id="716" name="Group 716"/>
             <p:cNvGrpSpPr/>
             <p:nvPr/>
           </p:nvGrpSpPr>
@@ -20497,7 +21153,7 @@
           </p:grpSpPr>
           <p:sp>
             <p:nvSpPr>
-              <p:cNvPr id="697" name="Shape 697"/>
+              <p:cNvPr id="714" name="Shape 714"/>
               <p:cNvSpPr/>
               <p:nvPr/>
             </p:nvSpPr>
@@ -20534,7 +21190,7 @@
           </p:sp>
           <p:sp>
             <p:nvSpPr>
-              <p:cNvPr id="698" name="Shape 698"/>
+              <p:cNvPr id="715" name="Shape 715"/>
               <p:cNvSpPr/>
               <p:nvPr/>
             </p:nvSpPr>
@@ -20572,7 +21228,7 @@
         </p:grpSp>
         <p:sp>
           <p:nvSpPr>
-            <p:cNvPr id="700" name="Shape 700"/>
+            <p:cNvPr id="717" name="Shape 717"/>
             <p:cNvSpPr/>
             <p:nvPr/>
           </p:nvSpPr>
@@ -20609,7 +21265,7 @@
       </p:grpSp>
       <p:sp>
         <p:nvSpPr>
-          <p:cNvPr id="702" name="Shape 702"/>
+          <p:cNvPr id="719" name="Shape 719"/>
           <p:cNvSpPr/>
           <p:nvPr/>
         </p:nvSpPr>
@@ -20748,7 +21404,7 @@
                                       <p:cBhvr>
                                         <p:cTn id="6" fill="hold"/>
                                         <p:tgtEl>
-                                          <p:spTgt spid="702">
+                                          <p:spTgt spid="719">
                                             <p:bg/>
                                           </p:spTgt>
                                         </p:tgtEl>
@@ -20776,7 +21432,7 @@
                                       <p:cBhvr>
                                         <p:cTn id="8" fill="hold"/>
                                         <p:tgtEl>
-                                          <p:spTgt spid="702">
+                                          <p:spTgt spid="719">
                                             <p:txEl>
                                               <p:pRg st="0" end="0"/>
                                             </p:txEl>
@@ -20824,7 +21480,7 @@
                                       <p:cBhvr>
                                         <p:cTn id="12" fill="hold"/>
                                         <p:tgtEl>
-                                          <p:spTgt spid="702">
+                                          <p:spTgt spid="719">
                                             <p:txEl>
                                               <p:pRg st="1" end="1"/>
                                             </p:txEl>
@@ -20872,7 +21528,7 @@
                                       <p:cBhvr>
                                         <p:cTn id="16" fill="hold"/>
                                         <p:tgtEl>
-                                          <p:spTgt spid="702">
+                                          <p:spTgt spid="719">
                                             <p:txEl>
                                               <p:pRg st="2" end="2"/>
                                             </p:txEl>
@@ -20920,7 +21576,7 @@
                                       <p:cBhvr>
                                         <p:cTn id="20" fill="hold"/>
                                         <p:tgtEl>
-                                          <p:spTgt spid="702">
+                                          <p:spTgt spid="719">
                                             <p:txEl>
                                               <p:pRg st="3" end="3"/>
                                             </p:txEl>
@@ -20965,140 +21621,9 @@
       </p:par>
     </p:tnLst>
     <p:bldLst>
-      <p:bldP build="p" bldLvl="5" animBg="1" rev="0" advAuto="0" spid="702" grpId="1"/>
+      <p:bldP build="p" bldLvl="5" animBg="1" rev="0" advAuto="0" spid="719" grpId="1"/>
     </p:bldLst>
   </p:timing>
-</p:sld>
-</file>
-
-<file path=ppt/slides/slide33.xml><?xml version="1.0" encoding="utf-8"?>
-<p:sld xmlns:a="http://schemas.openxmlformats.org/drawingml/2006/main" xmlns:r="http://schemas.openxmlformats.org/officeDocument/2006/relationships" xmlns:p="http://schemas.openxmlformats.org/presentationml/2006/main" showMasterSp="1" showMasterPhAnim="1">
-  <p:cSld>
-    <p:spTree>
-      <p:nvGrpSpPr>
-        <p:cNvPr id="1" name=""/>
-        <p:cNvGrpSpPr/>
-        <p:nvPr/>
-      </p:nvGrpSpPr>
-      <p:grpSpPr>
-        <a:xfrm>
-          <a:off x="0" y="0"/>
-          <a:ext cx="0" cy="0"/>
-          <a:chOff x="0" y="0"/>
-          <a:chExt cx="0" cy="0"/>
-        </a:xfrm>
-      </p:grpSpPr>
-      <p:sp>
-        <p:nvSpPr>
-          <p:cNvPr id="704" name="Shape 704"/>
-          <p:cNvSpPr/>
-          <p:nvPr>
-            <p:ph type="title"/>
-          </p:nvPr>
-        </p:nvSpPr>
-        <p:spPr>
-          <a:xfrm>
-            <a:off x="2956807" y="357187"/>
-            <a:ext cx="18470386" cy="3036095"/>
-          </a:xfrm>
-          <a:prstGeom prst="rect">
-            <a:avLst/>
-          </a:prstGeom>
-        </p:spPr>
-        <p:txBody>
-          <a:bodyPr/>
-          <a:lstStyle/>
-          <a:p>
-            <a:pPr/>
-            <a:r>
-              <a:t>Le fonctionnel c’est…</a:t>
-            </a:r>
-          </a:p>
-        </p:txBody>
-      </p:sp>
-      <p:sp>
-        <p:nvSpPr>
-          <p:cNvPr id="705" name="Shape 705"/>
-          <p:cNvSpPr/>
-          <p:nvPr>
-            <p:ph type="body" idx="1"/>
-          </p:nvPr>
-        </p:nvSpPr>
-        <p:spPr>
-          <a:prstGeom prst="rect">
-            <a:avLst/>
-          </a:prstGeom>
-        </p:spPr>
-        <p:txBody>
-          <a:bodyPr/>
-          <a:lstStyle/>
-          <a:p>
-            <a:pPr>
-              <a:defRPr sz="7200"/>
-            </a:pPr>
-            <a:r>
-              <a:t>Accessible et concret</a:t>
-            </a:r>
-          </a:p>
-          <a:p>
-            <a:pPr>
-              <a:defRPr sz="7200"/>
-            </a:pPr>
-            <a:r>
-              <a:t>Simplifie votre vie</a:t>
-            </a:r>
-          </a:p>
-          <a:p>
-            <a:pPr>
-              <a:defRPr sz="7200"/>
-            </a:pPr>
-            <a:r>
-              <a:t>Apprenez à aimer l’immutabilité</a:t>
-            </a:r>
-          </a:p>
-          <a:p>
-            <a:pPr>
-              <a:defRPr sz="7200"/>
-            </a:pPr>
-            <a:r>
-              <a:t>Source d’inspiration</a:t>
-            </a:r>
-          </a:p>
-        </p:txBody>
-      </p:sp>
-      <p:sp>
-        <p:nvSpPr>
-          <p:cNvPr id="706" name="Shape 706"/>
-          <p:cNvSpPr/>
-          <p:nvPr>
-            <p:ph type="sldNum" sz="quarter" idx="2"/>
-          </p:nvPr>
-        </p:nvSpPr>
-        <p:spPr>
-          <a:prstGeom prst="rect">
-            <a:avLst/>
-          </a:prstGeom>
-          <a:extLst>
-            <a:ext uri="{C572A759-6A51-4108-AA02-DFA0A04FC94B}">
-              <ma14:wrappingTextBoxFlag xmlns:ma14="http://schemas.microsoft.com/office/mac/drawingml/2011/main" val="1"/>
-            </a:ext>
-          </a:extLst>
-        </p:spPr>
-        <p:txBody>
-          <a:bodyPr/>
-          <a:lstStyle/>
-          <a:p>
-            <a:pPr/>
-            <a:fld id="{86CB4B4D-7CA3-9044-876B-883B54F8677D}" type="slidenum"/>
-          </a:p>
-        </p:txBody>
-      </p:sp>
-    </p:spTree>
-  </p:cSld>
-  <p:clrMapOvr>
-    <a:masterClrMapping/>
-  </p:clrMapOvr>
-  <p:transition xmlns:p14="http://schemas.microsoft.com/office/powerpoint/2010/main" spd="med" advClick="1"/>
 </p:sld>
 </file>
 
@@ -21121,7 +21646,7 @@
       </p:grpSpPr>
       <p:sp>
         <p:nvSpPr>
-          <p:cNvPr id="708" name="Shape 708"/>
+          <p:cNvPr id="721" name="Shape 721"/>
           <p:cNvSpPr/>
           <p:nvPr>
             <p:ph type="sldNum" sz="quarter" idx="2"/>
@@ -21148,7 +21673,7 @@
       </p:sp>
       <p:sp>
         <p:nvSpPr>
-          <p:cNvPr id="709" name="Shape 709"/>
+          <p:cNvPr id="722" name="Shape 722"/>
           <p:cNvSpPr/>
           <p:nvPr>
             <p:ph type="title"/>
@@ -21184,425 +21709,9 @@
           </a:p>
         </p:txBody>
       </p:sp>
-      <p:cxnSp>
-        <p:nvCxnSpPr>
-          <p:cNvPr id="710" name="Connector 710"/>
-          <p:cNvCxnSpPr>
-            <a:stCxn id="711" idx="0"/>
-            <a:endCxn id="713" idx="0"/>
-          </p:cNvCxnSpPr>
-          <p:nvPr/>
-        </p:nvCxnSpPr>
-        <p:spPr>
-          <a:xfrm flipH="1" flipV="1">
-            <a:off x="3043669" y="8569417"/>
-            <a:ext cx="4555332" cy="2594381"/>
-          </a:xfrm>
-          <a:prstGeom prst="straightConnector1">
-            <a:avLst/>
-          </a:prstGeom>
-          <a:ln w="63500">
-            <a:solidFill>
-              <a:srgbClr val="FFFFFF"/>
-            </a:solidFill>
-            <a:prstDash val="sysDot"/>
-            <a:miter lim="400000"/>
-            <a:headEnd type="triangle"/>
-          </a:ln>
-        </p:spPr>
-      </p:cxnSp>
       <p:sp>
         <p:nvSpPr>
-          <p:cNvPr id="711" name="Shape 711"/>
-          <p:cNvSpPr/>
-          <p:nvPr/>
-        </p:nvSpPr>
-        <p:spPr>
-          <a:xfrm>
-            <a:off x="5616322" y="10528797"/>
-            <a:ext cx="3965358" cy="1270001"/>
-          </a:xfrm>
-          <a:prstGeom prst="roundRect">
-            <a:avLst>
-              <a:gd name="adj" fmla="val 15000"/>
-            </a:avLst>
-          </a:prstGeom>
-          <a:blipFill>
-            <a:blip r:embed="rId2"/>
-          </a:blipFill>
-          <a:ln w="12700">
-            <a:miter lim="400000"/>
-          </a:ln>
-          <a:extLst>
-            <a:ext uri="{C572A759-6A51-4108-AA02-DFA0A04FC94B}">
-              <ma14:wrappingTextBoxFlag xmlns:ma14="http://schemas.microsoft.com/office/mac/drawingml/2011/main" val="1"/>
-            </a:ext>
-          </a:extLst>
-        </p:spPr>
-        <p:txBody>
-          <a:bodyPr lIns="71437" tIns="71437" rIns="71437" bIns="71437" anchor="ctr"/>
-          <a:lstStyle>
-            <a:lvl1pPr>
-              <a:defRPr sz="5400"/>
-            </a:lvl1pPr>
-          </a:lstStyle>
-          <a:p>
-            <a:pPr/>
-            <a:r>
-              <a:t>View</a:t>
-            </a:r>
-          </a:p>
-        </p:txBody>
-      </p:sp>
-      <p:sp>
-        <p:nvSpPr>
-          <p:cNvPr id="712" name="Shape 712"/>
-          <p:cNvSpPr/>
-          <p:nvPr/>
-        </p:nvSpPr>
-        <p:spPr>
-          <a:xfrm>
-            <a:off x="5616322" y="2984500"/>
-            <a:ext cx="3965358" cy="1270000"/>
-          </a:xfrm>
-          <a:prstGeom prst="roundRect">
-            <a:avLst>
-              <a:gd name="adj" fmla="val 15000"/>
-            </a:avLst>
-          </a:prstGeom>
-          <a:blipFill>
-            <a:blip r:embed="rId2"/>
-          </a:blipFill>
-          <a:ln w="12700">
-            <a:miter lim="400000"/>
-          </a:ln>
-          <a:extLst>
-            <a:ext uri="{C572A759-6A51-4108-AA02-DFA0A04FC94B}">
-              <ma14:wrappingTextBoxFlag xmlns:ma14="http://schemas.microsoft.com/office/mac/drawingml/2011/main" val="1"/>
-            </a:ext>
-          </a:extLst>
-        </p:spPr>
-        <p:txBody>
-          <a:bodyPr lIns="71437" tIns="71437" rIns="71437" bIns="71437" anchor="ctr"/>
-          <a:lstStyle>
-            <a:lvl1pPr>
-              <a:defRPr sz="5400"/>
-            </a:lvl1pPr>
-          </a:lstStyle>
-          <a:p>
-            <a:pPr/>
-            <a:r>
-              <a:t>Model</a:t>
-            </a:r>
-          </a:p>
-        </p:txBody>
-      </p:sp>
-      <p:sp>
-        <p:nvSpPr>
-          <p:cNvPr id="713" name="Shape 713"/>
-          <p:cNvSpPr/>
-          <p:nvPr/>
-        </p:nvSpPr>
-        <p:spPr>
-          <a:xfrm>
-            <a:off x="1060990" y="7934417"/>
-            <a:ext cx="3965358" cy="1270001"/>
-          </a:xfrm>
-          <a:prstGeom prst="roundRect">
-            <a:avLst>
-              <a:gd name="adj" fmla="val 15000"/>
-            </a:avLst>
-          </a:prstGeom>
-          <a:blipFill>
-            <a:blip r:embed="rId2"/>
-          </a:blipFill>
-          <a:ln w="12700">
-            <a:miter lim="400000"/>
-          </a:ln>
-          <a:extLst>
-            <a:ext uri="{C572A759-6A51-4108-AA02-DFA0A04FC94B}">
-              <ma14:wrappingTextBoxFlag xmlns:ma14="http://schemas.microsoft.com/office/mac/drawingml/2011/main" val="1"/>
-            </a:ext>
-          </a:extLst>
-        </p:spPr>
-        <p:txBody>
-          <a:bodyPr lIns="71437" tIns="71437" rIns="71437" bIns="71437" anchor="ctr"/>
-          <a:lstStyle>
-            <a:lvl1pPr>
-              <a:defRPr sz="5400"/>
-            </a:lvl1pPr>
-          </a:lstStyle>
-          <a:p>
-            <a:pPr/>
-            <a:r>
-              <a:t>Reagent</a:t>
-            </a:r>
-          </a:p>
-        </p:txBody>
-      </p:sp>
-      <p:sp>
-        <p:nvSpPr>
-          <p:cNvPr id="714" name="Shape 714"/>
-          <p:cNvSpPr/>
-          <p:nvPr/>
-        </p:nvSpPr>
-        <p:spPr>
-          <a:xfrm>
-            <a:off x="1060990" y="5404265"/>
-            <a:ext cx="3965358" cy="1270001"/>
-          </a:xfrm>
-          <a:prstGeom prst="roundRect">
-            <a:avLst>
-              <a:gd name="adj" fmla="val 15000"/>
-            </a:avLst>
-          </a:prstGeom>
-          <a:blipFill>
-            <a:blip r:embed="rId2"/>
-          </a:blipFill>
-          <a:ln w="12700">
-            <a:miter lim="400000"/>
-          </a:ln>
-          <a:extLst>
-            <a:ext uri="{C572A759-6A51-4108-AA02-DFA0A04FC94B}">
-              <ma14:wrappingTextBoxFlag xmlns:ma14="http://schemas.microsoft.com/office/mac/drawingml/2011/main" val="1"/>
-            </a:ext>
-          </a:extLst>
-        </p:spPr>
-        <p:txBody>
-          <a:bodyPr lIns="71437" tIns="71437" rIns="71437" bIns="71437" anchor="ctr"/>
-          <a:lstStyle>
-            <a:lvl1pPr>
-              <a:defRPr sz="5400"/>
-            </a:lvl1pPr>
-          </a:lstStyle>
-          <a:p>
-            <a:pPr/>
-            <a:r>
-              <a:t>Hiccup</a:t>
-            </a:r>
-          </a:p>
-        </p:txBody>
-      </p:sp>
-      <p:sp>
-        <p:nvSpPr>
-          <p:cNvPr id="715" name="Shape 715"/>
-          <p:cNvSpPr/>
-          <p:nvPr/>
-        </p:nvSpPr>
-        <p:spPr>
-          <a:xfrm>
-            <a:off x="10096405" y="6794500"/>
-            <a:ext cx="3965358" cy="1270000"/>
-          </a:xfrm>
-          <a:prstGeom prst="roundRect">
-            <a:avLst>
-              <a:gd name="adj" fmla="val 15000"/>
-            </a:avLst>
-          </a:prstGeom>
-          <a:blipFill>
-            <a:blip r:embed="rId2"/>
-          </a:blipFill>
-          <a:ln w="12700">
-            <a:miter lim="400000"/>
-          </a:ln>
-          <a:extLst>
-            <a:ext uri="{C572A759-6A51-4108-AA02-DFA0A04FC94B}">
-              <ma14:wrappingTextBoxFlag xmlns:ma14="http://schemas.microsoft.com/office/mac/drawingml/2011/main" val="1"/>
-            </a:ext>
-          </a:extLst>
-        </p:spPr>
-        <p:txBody>
-          <a:bodyPr lIns="71437" tIns="71437" rIns="71437" bIns="71437" anchor="ctr"/>
-          <a:lstStyle>
-            <a:lvl1pPr>
-              <a:defRPr sz="5400"/>
-            </a:lvl1pPr>
-          </a:lstStyle>
-          <a:p>
-            <a:pPr/>
-            <a:r>
-              <a:t>Logic</a:t>
-            </a:r>
-          </a:p>
-        </p:txBody>
-      </p:sp>
-      <p:cxnSp>
-        <p:nvCxnSpPr>
-          <p:cNvPr id="716" name="Connector 716"/>
-          <p:cNvCxnSpPr>
-            <a:stCxn id="714" idx="0"/>
-            <a:endCxn id="712" idx="0"/>
-          </p:cNvCxnSpPr>
-          <p:nvPr/>
-        </p:nvCxnSpPr>
-        <p:spPr>
-          <a:xfrm flipV="1">
-            <a:off x="3043669" y="3619500"/>
-            <a:ext cx="4555332" cy="2419766"/>
-          </a:xfrm>
-          <a:prstGeom prst="straightConnector1">
-            <a:avLst/>
-          </a:prstGeom>
-          <a:ln w="63500">
-            <a:solidFill>
-              <a:srgbClr val="FFFFFF"/>
-            </a:solidFill>
-            <a:miter lim="400000"/>
-            <a:headEnd type="triangle"/>
-          </a:ln>
-        </p:spPr>
-      </p:cxnSp>
-      <p:cxnSp>
-        <p:nvCxnSpPr>
-          <p:cNvPr id="717" name="Connector 717"/>
-          <p:cNvCxnSpPr>
-            <a:stCxn id="711" idx="0"/>
-            <a:endCxn id="715" idx="0"/>
-          </p:cNvCxnSpPr>
-          <p:nvPr/>
-        </p:nvCxnSpPr>
-        <p:spPr>
-          <a:xfrm flipV="1">
-            <a:off x="7599000" y="7429500"/>
-            <a:ext cx="4480085" cy="3734298"/>
-          </a:xfrm>
-          <a:prstGeom prst="straightConnector1">
-            <a:avLst/>
-          </a:prstGeom>
-          <a:ln w="63500">
-            <a:solidFill>
-              <a:srgbClr val="FFFFFF"/>
-            </a:solidFill>
-            <a:miter lim="400000"/>
-            <a:tailEnd type="triangle"/>
-          </a:ln>
-        </p:spPr>
-      </p:cxnSp>
-      <p:cxnSp>
-        <p:nvCxnSpPr>
-          <p:cNvPr id="718" name="Connector 718"/>
-          <p:cNvCxnSpPr>
-            <a:stCxn id="712" idx="0"/>
-            <a:endCxn id="715" idx="0"/>
-          </p:cNvCxnSpPr>
-          <p:nvPr/>
-        </p:nvCxnSpPr>
-        <p:spPr>
-          <a:xfrm>
-            <a:off x="7599000" y="3619500"/>
-            <a:ext cx="4480085" cy="3810000"/>
-          </a:xfrm>
-          <a:prstGeom prst="straightConnector1">
-            <a:avLst/>
-          </a:prstGeom>
-          <a:ln w="63500">
-            <a:solidFill>
-              <a:srgbClr val="FFFFFF"/>
-            </a:solidFill>
-            <a:miter lim="400000"/>
-            <a:headEnd type="triangle"/>
-          </a:ln>
-        </p:spPr>
-      </p:cxnSp>
-      <p:cxnSp>
-        <p:nvCxnSpPr>
-          <p:cNvPr id="719" name="Connector 719"/>
-          <p:cNvCxnSpPr>
-            <a:stCxn id="713" idx="0"/>
-            <a:endCxn id="714" idx="0"/>
-          </p:cNvCxnSpPr>
-          <p:nvPr/>
-        </p:nvCxnSpPr>
-        <p:spPr>
-          <a:xfrm flipV="1">
-            <a:off x="3043669" y="6039265"/>
-            <a:ext cx="1" cy="2530153"/>
-          </a:xfrm>
-          <a:prstGeom prst="straightConnector1">
-            <a:avLst/>
-          </a:prstGeom>
-          <a:ln w="63500">
-            <a:solidFill>
-              <a:srgbClr val="FFFFFF"/>
-            </a:solidFill>
-            <a:prstDash val="sysDot"/>
-            <a:miter lim="400000"/>
-            <a:headEnd type="triangle"/>
-          </a:ln>
-        </p:spPr>
-      </p:cxnSp>
-      <p:sp>
-        <p:nvSpPr>
-          <p:cNvPr id="720" name="Shape 720"/>
-          <p:cNvSpPr/>
-          <p:nvPr/>
-        </p:nvSpPr>
-        <p:spPr>
-          <a:xfrm>
-            <a:off x="10096405" y="10528797"/>
-            <a:ext cx="3965358" cy="1270001"/>
-          </a:xfrm>
-          <a:prstGeom prst="roundRect">
-            <a:avLst>
-              <a:gd name="adj" fmla="val 15000"/>
-            </a:avLst>
-          </a:prstGeom>
-          <a:blipFill>
-            <a:blip r:embed="rId2"/>
-          </a:blipFill>
-          <a:ln w="12700">
-            <a:miter lim="400000"/>
-          </a:ln>
-          <a:extLst>
-            <a:ext uri="{C572A759-6A51-4108-AA02-DFA0A04FC94B}">
-              <ma14:wrappingTextBoxFlag xmlns:ma14="http://schemas.microsoft.com/office/mac/drawingml/2011/main" val="1"/>
-            </a:ext>
-          </a:extLst>
-        </p:spPr>
-        <p:txBody>
-          <a:bodyPr lIns="71437" tIns="71437" rIns="71437" bIns="71437" anchor="ctr"/>
-          <a:lstStyle>
-            <a:lvl1pPr>
-              <a:defRPr sz="5400"/>
-            </a:lvl1pPr>
-          </a:lstStyle>
-          <a:p>
-            <a:pPr/>
-            <a:r>
-              <a:t>Server</a:t>
-            </a:r>
-          </a:p>
-        </p:txBody>
-      </p:sp>
-      <p:cxnSp>
-        <p:nvCxnSpPr>
-          <p:cNvPr id="721" name="Connector 721"/>
-          <p:cNvCxnSpPr>
-            <a:stCxn id="720" idx="0"/>
-            <a:endCxn id="715" idx="0"/>
-          </p:cNvCxnSpPr>
-          <p:nvPr/>
-        </p:nvCxnSpPr>
-        <p:spPr>
-          <a:xfrm flipV="1">
-            <a:off x="12079084" y="7429500"/>
-            <a:ext cx="1" cy="3734298"/>
-          </a:xfrm>
-          <a:prstGeom prst="straightConnector1">
-            <a:avLst/>
-          </a:prstGeom>
-          <a:ln w="63500">
-            <a:solidFill>
-              <a:srgbClr val="FFFFFF"/>
-            </a:solidFill>
-            <a:miter lim="400000"/>
-            <a:tailEnd type="triangle"/>
-          </a:ln>
-        </p:spPr>
-      </p:cxnSp>
-      <p:sp>
-        <p:nvSpPr>
-          <p:cNvPr id="722" name="Shape 722"/>
+          <p:cNvPr id="723" name="Shape 723"/>
           <p:cNvSpPr/>
           <p:nvPr/>
         </p:nvSpPr>
@@ -21702,6 +21811,422 @@
           </a:p>
         </p:txBody>
       </p:sp>
+      <p:cxnSp>
+        <p:nvCxnSpPr>
+          <p:cNvPr id="724" name="Connector 724"/>
+          <p:cNvCxnSpPr>
+            <a:stCxn id="725" idx="0"/>
+            <a:endCxn id="727" idx="0"/>
+          </p:cNvCxnSpPr>
+          <p:nvPr/>
+        </p:nvCxnSpPr>
+        <p:spPr>
+          <a:xfrm flipH="1" flipV="1">
+            <a:off x="3195384" y="8696417"/>
+            <a:ext cx="4555333" cy="2467381"/>
+          </a:xfrm>
+          <a:prstGeom prst="straightConnector1">
+            <a:avLst/>
+          </a:prstGeom>
+          <a:ln w="101600">
+            <a:solidFill>
+              <a:srgbClr val="FFFFFF"/>
+            </a:solidFill>
+            <a:prstDash val="sysDot"/>
+            <a:miter lim="400000"/>
+            <a:headEnd type="triangle"/>
+          </a:ln>
+        </p:spPr>
+      </p:cxnSp>
+      <p:sp>
+        <p:nvSpPr>
+          <p:cNvPr id="725" name="Shape 725"/>
+          <p:cNvSpPr/>
+          <p:nvPr/>
+        </p:nvSpPr>
+        <p:spPr>
+          <a:xfrm>
+            <a:off x="5616322" y="10528797"/>
+            <a:ext cx="4268789" cy="1270001"/>
+          </a:xfrm>
+          <a:prstGeom prst="roundRect">
+            <a:avLst>
+              <a:gd name="adj" fmla="val 15000"/>
+            </a:avLst>
+          </a:prstGeom>
+          <a:blipFill>
+            <a:blip r:embed="rId2"/>
+          </a:blipFill>
+          <a:ln w="12700">
+            <a:miter lim="400000"/>
+          </a:ln>
+          <a:extLst>
+            <a:ext uri="{C572A759-6A51-4108-AA02-DFA0A04FC94B}">
+              <ma14:wrappingTextBoxFlag xmlns:ma14="http://schemas.microsoft.com/office/mac/drawingml/2011/main" val="1"/>
+            </a:ext>
+          </a:extLst>
+        </p:spPr>
+        <p:txBody>
+          <a:bodyPr lIns="71437" tIns="71437" rIns="71437" bIns="71437" anchor="ctr"/>
+          <a:lstStyle>
+            <a:lvl1pPr>
+              <a:defRPr sz="6400"/>
+            </a:lvl1pPr>
+          </a:lstStyle>
+          <a:p>
+            <a:pPr/>
+            <a:r>
+              <a:t>View</a:t>
+            </a:r>
+          </a:p>
+        </p:txBody>
+      </p:sp>
+      <p:sp>
+        <p:nvSpPr>
+          <p:cNvPr id="726" name="Shape 726"/>
+          <p:cNvSpPr/>
+          <p:nvPr/>
+        </p:nvSpPr>
+        <p:spPr>
+          <a:xfrm>
+            <a:off x="5616322" y="2984500"/>
+            <a:ext cx="4268789" cy="1270000"/>
+          </a:xfrm>
+          <a:prstGeom prst="roundRect">
+            <a:avLst>
+              <a:gd name="adj" fmla="val 15000"/>
+            </a:avLst>
+          </a:prstGeom>
+          <a:blipFill>
+            <a:blip r:embed="rId2"/>
+          </a:blipFill>
+          <a:ln w="12700">
+            <a:miter lim="400000"/>
+          </a:ln>
+          <a:extLst>
+            <a:ext uri="{C572A759-6A51-4108-AA02-DFA0A04FC94B}">
+              <ma14:wrappingTextBoxFlag xmlns:ma14="http://schemas.microsoft.com/office/mac/drawingml/2011/main" val="1"/>
+            </a:ext>
+          </a:extLst>
+        </p:spPr>
+        <p:txBody>
+          <a:bodyPr lIns="71437" tIns="71437" rIns="71437" bIns="71437" anchor="ctr"/>
+          <a:lstStyle>
+            <a:lvl1pPr>
+              <a:defRPr sz="6400"/>
+            </a:lvl1pPr>
+          </a:lstStyle>
+          <a:p>
+            <a:pPr/>
+            <a:r>
+              <a:t>Model</a:t>
+            </a:r>
+          </a:p>
+        </p:txBody>
+      </p:sp>
+      <p:sp>
+        <p:nvSpPr>
+          <p:cNvPr id="727" name="Shape 727"/>
+          <p:cNvSpPr/>
+          <p:nvPr/>
+        </p:nvSpPr>
+        <p:spPr>
+          <a:xfrm>
+            <a:off x="1060990" y="8061417"/>
+            <a:ext cx="4268789" cy="1270001"/>
+          </a:xfrm>
+          <a:prstGeom prst="roundRect">
+            <a:avLst>
+              <a:gd name="adj" fmla="val 15000"/>
+            </a:avLst>
+          </a:prstGeom>
+          <a:blipFill>
+            <a:blip r:embed="rId2"/>
+          </a:blipFill>
+          <a:ln w="12700">
+            <a:miter lim="400000"/>
+          </a:ln>
+          <a:extLst>
+            <a:ext uri="{C572A759-6A51-4108-AA02-DFA0A04FC94B}">
+              <ma14:wrappingTextBoxFlag xmlns:ma14="http://schemas.microsoft.com/office/mac/drawingml/2011/main" val="1"/>
+            </a:ext>
+          </a:extLst>
+        </p:spPr>
+        <p:txBody>
+          <a:bodyPr lIns="71437" tIns="71437" rIns="71437" bIns="71437" anchor="ctr"/>
+          <a:lstStyle>
+            <a:lvl1pPr>
+              <a:defRPr sz="6400"/>
+            </a:lvl1pPr>
+          </a:lstStyle>
+          <a:p>
+            <a:pPr/>
+            <a:r>
+              <a:t>Reagent</a:t>
+            </a:r>
+          </a:p>
+        </p:txBody>
+      </p:sp>
+      <p:sp>
+        <p:nvSpPr>
+          <p:cNvPr id="728" name="Shape 728"/>
+          <p:cNvSpPr/>
+          <p:nvPr/>
+        </p:nvSpPr>
+        <p:spPr>
+          <a:xfrm>
+            <a:off x="1060990" y="5404265"/>
+            <a:ext cx="4268789" cy="1270001"/>
+          </a:xfrm>
+          <a:prstGeom prst="roundRect">
+            <a:avLst>
+              <a:gd name="adj" fmla="val 15000"/>
+            </a:avLst>
+          </a:prstGeom>
+          <a:blipFill>
+            <a:blip r:embed="rId2"/>
+          </a:blipFill>
+          <a:ln w="12700">
+            <a:miter lim="400000"/>
+          </a:ln>
+          <a:extLst>
+            <a:ext uri="{C572A759-6A51-4108-AA02-DFA0A04FC94B}">
+              <ma14:wrappingTextBoxFlag xmlns:ma14="http://schemas.microsoft.com/office/mac/drawingml/2011/main" val="1"/>
+            </a:ext>
+          </a:extLst>
+        </p:spPr>
+        <p:txBody>
+          <a:bodyPr lIns="71437" tIns="71437" rIns="71437" bIns="71437" anchor="ctr"/>
+          <a:lstStyle>
+            <a:lvl1pPr>
+              <a:defRPr sz="6400"/>
+            </a:lvl1pPr>
+          </a:lstStyle>
+          <a:p>
+            <a:pPr/>
+            <a:r>
+              <a:t>Hiccup</a:t>
+            </a:r>
+          </a:p>
+        </p:txBody>
+      </p:sp>
+      <p:sp>
+        <p:nvSpPr>
+          <p:cNvPr id="729" name="Shape 729"/>
+          <p:cNvSpPr/>
+          <p:nvPr/>
+        </p:nvSpPr>
+        <p:spPr>
+          <a:xfrm>
+            <a:off x="10096405" y="6794500"/>
+            <a:ext cx="4268789" cy="1270000"/>
+          </a:xfrm>
+          <a:prstGeom prst="roundRect">
+            <a:avLst>
+              <a:gd name="adj" fmla="val 15000"/>
+            </a:avLst>
+          </a:prstGeom>
+          <a:blipFill>
+            <a:blip r:embed="rId2"/>
+          </a:blipFill>
+          <a:ln w="12700">
+            <a:miter lim="400000"/>
+          </a:ln>
+          <a:extLst>
+            <a:ext uri="{C572A759-6A51-4108-AA02-DFA0A04FC94B}">
+              <ma14:wrappingTextBoxFlag xmlns:ma14="http://schemas.microsoft.com/office/mac/drawingml/2011/main" val="1"/>
+            </a:ext>
+          </a:extLst>
+        </p:spPr>
+        <p:txBody>
+          <a:bodyPr lIns="71437" tIns="71437" rIns="71437" bIns="71437" anchor="ctr"/>
+          <a:lstStyle>
+            <a:lvl1pPr>
+              <a:defRPr sz="6400"/>
+            </a:lvl1pPr>
+          </a:lstStyle>
+          <a:p>
+            <a:pPr/>
+            <a:r>
+              <a:t>Logic</a:t>
+            </a:r>
+          </a:p>
+        </p:txBody>
+      </p:sp>
+      <p:cxnSp>
+        <p:nvCxnSpPr>
+          <p:cNvPr id="730" name="Connector 730"/>
+          <p:cNvCxnSpPr>
+            <a:stCxn id="728" idx="0"/>
+            <a:endCxn id="726" idx="0"/>
+          </p:cNvCxnSpPr>
+          <p:nvPr/>
+        </p:nvCxnSpPr>
+        <p:spPr>
+          <a:xfrm flipV="1">
+            <a:off x="3195384" y="3619500"/>
+            <a:ext cx="4555333" cy="2419766"/>
+          </a:xfrm>
+          <a:prstGeom prst="straightConnector1">
+            <a:avLst/>
+          </a:prstGeom>
+          <a:ln w="101600">
+            <a:solidFill>
+              <a:srgbClr val="FFFFFF"/>
+            </a:solidFill>
+            <a:miter lim="400000"/>
+            <a:headEnd type="triangle"/>
+          </a:ln>
+        </p:spPr>
+      </p:cxnSp>
+      <p:cxnSp>
+        <p:nvCxnSpPr>
+          <p:cNvPr id="731" name="Connector 731"/>
+          <p:cNvCxnSpPr>
+            <a:stCxn id="725" idx="0"/>
+            <a:endCxn id="729" idx="0"/>
+          </p:cNvCxnSpPr>
+          <p:nvPr/>
+        </p:nvCxnSpPr>
+        <p:spPr>
+          <a:xfrm flipV="1">
+            <a:off x="7750716" y="7429500"/>
+            <a:ext cx="4480084" cy="3734298"/>
+          </a:xfrm>
+          <a:prstGeom prst="straightConnector1">
+            <a:avLst/>
+          </a:prstGeom>
+          <a:ln w="101600">
+            <a:solidFill>
+              <a:srgbClr val="FFFFFF"/>
+            </a:solidFill>
+            <a:miter lim="400000"/>
+            <a:tailEnd type="triangle"/>
+          </a:ln>
+        </p:spPr>
+      </p:cxnSp>
+      <p:cxnSp>
+        <p:nvCxnSpPr>
+          <p:cNvPr id="732" name="Connector 732"/>
+          <p:cNvCxnSpPr>
+            <a:stCxn id="726" idx="0"/>
+            <a:endCxn id="729" idx="0"/>
+          </p:cNvCxnSpPr>
+          <p:nvPr/>
+        </p:nvCxnSpPr>
+        <p:spPr>
+          <a:xfrm>
+            <a:off x="7750716" y="3619500"/>
+            <a:ext cx="4480084" cy="3810000"/>
+          </a:xfrm>
+          <a:prstGeom prst="straightConnector1">
+            <a:avLst/>
+          </a:prstGeom>
+          <a:ln w="101600">
+            <a:solidFill>
+              <a:srgbClr val="FFFFFF"/>
+            </a:solidFill>
+            <a:miter lim="400000"/>
+            <a:headEnd type="triangle"/>
+          </a:ln>
+        </p:spPr>
+      </p:cxnSp>
+      <p:cxnSp>
+        <p:nvCxnSpPr>
+          <p:cNvPr id="733" name="Connector 733"/>
+          <p:cNvCxnSpPr>
+            <a:stCxn id="727" idx="0"/>
+            <a:endCxn id="728" idx="0"/>
+          </p:cNvCxnSpPr>
+          <p:nvPr/>
+        </p:nvCxnSpPr>
+        <p:spPr>
+          <a:xfrm flipV="1">
+            <a:off x="3195384" y="6039265"/>
+            <a:ext cx="1" cy="2657153"/>
+          </a:xfrm>
+          <a:prstGeom prst="straightConnector1">
+            <a:avLst/>
+          </a:prstGeom>
+          <a:ln w="101600">
+            <a:solidFill>
+              <a:srgbClr val="FFFFFF"/>
+            </a:solidFill>
+            <a:prstDash val="sysDot"/>
+            <a:miter lim="400000"/>
+            <a:headEnd type="triangle"/>
+          </a:ln>
+        </p:spPr>
+      </p:cxnSp>
+      <p:sp>
+        <p:nvSpPr>
+          <p:cNvPr id="734" name="Shape 734"/>
+          <p:cNvSpPr/>
+          <p:nvPr/>
+        </p:nvSpPr>
+        <p:spPr>
+          <a:xfrm>
+            <a:off x="10096405" y="10528797"/>
+            <a:ext cx="4268789" cy="1270001"/>
+          </a:xfrm>
+          <a:prstGeom prst="roundRect">
+            <a:avLst>
+              <a:gd name="adj" fmla="val 15000"/>
+            </a:avLst>
+          </a:prstGeom>
+          <a:blipFill>
+            <a:blip r:embed="rId2"/>
+          </a:blipFill>
+          <a:ln w="12700">
+            <a:miter lim="400000"/>
+          </a:ln>
+          <a:extLst>
+            <a:ext uri="{C572A759-6A51-4108-AA02-DFA0A04FC94B}">
+              <ma14:wrappingTextBoxFlag xmlns:ma14="http://schemas.microsoft.com/office/mac/drawingml/2011/main" val="1"/>
+            </a:ext>
+          </a:extLst>
+        </p:spPr>
+        <p:txBody>
+          <a:bodyPr lIns="71437" tIns="71437" rIns="71437" bIns="71437" anchor="ctr"/>
+          <a:lstStyle>
+            <a:lvl1pPr>
+              <a:defRPr sz="6400"/>
+            </a:lvl1pPr>
+          </a:lstStyle>
+          <a:p>
+            <a:pPr/>
+            <a:r>
+              <a:t>Server</a:t>
+            </a:r>
+          </a:p>
+        </p:txBody>
+      </p:sp>
+      <p:cxnSp>
+        <p:nvCxnSpPr>
+          <p:cNvPr id="735" name="Connector 735"/>
+          <p:cNvCxnSpPr>
+            <a:stCxn id="734" idx="0"/>
+            <a:endCxn id="729" idx="0"/>
+          </p:cNvCxnSpPr>
+          <p:nvPr/>
+        </p:nvCxnSpPr>
+        <p:spPr>
+          <a:xfrm flipH="1" flipV="1">
+            <a:off x="12230799" y="7429500"/>
+            <a:ext cx="1" cy="3734298"/>
+          </a:xfrm>
+          <a:prstGeom prst="straightConnector1">
+            <a:avLst/>
+          </a:prstGeom>
+          <a:ln w="101600">
+            <a:solidFill>
+              <a:srgbClr val="FFFFFF"/>
+            </a:solidFill>
+            <a:miter lim="400000"/>
+            <a:tailEnd type="triangle"/>
+          </a:ln>
+        </p:spPr>
+      </p:cxnSp>
     </p:spTree>
   </p:cSld>
   <p:clrMapOvr>
@@ -21741,7 +22266,7 @@
                                       <p:cBhvr>
                                         <p:cTn id="6" fill="hold"/>
                                         <p:tgtEl>
-                                          <p:spTgt spid="722">
+                                          <p:spTgt spid="723">
                                             <p:bg/>
                                           </p:spTgt>
                                         </p:tgtEl>
@@ -21769,7 +22294,7 @@
                                       <p:cBhvr>
                                         <p:cTn id="8" fill="hold"/>
                                         <p:tgtEl>
-                                          <p:spTgt spid="722">
+                                          <p:spTgt spid="723">
                                             <p:txEl>
                                               <p:pRg st="0" end="0"/>
                                             </p:txEl>
@@ -21817,7 +22342,7 @@
                                       <p:cBhvr>
                                         <p:cTn id="12" fill="hold"/>
                                         <p:tgtEl>
-                                          <p:spTgt spid="722">
+                                          <p:spTgt spid="723">
                                             <p:txEl>
                                               <p:pRg st="1" end="1"/>
                                             </p:txEl>
@@ -21865,7 +22390,7 @@
                                       <p:cBhvr>
                                         <p:cTn id="16" fill="hold"/>
                                         <p:tgtEl>
-                                          <p:spTgt spid="722">
+                                          <p:spTgt spid="723">
                                             <p:txEl>
                                               <p:pRg st="2" end="2"/>
                                             </p:txEl>
@@ -21913,7 +22438,7 @@
                                       <p:cBhvr>
                                         <p:cTn id="20" fill="hold"/>
                                         <p:tgtEl>
-                                          <p:spTgt spid="722">
+                                          <p:spTgt spid="723">
                                             <p:txEl>
                                               <p:pRg st="3" end="3"/>
                                             </p:txEl>
@@ -21958,13 +22483,308 @@
       </p:par>
     </p:tnLst>
     <p:bldLst>
-      <p:bldP build="p" bldLvl="5" animBg="1" rev="0" advAuto="0" spid="722" grpId="1"/>
+      <p:bldP build="p" bldLvl="5" animBg="1" rev="0" advAuto="0" spid="723" grpId="1"/>
     </p:bldLst>
   </p:timing>
 </p:sld>
 </file>
 
 <file path=ppt/slides/slide35.xml><?xml version="1.0" encoding="utf-8"?>
+<p:sld xmlns:a="http://schemas.openxmlformats.org/drawingml/2006/main" xmlns:r="http://schemas.openxmlformats.org/officeDocument/2006/relationships" xmlns:p="http://schemas.openxmlformats.org/presentationml/2006/main" showMasterSp="1" showMasterPhAnim="1">
+  <p:cSld>
+    <p:bg>
+      <p:bgPr>
+        <a:blipFill rotWithShape="1">
+          <a:blip r:embed="rId2"/>
+          <a:srcRect l="0" t="0" r="0" b="0"/>
+          <a:stretch>
+            <a:fillRect/>
+          </a:stretch>
+        </a:blipFill>
+      </p:bgPr>
+    </p:bg>
+    <p:spTree>
+      <p:nvGrpSpPr>
+        <p:cNvPr id="1" name=""/>
+        <p:cNvGrpSpPr/>
+        <p:nvPr/>
+      </p:nvGrpSpPr>
+      <p:grpSpPr>
+        <a:xfrm>
+          <a:off x="0" y="0"/>
+          <a:ext cx="0" cy="0"/>
+          <a:chOff x="0" y="0"/>
+          <a:chExt cx="0" cy="0"/>
+        </a:xfrm>
+      </p:grpSpPr>
+      <p:sp>
+        <p:nvSpPr>
+          <p:cNvPr id="737" name="Shape 737"/>
+          <p:cNvSpPr/>
+          <p:nvPr>
+            <p:ph type="sldNum" sz="quarter" idx="2"/>
+          </p:nvPr>
+        </p:nvSpPr>
+        <p:spPr>
+          <a:prstGeom prst="rect">
+            <a:avLst/>
+          </a:prstGeom>
+          <a:extLst>
+            <a:ext uri="{C572A759-6A51-4108-AA02-DFA0A04FC94B}">
+              <ma14:wrappingTextBoxFlag xmlns:ma14="http://schemas.microsoft.com/office/mac/drawingml/2011/main" val="1"/>
+            </a:ext>
+          </a:extLst>
+        </p:spPr>
+        <p:txBody>
+          <a:bodyPr/>
+          <a:lstStyle/>
+          <a:p>
+            <a:pPr/>
+            <a:fld id="{86CB4B4D-7CA3-9044-876B-883B54F8677D}" type="slidenum"/>
+          </a:p>
+        </p:txBody>
+      </p:sp>
+      <p:sp>
+        <p:nvSpPr>
+          <p:cNvPr id="738" name="Shape 738"/>
+          <p:cNvSpPr/>
+          <p:nvPr>
+            <p:ph type="body" sz="quarter" idx="1"/>
+          </p:nvPr>
+        </p:nvSpPr>
+        <p:spPr>
+          <a:prstGeom prst="rect">
+            <a:avLst/>
+          </a:prstGeom>
+        </p:spPr>
+        <p:txBody>
+          <a:bodyPr/>
+          <a:lstStyle/>
+          <a:p>
+            <a:pPr>
+              <a:defRPr sz="4800">
+                <a:latin typeface="+mj-lt"/>
+                <a:ea typeface="+mj-ea"/>
+                <a:cs typeface="+mj-cs"/>
+                <a:sym typeface="Montserrat Regular"/>
+              </a:defRPr>
+            </a:pPr>
+          </a:p>
+        </p:txBody>
+      </p:sp>
+      <p:sp>
+        <p:nvSpPr>
+          <p:cNvPr id="739" name="Shape 739"/>
+          <p:cNvSpPr/>
+          <p:nvPr>
+            <p:ph type="title"/>
+          </p:nvPr>
+        </p:nvSpPr>
+        <p:spPr>
+          <a:xfrm>
+            <a:off x="1581760" y="357187"/>
+            <a:ext cx="21202619" cy="3036095"/>
+          </a:xfrm>
+          <a:prstGeom prst="rect">
+            <a:avLst/>
+          </a:prstGeom>
+        </p:spPr>
+        <p:txBody>
+          <a:bodyPr anchor="ctr"/>
+          <a:lstStyle/>
+          <a:p>
+            <a:pPr/>
+            <a:r>
+              <a:t>Le fonctionnel c’est…</a:t>
+            </a:r>
+          </a:p>
+        </p:txBody>
+      </p:sp>
+      <p:sp>
+        <p:nvSpPr>
+          <p:cNvPr id="740" name="Shape 740"/>
+          <p:cNvSpPr/>
+          <p:nvPr/>
+        </p:nvSpPr>
+        <p:spPr>
+          <a:xfrm>
+            <a:off x="2137569" y="3549539"/>
+            <a:ext cx="9698112" cy="8840392"/>
+          </a:xfrm>
+          <a:prstGeom prst="rect">
+            <a:avLst/>
+          </a:prstGeom>
+          <a:ln w="12700">
+            <a:miter lim="400000"/>
+          </a:ln>
+          <a:extLst>
+            <a:ext uri="{C572A759-6A51-4108-AA02-DFA0A04FC94B}">
+              <ma14:wrappingTextBoxFlag xmlns:ma14="http://schemas.microsoft.com/office/mac/drawingml/2011/main" val="1"/>
+            </a:ext>
+          </a:extLst>
+        </p:spPr>
+        <p:txBody>
+          <a:bodyPr lIns="71437" tIns="71437" rIns="71437" bIns="71437" anchor="ctr">
+            <a:normAutofit fontScale="100000" lnSpcReduction="0"/>
+          </a:bodyPr>
+          <a:lstStyle/>
+          <a:p>
+            <a:pPr marL="561473" indent="-561473" algn="l">
+              <a:spcBef>
+                <a:spcPts val="5900"/>
+              </a:spcBef>
+              <a:buSzPct val="75000"/>
+              <a:buChar char="•"/>
+              <a:defRPr sz="7200">
+                <a:latin typeface="Open Sans"/>
+                <a:ea typeface="Open Sans"/>
+                <a:cs typeface="Open Sans"/>
+                <a:sym typeface="Open Sans"/>
+              </a:defRPr>
+            </a:pPr>
+            <a:r>
+              <a:t>Accessible</a:t>
+            </a:r>
+          </a:p>
+          <a:p>
+            <a:pPr marL="561473" indent="-561473" algn="l">
+              <a:spcBef>
+                <a:spcPts val="5900"/>
+              </a:spcBef>
+              <a:buSzPct val="75000"/>
+              <a:buChar char="•"/>
+              <a:defRPr sz="7200">
+                <a:latin typeface="Open Sans"/>
+                <a:ea typeface="Open Sans"/>
+                <a:cs typeface="Open Sans"/>
+                <a:sym typeface="Open Sans"/>
+              </a:defRPr>
+            </a:pPr>
+            <a:r>
+              <a:t>Concret</a:t>
+            </a:r>
+          </a:p>
+          <a:p>
+            <a:pPr marL="561473" indent="-561473" algn="l">
+              <a:spcBef>
+                <a:spcPts val="5900"/>
+              </a:spcBef>
+              <a:buSzPct val="75000"/>
+              <a:buChar char="•"/>
+              <a:defRPr sz="7200">
+                <a:latin typeface="Open Sans"/>
+                <a:ea typeface="Open Sans"/>
+                <a:cs typeface="Open Sans"/>
+                <a:sym typeface="Open Sans"/>
+              </a:defRPr>
+            </a:pPr>
+            <a:r>
+              <a:t>Simple et efficace</a:t>
+            </a:r>
+          </a:p>
+          <a:p>
+            <a:pPr marL="561473" indent="-561473" algn="l">
+              <a:spcBef>
+                <a:spcPts val="5900"/>
+              </a:spcBef>
+              <a:buSzPct val="75000"/>
+              <a:buChar char="•"/>
+              <a:defRPr sz="7200">
+                <a:latin typeface="Open Sans"/>
+                <a:ea typeface="Open Sans"/>
+                <a:cs typeface="Open Sans"/>
+                <a:sym typeface="Open Sans"/>
+              </a:defRPr>
+            </a:pPr>
+            <a:r>
+              <a:t>Source d’inspiration</a:t>
+            </a:r>
+          </a:p>
+        </p:txBody>
+      </p:sp>
+      <p:sp>
+        <p:nvSpPr>
+          <p:cNvPr id="741" name="Shape 741"/>
+          <p:cNvSpPr/>
+          <p:nvPr/>
+        </p:nvSpPr>
+        <p:spPr>
+          <a:xfrm>
+            <a:off x="11932893" y="13019484"/>
+            <a:ext cx="500355" cy="485776"/>
+          </a:xfrm>
+          <a:prstGeom prst="rect">
+            <a:avLst/>
+          </a:prstGeom>
+          <a:ln w="12700">
+            <a:miter lim="400000"/>
+          </a:ln>
+          <a:extLst>
+            <a:ext uri="{C572A759-6A51-4108-AA02-DFA0A04FC94B}">
+              <ma14:wrappingTextBoxFlag xmlns:ma14="http://schemas.microsoft.com/office/mac/drawingml/2011/main" val="1"/>
+            </a:ext>
+          </a:extLst>
+        </p:spPr>
+        <p:txBody>
+          <a:bodyPr wrap="none" lIns="71437" tIns="71437" rIns="71437" bIns="71437">
+            <a:spAutoFit/>
+          </a:bodyPr>
+          <a:lstStyle/>
+          <a:p>
+            <a:pPr>
+              <a:defRPr sz="2200">
+                <a:latin typeface="+mj-lt"/>
+                <a:ea typeface="+mj-ea"/>
+                <a:cs typeface="+mj-cs"/>
+                <a:sym typeface="Montserrat Regular"/>
+              </a:defRPr>
+            </a:pPr>
+            <a:fld id="{86CB4B4D-7CA3-9044-876B-883B54F8677D}" type="slidenum"/>
+            <a:r>
+              <a:t>￼</a:t>
+            </a:r>
+          </a:p>
+        </p:txBody>
+      </p:sp>
+      <p:pic>
+        <p:nvPicPr>
+          <p:cNvPr id="742" name="pasted-image.tiff"/>
+          <p:cNvPicPr>
+            <a:picLocks noChangeAspect="1"/>
+          </p:cNvPicPr>
+          <p:nvPr/>
+        </p:nvPicPr>
+        <p:blipFill>
+          <a:blip r:embed="rId3">
+            <a:extLst/>
+          </a:blip>
+          <a:stretch>
+            <a:fillRect/>
+          </a:stretch>
+        </p:blipFill>
+        <p:spPr>
+          <a:xfrm>
+            <a:off x="14817228" y="4718535"/>
+            <a:ext cx="6502401" cy="6502401"/>
+          </a:xfrm>
+          <a:prstGeom prst="rect">
+            <a:avLst/>
+          </a:prstGeom>
+          <a:ln w="12700">
+            <a:miter lim="400000"/>
+          </a:ln>
+        </p:spPr>
+      </p:pic>
+    </p:spTree>
+  </p:cSld>
+  <p:clrMapOvr>
+    <a:masterClrMapping/>
+  </p:clrMapOvr>
+  <p:transition xmlns:p14="http://schemas.microsoft.com/office/powerpoint/2010/main" spd="med" advClick="1"/>
+</p:sld>
+</file>
+
+<file path=ppt/slides/slide36.xml><?xml version="1.0" encoding="utf-8"?>
 <p:sld xmlns:a="http://schemas.openxmlformats.org/drawingml/2006/main" xmlns:r="http://schemas.openxmlformats.org/officeDocument/2006/relationships" xmlns:p="http://schemas.openxmlformats.org/presentationml/2006/main" showMasterSp="1" showMasterPhAnim="1">
   <p:cSld>
     <p:spTree>
@@ -21983,7 +22803,7 @@
       </p:grpSpPr>
       <p:sp>
         <p:nvSpPr>
-          <p:cNvPr id="724" name="Shape 724"/>
+          <p:cNvPr id="744" name="Shape 744"/>
           <p:cNvSpPr/>
           <p:nvPr>
             <p:ph type="ctrTitle"/>
@@ -22007,7 +22827,7 @@
       </p:sp>
       <p:sp>
         <p:nvSpPr>
-          <p:cNvPr id="725" name="Shape 725"/>
+          <p:cNvPr id="745" name="Shape 745"/>
           <p:cNvSpPr/>
           <p:nvPr>
             <p:ph type="subTitle" sz="half" idx="1"/>
@@ -22096,7 +22916,7 @@
       </p:sp>
       <p:sp>
         <p:nvSpPr>
-          <p:cNvPr id="726" name="Shape 726"/>
+          <p:cNvPr id="746" name="Shape 746"/>
           <p:cNvSpPr/>
           <p:nvPr>
             <p:ph type="sldNum" sz="quarter" idx="2"/>

--- a/TicTacToe.pptx
+++ b/TicTacToe.pptx
@@ -13686,7 +13686,7 @@
         <p:spPr>
           <a:xfrm>
             <a:off x="1984541" y="9833095"/>
-            <a:ext cx="10581668" cy="1703585"/>
+            <a:ext cx="11566802" cy="1703585"/>
           </a:xfrm>
           <a:prstGeom prst="rect">
             <a:avLst/>
@@ -13738,7 +13738,7 @@
               <a:t>EVEILLARD</a:t>
             </a:r>
             <a:r>
-              <a:t> @geveillard</a:t>
+              <a:t> @GuillaumeEveill</a:t>
             </a:r>
           </a:p>
         </p:txBody>
@@ -30983,7 +30983,7 @@
               </a:defRPr>
             </a:pPr>
             <a:r>
-              <a:t>UN SEUL D’ÉTAT</a:t>
+              <a:t>UN SEUL ÉTAT</a:t>
             </a:r>
             <a:endParaRPr sz="7200"/>
           </a:p>
